--- a/Präsentationen/Präsentation_Datenbanken_3.pptx
+++ b/Präsentationen/Präsentation_Datenbanken_3.pptx
@@ -9,20 +9,20 @@
     <p:sldId id="256" r:id="rId3"/>
     <p:sldId id="257" r:id="rId4"/>
     <p:sldId id="258" r:id="rId5"/>
-    <p:sldId id="259" r:id="rId6"/>
-    <p:sldId id="260" r:id="rId7"/>
-    <p:sldId id="261" r:id="rId8"/>
-    <p:sldId id="262" r:id="rId9"/>
-    <p:sldId id="263" r:id="rId10"/>
-    <p:sldId id="264" r:id="rId11"/>
-    <p:sldId id="265" r:id="rId12"/>
-    <p:sldId id="272" r:id="rId13"/>
-    <p:sldId id="266" r:id="rId14"/>
-    <p:sldId id="267" r:id="rId15"/>
-    <p:sldId id="268" r:id="rId16"/>
-    <p:sldId id="269" r:id="rId17"/>
-    <p:sldId id="270" r:id="rId18"/>
-    <p:sldId id="277" r:id="rId19"/>
+    <p:sldId id="260" r:id="rId6"/>
+    <p:sldId id="278" r:id="rId7"/>
+    <p:sldId id="279" r:id="rId8"/>
+    <p:sldId id="280" r:id="rId9"/>
+    <p:sldId id="281" r:id="rId10"/>
+    <p:sldId id="265" r:id="rId11"/>
+    <p:sldId id="266" r:id="rId12"/>
+    <p:sldId id="267" r:id="rId13"/>
+    <p:sldId id="268" r:id="rId14"/>
+    <p:sldId id="269" r:id="rId15"/>
+    <p:sldId id="270" r:id="rId16"/>
+    <p:sldId id="277" r:id="rId17"/>
+    <p:sldId id="272" r:id="rId18"/>
+    <p:sldId id="282" r:id="rId19"/>
     <p:sldId id="274" r:id="rId20"/>
     <p:sldId id="276" r:id="rId21"/>
     <p:sldId id="273" r:id="rId22"/>
@@ -124,6 +124,11 @@
       </a:defRPr>
     </a:lvl9pPr>
   </p:defaultTextStyle>
+  <p:extLst>
+    <p:ext uri="{EFAFB233-063F-42B5-8137-9DF3F51BA10A}">
+      <p15:sldGuideLst xmlns:p15="http://schemas.microsoft.com/office/powerpoint/2012/main"/>
+    </p:ext>
+  </p:extLst>
 </p:presentation>
 </file>
 
@@ -2439,7 +2444,7 @@
           <a:p>
             <a:fld id="{5CD1E2BD-FF63-45A3-A51D-CE91CE726F14}" type="datetimeFigureOut">
               <a:rPr lang="de-DE" smtClean="0"/>
-              <a:t>18.01.2019</a:t>
+              <a:t>22.01.2019</a:t>
             </a:fld>
             <a:endParaRPr lang="de-DE"/>
           </a:p>
@@ -5214,14 +5219,14 @@
       </p:grpSpPr>
       <p:sp>
         <p:nvSpPr>
-          <p:cNvPr id="114" name="CustomShape 1"/>
+          <p:cNvPr id="117" name="CustomShape 1"/>
           <p:cNvSpPr/>
           <p:nvPr/>
         </p:nvSpPr>
         <p:spPr>
           <a:xfrm>
             <a:off x="1097280" y="286560"/>
-            <a:ext cx="10057320" cy="1449720"/>
+            <a:ext cx="10057320" cy="1471120"/>
           </a:xfrm>
           <a:prstGeom prst="rect">
             <a:avLst/>
@@ -5247,13 +5252,17 @@
           <a:bodyPr lIns="90000" tIns="45000" rIns="90000" bIns="45000" anchor="b"/>
           <a:lstStyle/>
           <a:p>
-            <a:pPr>
+            <a:pPr marL="108720">
               <a:lnSpc>
                 <a:spcPct val="100000"/>
               </a:lnSpc>
+              <a:buClr>
+                <a:srgbClr val="000000"/>
+              </a:buClr>
+              <a:buSzPct val="45000"/>
             </a:pPr>
             <a:r>
-              <a:rPr lang="de-DE" sz="4800" b="0" strike="noStrike" spc="-43" dirty="0">
+              <a:rPr lang="de-DE" sz="3200" spc="-1" dirty="0">
                 <a:solidFill>
                   <a:srgbClr val="404040"/>
                 </a:solidFill>
@@ -5262,35 +5271,33 @@
                     <a:srgbClr val="FFFFFF"/>
                   </a:solidFill>
                 </a:uFill>
-                <a:latin typeface="Calibri Light"/>
-                <a:ea typeface="DejaVu Sans"/>
+                <a:latin typeface="Calibri"/>
               </a:rPr>
-              <a:t>Domains</a:t>
+              <a:t>Getränketypen, die vor dem Jahr 2018 per Lastschrift bezahlt wurden</a:t>
             </a:r>
-            <a:endParaRPr lang="de-DE" sz="1800" b="0" strike="noStrike" spc="-1" dirty="0">
-              <a:solidFill>
-                <a:srgbClr val="000000"/>
-              </a:solidFill>
-              <a:uFill>
-                <a:solidFill>
-                  <a:srgbClr val="FFFFFF"/>
-                </a:solidFill>
-              </a:uFill>
-              <a:latin typeface="Arial"/>
+            <a:endParaRPr lang="de-DE" sz="2800" spc="-1" dirty="0">
+              <a:solidFill>
+                <a:srgbClr val="000000"/>
+              </a:solidFill>
+              <a:uFill>
+                <a:solidFill>
+                  <a:srgbClr val="FFFFFF"/>
+                </a:solidFill>
+              </a:uFill>
             </a:endParaRPr>
           </a:p>
         </p:txBody>
       </p:sp>
       <p:sp>
         <p:nvSpPr>
-          <p:cNvPr id="115" name="CustomShape 2"/>
+          <p:cNvPr id="118" name="CustomShape 2"/>
           <p:cNvSpPr/>
           <p:nvPr/>
         </p:nvSpPr>
         <p:spPr>
           <a:xfrm>
             <a:off x="1097280" y="1845720"/>
-            <a:ext cx="4102200" cy="4022280"/>
+            <a:ext cx="10057320" cy="4022280"/>
           </a:xfrm>
           <a:prstGeom prst="rect">
             <a:avLst/>
@@ -5316,920 +5323,16 @@
           <a:bodyPr lIns="0" tIns="45000" rIns="0" bIns="45000"/>
           <a:lstStyle/>
           <a:p>
-            <a:pPr marL="91440" indent="-90360">
+            <a:pPr marL="432000" indent="-323280">
               <a:lnSpc>
                 <a:spcPct val="100000"/>
               </a:lnSpc>
               <a:buClr>
-                <a:srgbClr val="E48312"/>
+                <a:srgbClr val="000000"/>
               </a:buClr>
-              <a:buFont typeface="Arial"/>
-              <a:buChar char="•"/>
-            </a:pPr>
-            <a:r>
-              <a:rPr lang="de-DE" sz="2000" b="0" strike="noStrike" spc="-1" dirty="0">
-                <a:solidFill>
-                  <a:srgbClr val="404040"/>
-                </a:solidFill>
-                <a:uFill>
-                  <a:solidFill>
-                    <a:srgbClr val="FFFFFF"/>
-                  </a:solidFill>
-                </a:uFill>
-                <a:latin typeface="Calibri"/>
-                <a:ea typeface="DejaVu Sans"/>
-              </a:rPr>
-              <a:t> ANGESTELLTER_FUNKTION</a:t>
-            </a:r>
-            <a:endParaRPr lang="de-DE" sz="1800" b="0" strike="noStrike" spc="-1" dirty="0">
-              <a:solidFill>
-                <a:srgbClr val="000000"/>
-              </a:solidFill>
-              <a:uFill>
-                <a:solidFill>
-                  <a:srgbClr val="FFFFFF"/>
-                </a:solidFill>
-              </a:uFill>
-              <a:latin typeface="Arial"/>
-            </a:endParaRPr>
-          </a:p>
-          <a:p>
-            <a:pPr marL="384120" lvl="1" indent="-181800">
-              <a:lnSpc>
-                <a:spcPct val="100000"/>
-              </a:lnSpc>
-              <a:buClr>
-                <a:srgbClr val="E48312"/>
-              </a:buClr>
-              <a:buFont typeface="Arial"/>
-              <a:buChar char="•"/>
-            </a:pPr>
-            <a:r>
-              <a:rPr lang="de-DE" sz="1800" b="0" strike="noStrike" spc="-1" dirty="0">
-                <a:solidFill>
-                  <a:srgbClr val="404040"/>
-                </a:solidFill>
-                <a:uFill>
-                  <a:solidFill>
-                    <a:srgbClr val="FFFFFF"/>
-                  </a:solidFill>
-                </a:uFill>
-                <a:latin typeface="Calibri"/>
-                <a:ea typeface="DejaVu Sans"/>
-              </a:rPr>
-              <a:t>Sekretär</a:t>
-            </a:r>
-            <a:endParaRPr lang="de-DE" sz="1800" b="0" strike="noStrike" spc="-1" dirty="0">
-              <a:solidFill>
-                <a:srgbClr val="000000"/>
-              </a:solidFill>
-              <a:uFill>
-                <a:solidFill>
-                  <a:srgbClr val="FFFFFF"/>
-                </a:solidFill>
-              </a:uFill>
-              <a:latin typeface="Arial"/>
-            </a:endParaRPr>
-          </a:p>
-          <a:p>
-            <a:pPr marL="384120" lvl="1" indent="-181800">
-              <a:lnSpc>
-                <a:spcPct val="100000"/>
-              </a:lnSpc>
-              <a:buClr>
-                <a:srgbClr val="E48312"/>
-              </a:buClr>
-              <a:buFont typeface="Arial"/>
-              <a:buChar char="•"/>
-            </a:pPr>
-            <a:r>
-              <a:rPr lang="de-DE" sz="1800" b="0" strike="noStrike" spc="-1" dirty="0">
-                <a:solidFill>
-                  <a:srgbClr val="404040"/>
-                </a:solidFill>
-                <a:uFill>
-                  <a:solidFill>
-                    <a:srgbClr val="FFFFFF"/>
-                  </a:solidFill>
-                </a:uFill>
-                <a:latin typeface="Calibri"/>
-                <a:ea typeface="DejaVu Sans"/>
-              </a:rPr>
-              <a:t>Fitness- Trainer</a:t>
-            </a:r>
-            <a:endParaRPr lang="de-DE" sz="1800" b="0" strike="noStrike" spc="-1" dirty="0">
-              <a:solidFill>
-                <a:srgbClr val="000000"/>
-              </a:solidFill>
-              <a:uFill>
-                <a:solidFill>
-                  <a:srgbClr val="FFFFFF"/>
-                </a:solidFill>
-              </a:uFill>
-              <a:latin typeface="Arial"/>
-            </a:endParaRPr>
-          </a:p>
-          <a:p>
-            <a:pPr marL="384120" lvl="1" indent="-181800">
-              <a:lnSpc>
-                <a:spcPct val="100000"/>
-              </a:lnSpc>
-              <a:buClr>
-                <a:srgbClr val="E48312"/>
-              </a:buClr>
-              <a:buFont typeface="Arial"/>
-              <a:buChar char="•"/>
-            </a:pPr>
-            <a:r>
-              <a:rPr lang="de-DE" sz="1800" b="0" strike="noStrike" spc="-1" dirty="0">
-                <a:solidFill>
-                  <a:srgbClr val="404040"/>
-                </a:solidFill>
-                <a:uFill>
-                  <a:solidFill>
-                    <a:srgbClr val="FFFFFF"/>
-                  </a:solidFill>
-                </a:uFill>
-                <a:latin typeface="Calibri"/>
-                <a:ea typeface="DejaVu Sans"/>
-              </a:rPr>
-              <a:t>Masseur</a:t>
-            </a:r>
-            <a:endParaRPr lang="de-DE" sz="1800" b="0" strike="noStrike" spc="-1" dirty="0">
-              <a:solidFill>
-                <a:srgbClr val="000000"/>
-              </a:solidFill>
-              <a:uFill>
-                <a:solidFill>
-                  <a:srgbClr val="FFFFFF"/>
-                </a:solidFill>
-              </a:uFill>
-              <a:latin typeface="Arial"/>
-            </a:endParaRPr>
-          </a:p>
-          <a:p>
-            <a:pPr marL="91440" indent="-90360">
-              <a:lnSpc>
-                <a:spcPct val="100000"/>
-              </a:lnSpc>
-              <a:buClr>
-                <a:srgbClr val="E48312"/>
-              </a:buClr>
-              <a:buFont typeface="Arial"/>
-              <a:buChar char="•"/>
-            </a:pPr>
-            <a:r>
-              <a:rPr lang="de-DE" sz="2000" b="0" strike="noStrike" spc="-1" dirty="0">
-                <a:solidFill>
-                  <a:srgbClr val="404040"/>
-                </a:solidFill>
-                <a:uFill>
-                  <a:solidFill>
-                    <a:srgbClr val="FFFFFF"/>
-                  </a:solidFill>
-                </a:uFill>
-                <a:latin typeface="Calibri"/>
-                <a:ea typeface="DejaVu Sans"/>
-              </a:rPr>
-              <a:t> ANREDE</a:t>
-            </a:r>
-            <a:endParaRPr lang="de-DE" sz="1800" b="0" strike="noStrike" spc="-1" dirty="0">
-              <a:solidFill>
-                <a:srgbClr val="000000"/>
-              </a:solidFill>
-              <a:uFill>
-                <a:solidFill>
-                  <a:srgbClr val="FFFFFF"/>
-                </a:solidFill>
-              </a:uFill>
-              <a:latin typeface="Arial"/>
-            </a:endParaRPr>
-          </a:p>
-          <a:p>
-            <a:pPr marL="384120" lvl="1" indent="-181800">
-              <a:lnSpc>
-                <a:spcPct val="100000"/>
-              </a:lnSpc>
-              <a:buClr>
-                <a:srgbClr val="E48312"/>
-              </a:buClr>
-              <a:buFont typeface="Arial"/>
-              <a:buChar char="•"/>
-            </a:pPr>
-            <a:r>
-              <a:rPr lang="de-DE" sz="1800" b="0" strike="noStrike" spc="-1" dirty="0">
-                <a:solidFill>
-                  <a:srgbClr val="404040"/>
-                </a:solidFill>
-                <a:uFill>
-                  <a:solidFill>
-                    <a:srgbClr val="FFFFFF"/>
-                  </a:solidFill>
-                </a:uFill>
-                <a:latin typeface="Calibri"/>
-                <a:ea typeface="DejaVu Sans"/>
-              </a:rPr>
-              <a:t>Herr</a:t>
-            </a:r>
-            <a:endParaRPr lang="de-DE" sz="1800" b="0" strike="noStrike" spc="-1" dirty="0">
-              <a:solidFill>
-                <a:srgbClr val="000000"/>
-              </a:solidFill>
-              <a:uFill>
-                <a:solidFill>
-                  <a:srgbClr val="FFFFFF"/>
-                </a:solidFill>
-              </a:uFill>
-              <a:latin typeface="Arial"/>
-            </a:endParaRPr>
-          </a:p>
-          <a:p>
-            <a:pPr marL="384120" lvl="1" indent="-181800">
-              <a:lnSpc>
-                <a:spcPct val="100000"/>
-              </a:lnSpc>
-              <a:buClr>
-                <a:srgbClr val="E48312"/>
-              </a:buClr>
-              <a:buFont typeface="Arial"/>
-              <a:buChar char="•"/>
-            </a:pPr>
-            <a:r>
-              <a:rPr lang="de-DE" sz="1800" b="0" strike="noStrike" spc="-1" dirty="0">
-                <a:solidFill>
-                  <a:srgbClr val="404040"/>
-                </a:solidFill>
-                <a:uFill>
-                  <a:solidFill>
-                    <a:srgbClr val="FFFFFF"/>
-                  </a:solidFill>
-                </a:uFill>
-                <a:latin typeface="Calibri"/>
-                <a:ea typeface="DejaVu Sans"/>
-              </a:rPr>
-              <a:t>Frau</a:t>
-            </a:r>
-            <a:endParaRPr lang="de-DE" sz="1800" b="0" strike="noStrike" spc="-1" dirty="0">
-              <a:solidFill>
-                <a:srgbClr val="000000"/>
-              </a:solidFill>
-              <a:uFill>
-                <a:solidFill>
-                  <a:srgbClr val="FFFFFF"/>
-                </a:solidFill>
-              </a:uFill>
-              <a:latin typeface="Arial"/>
-            </a:endParaRPr>
-          </a:p>
-          <a:p>
-            <a:pPr marL="91440" indent="-90360">
-              <a:lnSpc>
-                <a:spcPct val="100000"/>
-              </a:lnSpc>
-              <a:buClr>
-                <a:srgbClr val="E48312"/>
-              </a:buClr>
-              <a:buFont typeface="Arial"/>
-              <a:buChar char="•"/>
-            </a:pPr>
-            <a:r>
-              <a:rPr lang="de-DE" sz="2000" b="0" strike="noStrike" spc="-1" dirty="0">
-                <a:solidFill>
-                  <a:srgbClr val="404040"/>
-                </a:solidFill>
-                <a:uFill>
-                  <a:solidFill>
-                    <a:srgbClr val="FFFFFF"/>
-                  </a:solidFill>
-                </a:uFill>
-                <a:latin typeface="Calibri"/>
-                <a:ea typeface="DejaVu Sans"/>
-              </a:rPr>
-              <a:t> KÜNDIGUNGSFRIST</a:t>
-            </a:r>
-            <a:endParaRPr lang="de-DE" sz="1800" b="0" strike="noStrike" spc="-1" dirty="0">
-              <a:solidFill>
-                <a:srgbClr val="000000"/>
-              </a:solidFill>
-              <a:uFill>
-                <a:solidFill>
-                  <a:srgbClr val="FFFFFF"/>
-                </a:solidFill>
-              </a:uFill>
-              <a:latin typeface="Arial"/>
-            </a:endParaRPr>
-          </a:p>
-          <a:p>
-            <a:pPr marL="384120" lvl="1" indent="-181800">
-              <a:lnSpc>
-                <a:spcPct val="100000"/>
-              </a:lnSpc>
-              <a:buClr>
-                <a:srgbClr val="E48312"/>
-              </a:buClr>
-              <a:buFont typeface="Arial"/>
-              <a:buChar char="•"/>
-            </a:pPr>
-            <a:r>
-              <a:rPr lang="de-DE" sz="1800" b="0" strike="noStrike" spc="-1" dirty="0">
-                <a:solidFill>
-                  <a:srgbClr val="404040"/>
-                </a:solidFill>
-                <a:uFill>
-                  <a:solidFill>
-                    <a:srgbClr val="FFFFFF"/>
-                  </a:solidFill>
-                </a:uFill>
-                <a:latin typeface="Calibri"/>
-                <a:ea typeface="DejaVu Sans"/>
-              </a:rPr>
-              <a:t>1 Monat</a:t>
-            </a:r>
-            <a:endParaRPr lang="de-DE" sz="1800" b="0" strike="noStrike" spc="-1" dirty="0">
-              <a:solidFill>
-                <a:srgbClr val="000000"/>
-              </a:solidFill>
-              <a:uFill>
-                <a:solidFill>
-                  <a:srgbClr val="FFFFFF"/>
-                </a:solidFill>
-              </a:uFill>
-              <a:latin typeface="Arial"/>
-            </a:endParaRPr>
-          </a:p>
-          <a:p>
-            <a:pPr marL="384120" lvl="1" indent="-181800">
-              <a:lnSpc>
-                <a:spcPct val="100000"/>
-              </a:lnSpc>
-              <a:buClr>
-                <a:srgbClr val="E48312"/>
-              </a:buClr>
-              <a:buFont typeface="Arial"/>
-              <a:buChar char="•"/>
-            </a:pPr>
-            <a:r>
-              <a:rPr lang="de-DE" sz="1800" b="0" strike="noStrike" spc="-1" dirty="0">
-                <a:solidFill>
-                  <a:srgbClr val="404040"/>
-                </a:solidFill>
-                <a:uFill>
-                  <a:solidFill>
-                    <a:srgbClr val="FFFFFF"/>
-                  </a:solidFill>
-                </a:uFill>
-                <a:latin typeface="Calibri"/>
-                <a:ea typeface="DejaVu Sans"/>
-              </a:rPr>
-              <a:t>2 Monate</a:t>
-            </a:r>
-            <a:endParaRPr lang="de-DE" sz="1800" b="0" strike="noStrike" spc="-1" dirty="0">
-              <a:solidFill>
-                <a:srgbClr val="000000"/>
-              </a:solidFill>
-              <a:uFill>
-                <a:solidFill>
-                  <a:srgbClr val="FFFFFF"/>
-                </a:solidFill>
-              </a:uFill>
-              <a:latin typeface="Arial"/>
-            </a:endParaRPr>
-          </a:p>
-          <a:p>
-            <a:pPr marL="384120" lvl="1" indent="-181800">
-              <a:lnSpc>
-                <a:spcPct val="100000"/>
-              </a:lnSpc>
-              <a:buClr>
-                <a:srgbClr val="E48312"/>
-              </a:buClr>
-              <a:buFont typeface="Arial"/>
-              <a:buChar char="•"/>
-            </a:pPr>
-            <a:r>
-              <a:rPr lang="de-DE" sz="1800" b="0" strike="noStrike" spc="-1" dirty="0">
-                <a:solidFill>
-                  <a:srgbClr val="404040"/>
-                </a:solidFill>
-                <a:uFill>
-                  <a:solidFill>
-                    <a:srgbClr val="FFFFFF"/>
-                  </a:solidFill>
-                </a:uFill>
-                <a:latin typeface="Calibri"/>
-                <a:ea typeface="DejaVu Sans"/>
-              </a:rPr>
-              <a:t>3 Monate</a:t>
-            </a:r>
-            <a:endParaRPr lang="de-DE" sz="1800" b="0" strike="noStrike" spc="-1" dirty="0">
-              <a:solidFill>
-                <a:srgbClr val="000000"/>
-              </a:solidFill>
-              <a:uFill>
-                <a:solidFill>
-                  <a:srgbClr val="FFFFFF"/>
-                </a:solidFill>
-              </a:uFill>
-              <a:latin typeface="Arial"/>
-            </a:endParaRPr>
-          </a:p>
-        </p:txBody>
-      </p:sp>
-      <p:sp>
-        <p:nvSpPr>
-          <p:cNvPr id="116" name="CustomShape 3"/>
-          <p:cNvSpPr/>
-          <p:nvPr/>
-        </p:nvSpPr>
-        <p:spPr>
-          <a:xfrm>
-            <a:off x="5400360" y="1845720"/>
-            <a:ext cx="4102200" cy="4022280"/>
-          </a:xfrm>
-          <a:prstGeom prst="rect">
-            <a:avLst/>
-          </a:prstGeom>
-          <a:noFill/>
-          <a:ln>
-            <a:noFill/>
-          </a:ln>
-        </p:spPr>
-        <p:style>
-          <a:lnRef idx="0">
-            <a:scrgbClr r="0" g="0" b="0"/>
-          </a:lnRef>
-          <a:fillRef idx="0">
-            <a:scrgbClr r="0" g="0" b="0"/>
-          </a:fillRef>
-          <a:effectRef idx="0">
-            <a:scrgbClr r="0" g="0" b="0"/>
-          </a:effectRef>
-          <a:fontRef idx="minor"/>
-        </p:style>
-        <p:txBody>
-          <a:bodyPr lIns="0" tIns="45000" rIns="0" bIns="45000"/>
-          <a:lstStyle/>
-          <a:p>
-            <a:pPr marL="91440" indent="-90360">
-              <a:lnSpc>
-                <a:spcPct val="100000"/>
-              </a:lnSpc>
-              <a:buClr>
-                <a:srgbClr val="E48312"/>
-              </a:buClr>
-              <a:buFont typeface="Arial"/>
-              <a:buChar char="•"/>
-            </a:pPr>
-            <a:r>
-              <a:rPr lang="de-DE" sz="2000" b="0" strike="noStrike" spc="-1" dirty="0">
-                <a:solidFill>
-                  <a:srgbClr val="404040"/>
-                </a:solidFill>
-                <a:uFill>
-                  <a:solidFill>
-                    <a:srgbClr val="FFFFFF"/>
-                  </a:solidFill>
-                </a:uFill>
-                <a:latin typeface="Calibri"/>
-                <a:ea typeface="DejaVu Sans"/>
-              </a:rPr>
-              <a:t> KURSTYP</a:t>
-            </a:r>
-            <a:endParaRPr lang="de-DE" sz="1800" b="0" strike="noStrike" spc="-1" dirty="0">
-              <a:solidFill>
-                <a:srgbClr val="000000"/>
-              </a:solidFill>
-              <a:uFill>
-                <a:solidFill>
-                  <a:srgbClr val="FFFFFF"/>
-                </a:solidFill>
-              </a:uFill>
-              <a:latin typeface="Arial"/>
-            </a:endParaRPr>
-          </a:p>
-          <a:p>
-            <a:pPr marL="384120" lvl="1" indent="-181800">
-              <a:lnSpc>
-                <a:spcPct val="100000"/>
-              </a:lnSpc>
-              <a:buClr>
-                <a:srgbClr val="E48312"/>
-              </a:buClr>
-              <a:buFont typeface="Arial"/>
-              <a:buChar char="•"/>
-            </a:pPr>
-            <a:r>
-              <a:rPr lang="de-DE" sz="1800" b="0" strike="noStrike" spc="-1" dirty="0">
-                <a:solidFill>
-                  <a:srgbClr val="404040"/>
-                </a:solidFill>
-                <a:uFill>
-                  <a:solidFill>
-                    <a:srgbClr val="FFFFFF"/>
-                  </a:solidFill>
-                </a:uFill>
-                <a:latin typeface="Calibri"/>
-                <a:ea typeface="DejaVu Sans"/>
-              </a:rPr>
-              <a:t>Yoga</a:t>
-            </a:r>
-            <a:endParaRPr lang="de-DE" sz="1800" b="0" strike="noStrike" spc="-1" dirty="0">
-              <a:solidFill>
-                <a:srgbClr val="000000"/>
-              </a:solidFill>
-              <a:uFill>
-                <a:solidFill>
-                  <a:srgbClr val="FFFFFF"/>
-                </a:solidFill>
-              </a:uFill>
-              <a:latin typeface="Arial"/>
-            </a:endParaRPr>
-          </a:p>
-          <a:p>
-            <a:pPr marL="384120" lvl="1" indent="-181800">
-              <a:lnSpc>
-                <a:spcPct val="100000"/>
-              </a:lnSpc>
-              <a:buClr>
-                <a:srgbClr val="E48312"/>
-              </a:buClr>
-              <a:buFont typeface="Arial"/>
-              <a:buChar char="•"/>
-            </a:pPr>
-            <a:r>
-              <a:rPr lang="de-DE" sz="1800" b="0" strike="noStrike" spc="-1" dirty="0">
-                <a:solidFill>
-                  <a:srgbClr val="404040"/>
-                </a:solidFill>
-                <a:uFill>
-                  <a:solidFill>
-                    <a:srgbClr val="FFFFFF"/>
-                  </a:solidFill>
-                </a:uFill>
-                <a:latin typeface="Calibri"/>
-                <a:ea typeface="DejaVu Sans"/>
-              </a:rPr>
-              <a:t>Herz- Kreislauf</a:t>
-            </a:r>
-            <a:endParaRPr lang="de-DE" sz="1800" b="0" strike="noStrike" spc="-1" dirty="0">
-              <a:solidFill>
-                <a:srgbClr val="000000"/>
-              </a:solidFill>
-              <a:uFill>
-                <a:solidFill>
-                  <a:srgbClr val="FFFFFF"/>
-                </a:solidFill>
-              </a:uFill>
-              <a:latin typeface="Arial"/>
-            </a:endParaRPr>
-          </a:p>
-          <a:p>
-            <a:pPr marL="384120" lvl="1" indent="-181800">
-              <a:lnSpc>
-                <a:spcPct val="100000"/>
-              </a:lnSpc>
-              <a:buClr>
-                <a:srgbClr val="E48312"/>
-              </a:buClr>
-              <a:buFont typeface="Arial"/>
-              <a:buChar char="•"/>
-            </a:pPr>
-            <a:r>
-              <a:rPr lang="de-DE" sz="1800" b="0" strike="noStrike" spc="-1" dirty="0">
-                <a:solidFill>
-                  <a:srgbClr val="404040"/>
-                </a:solidFill>
-                <a:uFill>
-                  <a:solidFill>
-                    <a:srgbClr val="FFFFFF"/>
-                  </a:solidFill>
-                </a:uFill>
-                <a:latin typeface="Calibri"/>
-                <a:ea typeface="DejaVu Sans"/>
-              </a:rPr>
-              <a:t>Pilates</a:t>
-            </a:r>
-            <a:endParaRPr lang="de-DE" sz="1800" b="0" strike="noStrike" spc="-1" dirty="0">
-              <a:solidFill>
-                <a:srgbClr val="000000"/>
-              </a:solidFill>
-              <a:uFill>
-                <a:solidFill>
-                  <a:srgbClr val="FFFFFF"/>
-                </a:solidFill>
-              </a:uFill>
-              <a:latin typeface="Arial"/>
-            </a:endParaRPr>
-          </a:p>
-          <a:p>
-            <a:pPr marL="91440" indent="-90360">
-              <a:lnSpc>
-                <a:spcPct val="100000"/>
-              </a:lnSpc>
-              <a:buClr>
-                <a:srgbClr val="E48312"/>
-              </a:buClr>
-              <a:buFont typeface="Arial"/>
-              <a:buChar char="•"/>
-            </a:pPr>
-            <a:r>
-              <a:rPr lang="de-DE" sz="2000" b="0" strike="noStrike" spc="-1" dirty="0">
-                <a:solidFill>
-                  <a:srgbClr val="404040"/>
-                </a:solidFill>
-                <a:uFill>
-                  <a:solidFill>
-                    <a:srgbClr val="FFFFFF"/>
-                  </a:solidFill>
-                </a:uFill>
-                <a:latin typeface="Calibri"/>
-                <a:ea typeface="DejaVu Sans"/>
-              </a:rPr>
-              <a:t> REHASPORTTYP</a:t>
-            </a:r>
-            <a:endParaRPr lang="de-DE" sz="1800" b="0" strike="noStrike" spc="-1" dirty="0">
-              <a:solidFill>
-                <a:srgbClr val="000000"/>
-              </a:solidFill>
-              <a:uFill>
-                <a:solidFill>
-                  <a:srgbClr val="FFFFFF"/>
-                </a:solidFill>
-              </a:uFill>
-              <a:latin typeface="Arial"/>
-            </a:endParaRPr>
-          </a:p>
-          <a:p>
-            <a:pPr marL="384120" lvl="1" indent="-181800">
-              <a:lnSpc>
-                <a:spcPct val="100000"/>
-              </a:lnSpc>
-              <a:buClr>
-                <a:srgbClr val="E48312"/>
-              </a:buClr>
-              <a:buFont typeface="Arial"/>
-              <a:buChar char="•"/>
-            </a:pPr>
-            <a:r>
-              <a:rPr lang="de-DE" sz="1800" b="0" strike="noStrike" spc="-1" dirty="0">
-                <a:solidFill>
-                  <a:srgbClr val="404040"/>
-                </a:solidFill>
-                <a:uFill>
-                  <a:solidFill>
-                    <a:srgbClr val="FFFFFF"/>
-                  </a:solidFill>
-                </a:uFill>
-                <a:latin typeface="Calibri"/>
-                <a:ea typeface="DejaVu Sans"/>
-              </a:rPr>
-              <a:t>Koronarsport</a:t>
-            </a:r>
-            <a:endParaRPr lang="de-DE" sz="1800" b="0" strike="noStrike" spc="-1" dirty="0">
-              <a:solidFill>
-                <a:srgbClr val="000000"/>
-              </a:solidFill>
-              <a:uFill>
-                <a:solidFill>
-                  <a:srgbClr val="FFFFFF"/>
-                </a:solidFill>
-              </a:uFill>
-              <a:latin typeface="Arial"/>
-            </a:endParaRPr>
-          </a:p>
-          <a:p>
-            <a:pPr marL="384120" lvl="1" indent="-181800">
-              <a:lnSpc>
-                <a:spcPct val="100000"/>
-              </a:lnSpc>
-              <a:buClr>
-                <a:srgbClr val="E48312"/>
-              </a:buClr>
-              <a:buFont typeface="Arial"/>
-              <a:buChar char="•"/>
-            </a:pPr>
-            <a:r>
-              <a:rPr lang="de-DE" sz="1800" b="0" strike="noStrike" spc="-1" dirty="0">
-                <a:solidFill>
-                  <a:srgbClr val="404040"/>
-                </a:solidFill>
-                <a:uFill>
-                  <a:solidFill>
-                    <a:srgbClr val="FFFFFF"/>
-                  </a:solidFill>
-                </a:uFill>
-                <a:latin typeface="Calibri"/>
-                <a:ea typeface="DejaVu Sans"/>
-              </a:rPr>
-              <a:t>Rückengymnastik</a:t>
-            </a:r>
-            <a:endParaRPr lang="de-DE" sz="1800" b="0" strike="noStrike" spc="-1" dirty="0">
-              <a:solidFill>
-                <a:srgbClr val="000000"/>
-              </a:solidFill>
-              <a:uFill>
-                <a:solidFill>
-                  <a:srgbClr val="FFFFFF"/>
-                </a:solidFill>
-              </a:uFill>
-              <a:latin typeface="Arial"/>
-            </a:endParaRPr>
-          </a:p>
-          <a:p>
-            <a:pPr marL="384120" lvl="1" indent="-181800">
-              <a:lnSpc>
-                <a:spcPct val="100000"/>
-              </a:lnSpc>
-              <a:buClr>
-                <a:srgbClr val="E48312"/>
-              </a:buClr>
-              <a:buFont typeface="Arial"/>
-              <a:buChar char="•"/>
-            </a:pPr>
-            <a:r>
-              <a:rPr lang="de-DE" sz="1800" b="0" strike="noStrike" spc="-1" dirty="0">
-                <a:solidFill>
-                  <a:srgbClr val="404040"/>
-                </a:solidFill>
-                <a:uFill>
-                  <a:solidFill>
-                    <a:srgbClr val="FFFFFF"/>
-                  </a:solidFill>
-                </a:uFill>
-                <a:latin typeface="Calibri"/>
-                <a:ea typeface="DejaVu Sans"/>
-              </a:rPr>
-              <a:t>Beckenbodengymnastik</a:t>
-            </a:r>
-            <a:endParaRPr lang="de-DE" sz="1800" b="0" strike="noStrike" spc="-1" dirty="0">
-              <a:solidFill>
-                <a:srgbClr val="000000"/>
-              </a:solidFill>
-              <a:uFill>
-                <a:solidFill>
-                  <a:srgbClr val="FFFFFF"/>
-                </a:solidFill>
-              </a:uFill>
-              <a:latin typeface="Arial"/>
-            </a:endParaRPr>
-          </a:p>
-          <a:p>
-            <a:pPr marL="91440" indent="-90360">
-              <a:lnSpc>
-                <a:spcPct val="100000"/>
-              </a:lnSpc>
-              <a:buClr>
-                <a:srgbClr val="E48312"/>
-              </a:buClr>
-              <a:buFont typeface="Arial"/>
-              <a:buChar char="•"/>
-            </a:pPr>
-            <a:r>
-              <a:rPr lang="de-DE" sz="2000" b="0" strike="noStrike" spc="-1" dirty="0">
-                <a:solidFill>
-                  <a:srgbClr val="404040"/>
-                </a:solidFill>
-                <a:uFill>
-                  <a:solidFill>
-                    <a:srgbClr val="FFFFFF"/>
-                  </a:solidFill>
-                </a:uFill>
-                <a:latin typeface="Calibri"/>
-                <a:ea typeface="DejaVu Sans"/>
-              </a:rPr>
-              <a:t> ZAHLUNGSART</a:t>
-            </a:r>
-            <a:endParaRPr lang="de-DE" sz="1800" b="0" strike="noStrike" spc="-1" dirty="0">
-              <a:solidFill>
-                <a:srgbClr val="000000"/>
-              </a:solidFill>
-              <a:uFill>
-                <a:solidFill>
-                  <a:srgbClr val="FFFFFF"/>
-                </a:solidFill>
-              </a:uFill>
-              <a:latin typeface="Arial"/>
-            </a:endParaRPr>
-          </a:p>
-          <a:p>
-            <a:pPr marL="384120" lvl="1" indent="-181800">
-              <a:lnSpc>
-                <a:spcPct val="100000"/>
-              </a:lnSpc>
-              <a:buClr>
-                <a:srgbClr val="E48312"/>
-              </a:buClr>
-              <a:buFont typeface="Arial"/>
-              <a:buChar char="•"/>
-            </a:pPr>
-            <a:r>
-              <a:rPr lang="de-DE" sz="1800" b="0" strike="noStrike" spc="-1" dirty="0">
-                <a:solidFill>
-                  <a:srgbClr val="404040"/>
-                </a:solidFill>
-                <a:uFill>
-                  <a:solidFill>
-                    <a:srgbClr val="FFFFFF"/>
-                  </a:solidFill>
-                </a:uFill>
-                <a:latin typeface="Calibri"/>
-                <a:ea typeface="DejaVu Sans"/>
-              </a:rPr>
-              <a:t>Lastschrift</a:t>
-            </a:r>
-            <a:endParaRPr lang="de-DE" sz="1800" b="0" strike="noStrike" spc="-1" dirty="0">
-              <a:solidFill>
-                <a:srgbClr val="000000"/>
-              </a:solidFill>
-              <a:uFill>
-                <a:solidFill>
-                  <a:srgbClr val="FFFFFF"/>
-                </a:solidFill>
-              </a:uFill>
-              <a:latin typeface="Arial"/>
-            </a:endParaRPr>
-          </a:p>
-          <a:p>
-            <a:pPr marL="384120" lvl="1" indent="-181800">
-              <a:lnSpc>
-                <a:spcPct val="100000"/>
-              </a:lnSpc>
-              <a:buClr>
-                <a:srgbClr val="E48312"/>
-              </a:buClr>
-              <a:buFont typeface="Arial"/>
-              <a:buChar char="•"/>
-            </a:pPr>
-            <a:r>
-              <a:rPr lang="de-DE" sz="1800" b="0" strike="noStrike" spc="-1" dirty="0">
-                <a:solidFill>
-                  <a:srgbClr val="404040"/>
-                </a:solidFill>
-                <a:uFill>
-                  <a:solidFill>
-                    <a:srgbClr val="FFFFFF"/>
-                  </a:solidFill>
-                </a:uFill>
-                <a:latin typeface="Calibri"/>
-                <a:ea typeface="DejaVu Sans"/>
-              </a:rPr>
-              <a:t>SEPA</a:t>
-            </a:r>
-            <a:endParaRPr lang="de-DE" sz="1800" b="0" strike="noStrike" spc="-1" dirty="0">
-              <a:solidFill>
-                <a:srgbClr val="000000"/>
-              </a:solidFill>
-              <a:uFill>
-                <a:solidFill>
-                  <a:srgbClr val="FFFFFF"/>
-                </a:solidFill>
-              </a:uFill>
-              <a:latin typeface="Arial"/>
-            </a:endParaRPr>
-          </a:p>
-          <a:p>
-            <a:pPr marL="384120" lvl="1" indent="-181800">
-              <a:lnSpc>
-                <a:spcPct val="100000"/>
-              </a:lnSpc>
-              <a:buClr>
-                <a:srgbClr val="E48312"/>
-              </a:buClr>
-              <a:buFont typeface="Arial"/>
-              <a:buChar char="•"/>
-            </a:pPr>
-            <a:r>
-              <a:rPr lang="de-DE" sz="1800" b="0" strike="noStrike" spc="-1" dirty="0">
-                <a:solidFill>
-                  <a:srgbClr val="404040"/>
-                </a:solidFill>
-                <a:uFill>
-                  <a:solidFill>
-                    <a:srgbClr val="FFFFFF"/>
-                  </a:solidFill>
-                </a:uFill>
-                <a:latin typeface="Calibri"/>
-                <a:ea typeface="DejaVu Sans"/>
-              </a:rPr>
-              <a:t>Überweisung</a:t>
-            </a:r>
-            <a:endParaRPr lang="de-DE" sz="1800" b="0" strike="noStrike" spc="-1" dirty="0">
-              <a:solidFill>
-                <a:srgbClr val="000000"/>
-              </a:solidFill>
-              <a:uFill>
-                <a:solidFill>
-                  <a:srgbClr val="FFFFFF"/>
-                </a:solidFill>
-              </a:uFill>
-              <a:latin typeface="Arial"/>
-            </a:endParaRPr>
-          </a:p>
-          <a:p>
-            <a:pPr>
-              <a:lnSpc>
-                <a:spcPct val="100000"/>
-              </a:lnSpc>
+              <a:buSzPct val="45000"/>
+              <a:buFont typeface="Wingdings" charset="2"/>
+              <a:buChar char=""/>
             </a:pPr>
             <a:endParaRPr lang="de-DE" sz="1800" b="0" strike="noStrike" spc="-1" dirty="0">
               <a:solidFill>
@@ -6243,26 +5346,33 @@
               <a:latin typeface="Arial"/>
             </a:endParaRPr>
           </a:p>
-          <a:p>
-            <a:pPr>
-              <a:lnSpc>
-                <a:spcPct val="100000"/>
-              </a:lnSpc>
-            </a:pPr>
-            <a:endParaRPr lang="de-DE" sz="1800" b="0" strike="noStrike" spc="-1" dirty="0">
-              <a:solidFill>
-                <a:srgbClr val="000000"/>
-              </a:solidFill>
-              <a:uFill>
-                <a:solidFill>
-                  <a:srgbClr val="FFFFFF"/>
-                </a:solidFill>
-              </a:uFill>
-              <a:latin typeface="Arial"/>
-            </a:endParaRPr>
-          </a:p>
         </p:txBody>
       </p:sp>
+      <p:pic>
+        <p:nvPicPr>
+          <p:cNvPr id="119" name="Grafik 118"/>
+          <p:cNvPicPr/>
+          <p:nvPr/>
+        </p:nvPicPr>
+        <p:blipFill>
+          <a:blip r:embed="rId2"/>
+          <a:stretch/>
+        </p:blipFill>
+        <p:spPr>
+          <a:xfrm>
+            <a:off x="978200" y="1960380"/>
+            <a:ext cx="10235600" cy="3792960"/>
+          </a:xfrm>
+          <a:prstGeom prst="rect">
+            <a:avLst/>
+          </a:prstGeom>
+          <a:ln>
+            <a:solidFill>
+              <a:schemeClr val="tx1"/>
+            </a:solidFill>
+          </a:ln>
+        </p:spPr>
+      </p:pic>
     </p:spTree>
   </p:cSld>
   <p:clrMapOvr>
@@ -6317,60 +5427,85 @@
       </p:grpSpPr>
       <p:sp>
         <p:nvSpPr>
-          <p:cNvPr id="2" name="Titel 1">
-            <a:extLst>
-              <a:ext uri="{FF2B5EF4-FFF2-40B4-BE49-F238E27FC236}">
-                <a16:creationId xmlns:a16="http://schemas.microsoft.com/office/drawing/2014/main" id="{1BFA164F-4464-43FC-80DF-98456A3C7DC2}"/>
-              </a:ext>
-            </a:extLst>
-          </p:cNvPr>
-          <p:cNvSpPr>
-            <a:spLocks noGrp="1"/>
-          </p:cNvSpPr>
-          <p:nvPr>
-            <p:ph type="title"/>
-          </p:nvPr>
-        </p:nvSpPr>
-        <p:spPr>
-          <a:xfrm>
-            <a:off x="1117480" y="791760"/>
-            <a:ext cx="10972440" cy="1144800"/>
-          </a:xfrm>
-        </p:spPr>
+          <p:cNvPr id="120" name="CustomShape 1"/>
+          <p:cNvSpPr/>
+          <p:nvPr/>
+        </p:nvSpPr>
+        <p:spPr>
+          <a:xfrm>
+            <a:off x="1097280" y="286560"/>
+            <a:ext cx="10057320" cy="1449720"/>
+          </a:xfrm>
+          <a:prstGeom prst="rect">
+            <a:avLst/>
+          </a:prstGeom>
+          <a:noFill/>
+          <a:ln>
+            <a:noFill/>
+          </a:ln>
+        </p:spPr>
+        <p:style>
+          <a:lnRef idx="0">
+            <a:scrgbClr r="0" g="0" b="0"/>
+          </a:lnRef>
+          <a:fillRef idx="0">
+            <a:scrgbClr r="0" g="0" b="0"/>
+          </a:fillRef>
+          <a:effectRef idx="0">
+            <a:scrgbClr r="0" g="0" b="0"/>
+          </a:effectRef>
+          <a:fontRef idx="minor"/>
+        </p:style>
         <p:txBody>
-          <a:bodyPr/>
+          <a:bodyPr lIns="90000" tIns="45000" rIns="90000" bIns="45000" anchor="b"/>
           <a:lstStyle/>
           <a:p>
+            <a:pPr marL="108720">
+              <a:lnSpc>
+                <a:spcPct val="100000"/>
+              </a:lnSpc>
+              <a:buClr>
+                <a:srgbClr val="000000"/>
+              </a:buClr>
+              <a:buSzPct val="45000"/>
+            </a:pPr>
             <a:r>
-              <a:rPr lang="de-DE" sz="4800" dirty="0">
-                <a:latin typeface="Calibri Light" panose="020F0302020204030204" pitchFamily="34" charset="0"/>
-                <a:cs typeface="Calibri Light" panose="020F0302020204030204" pitchFamily="34" charset="0"/>
+              <a:rPr lang="de-DE" sz="3200" spc="-1" dirty="0">
+                <a:solidFill>
+                  <a:srgbClr val="404040"/>
+                </a:solidFill>
+                <a:uFill>
+                  <a:solidFill>
+                    <a:srgbClr val="FFFFFF"/>
+                  </a:solidFill>
+                </a:uFill>
+                <a:latin typeface="Calibri"/>
               </a:rPr>
-              <a:t>Erweiterbarkeit</a:t>
+              <a:t>Anzahl der Funktionen und Namen von Angestellten, die mindestens zwei Funktionen haben</a:t>
             </a:r>
+            <a:endParaRPr lang="de-DE" sz="2800" spc="-1" dirty="0">
+              <a:solidFill>
+                <a:srgbClr val="000000"/>
+              </a:solidFill>
+              <a:uFill>
+                <a:solidFill>
+                  <a:srgbClr val="FFFFFF"/>
+                </a:solidFill>
+              </a:uFill>
+            </a:endParaRPr>
           </a:p>
         </p:txBody>
       </p:sp>
       <p:sp>
         <p:nvSpPr>
-          <p:cNvPr id="4" name="CustomShape 2">
-            <a:extLst>
-              <a:ext uri="{FF2B5EF4-FFF2-40B4-BE49-F238E27FC236}">
-                <a16:creationId xmlns:a16="http://schemas.microsoft.com/office/drawing/2014/main" id="{428D5A35-77F3-4EA7-9893-D3360A1BC356}"/>
-              </a:ext>
-            </a:extLst>
-          </p:cNvPr>
-          <p:cNvSpPr>
-            <a:spLocks noGrp="1"/>
-          </p:cNvSpPr>
-          <p:nvPr>
-            <p:ph type="subTitle"/>
-          </p:nvPr>
-        </p:nvSpPr>
-        <p:spPr>
-          <a:xfrm>
-            <a:off x="1117120" y="1767523"/>
-            <a:ext cx="10972800" cy="3976687"/>
+          <p:cNvPr id="121" name="CustomShape 2"/>
+          <p:cNvSpPr/>
+          <p:nvPr/>
+        </p:nvSpPr>
+        <p:spPr>
+          <a:xfrm>
+            <a:off x="1097280" y="1845720"/>
+            <a:ext cx="10057320" cy="4022280"/>
           </a:xfrm>
           <a:prstGeom prst="rect">
             <a:avLst/>
@@ -6396,198 +5531,88 @@
           <a:bodyPr lIns="0" tIns="45000" rIns="0" bIns="45000"/>
           <a:lstStyle/>
           <a:p>
-            <a:pPr marL="91440" indent="-90360">
+            <a:pPr marL="432000" indent="-323280">
               <a:lnSpc>
                 <a:spcPct val="100000"/>
               </a:lnSpc>
               <a:buClr>
-                <a:srgbClr val="E48312"/>
+                <a:srgbClr val="000000"/>
               </a:buClr>
-              <a:buFont typeface="Arial"/>
-              <a:buChar char="•"/>
+              <a:buSzPct val="45000"/>
+              <a:buFont typeface="Wingdings" charset="2"/>
+              <a:buChar char=""/>
             </a:pPr>
-            <a:r>
-              <a:rPr lang="de-DE" sz="2200" b="0" strike="noStrike" spc="-1" dirty="0">
-                <a:solidFill>
-                  <a:srgbClr val="404040"/>
-                </a:solidFill>
-                <a:uFill>
-                  <a:solidFill>
-                    <a:srgbClr val="FFFFFF"/>
-                  </a:solidFill>
-                </a:uFill>
-                <a:latin typeface="Calibri"/>
-                <a:ea typeface="DejaVu Sans"/>
-              </a:rPr>
-              <a:t> </a:t>
-            </a:r>
-            <a:r>
-              <a:rPr lang="de-DE" sz="2200" spc="-1" dirty="0">
-                <a:solidFill>
-                  <a:srgbClr val="404040"/>
-                </a:solidFill>
-                <a:uFill>
-                  <a:solidFill>
-                    <a:srgbClr val="FFFFFF"/>
-                  </a:solidFill>
-                </a:uFill>
-                <a:latin typeface="Calibri" panose="020F0502020204030204" pitchFamily="34" charset="0"/>
-                <a:ea typeface="DejaVu Sans"/>
-                <a:cs typeface="Calibri" panose="020F0502020204030204" pitchFamily="34" charset="0"/>
-              </a:rPr>
-              <a:t>Vorhandene Domains anpassen </a:t>
-            </a:r>
-          </a:p>
-          <a:p>
-            <a:pPr marL="548640" lvl="1" indent="-90360">
-              <a:lnSpc>
-                <a:spcPct val="100000"/>
-              </a:lnSpc>
-              <a:buClr>
-                <a:srgbClr val="E48312"/>
-              </a:buClr>
-              <a:buFont typeface="Arial"/>
-              <a:buChar char="•"/>
-            </a:pPr>
-            <a:r>
-              <a:rPr lang="de-DE" sz="1800" spc="-1" dirty="0">
-                <a:solidFill>
-                  <a:srgbClr val="404040"/>
-                </a:solidFill>
-                <a:uFill>
-                  <a:solidFill>
-                    <a:srgbClr val="FFFFFF"/>
-                  </a:solidFill>
-                </a:uFill>
-                <a:latin typeface="Calibri" panose="020F0502020204030204" pitchFamily="34" charset="0"/>
-                <a:ea typeface="DejaVu Sans"/>
-                <a:cs typeface="Calibri" panose="020F0502020204030204" pitchFamily="34" charset="0"/>
-              </a:rPr>
-              <a:t>Neue Kurse</a:t>
-            </a:r>
-          </a:p>
-          <a:p>
-            <a:pPr marL="548640" lvl="1" indent="-90360">
-              <a:lnSpc>
-                <a:spcPct val="100000"/>
-              </a:lnSpc>
-              <a:buClr>
-                <a:srgbClr val="E48312"/>
-              </a:buClr>
-              <a:buFont typeface="Arial"/>
-              <a:buChar char="•"/>
-            </a:pPr>
-            <a:r>
-              <a:rPr lang="de-DE" sz="1800" spc="-1" dirty="0">
-                <a:solidFill>
-                  <a:srgbClr val="404040"/>
-                </a:solidFill>
-                <a:uFill>
-                  <a:solidFill>
-                    <a:srgbClr val="FFFFFF"/>
-                  </a:solidFill>
-                </a:uFill>
-                <a:latin typeface="Calibri" panose="020F0502020204030204" pitchFamily="34" charset="0"/>
-                <a:ea typeface="DejaVu Sans"/>
-                <a:cs typeface="Calibri" panose="020F0502020204030204" pitchFamily="34" charset="0"/>
-              </a:rPr>
-              <a:t>Neue Aktionen</a:t>
-            </a:r>
-          </a:p>
-          <a:p>
-            <a:pPr marL="91440" indent="-90360">
-              <a:lnSpc>
-                <a:spcPct val="100000"/>
-              </a:lnSpc>
-              <a:buClr>
-                <a:srgbClr val="E48312"/>
-              </a:buClr>
-              <a:buFont typeface="Arial"/>
-              <a:buChar char="•"/>
-            </a:pPr>
-            <a:r>
-              <a:rPr lang="de-DE" sz="2200" spc="-1" dirty="0">
-                <a:solidFill>
-                  <a:srgbClr val="404040"/>
-                </a:solidFill>
-                <a:uFill>
-                  <a:solidFill>
-                    <a:srgbClr val="FFFFFF"/>
-                  </a:solidFill>
-                </a:uFill>
-                <a:latin typeface="Calibri" panose="020F0502020204030204" pitchFamily="34" charset="0"/>
-                <a:ea typeface="DejaVu Sans"/>
-                <a:cs typeface="Calibri" panose="020F0502020204030204" pitchFamily="34" charset="0"/>
-              </a:rPr>
-              <a:t> Expansion (z.B. Kette)</a:t>
-            </a:r>
-          </a:p>
-          <a:p>
-            <a:pPr marL="91440" indent="-90360">
-              <a:lnSpc>
-                <a:spcPct val="100000"/>
-              </a:lnSpc>
-              <a:buClr>
-                <a:srgbClr val="E48312"/>
-              </a:buClr>
-              <a:buFont typeface="Arial"/>
-              <a:buChar char="•"/>
-            </a:pPr>
-            <a:r>
-              <a:rPr lang="de-DE" sz="2200" b="0" strike="noStrike" spc="-1" dirty="0">
-                <a:solidFill>
-                  <a:srgbClr val="000000"/>
-                </a:solidFill>
-                <a:uFill>
-                  <a:solidFill>
-                    <a:srgbClr val="FFFFFF"/>
-                  </a:solidFill>
-                </a:uFill>
-                <a:latin typeface="Calibri" panose="020F0502020204030204" pitchFamily="34" charset="0"/>
-                <a:cs typeface="Calibri" panose="020F0502020204030204" pitchFamily="34" charset="0"/>
-              </a:rPr>
-              <a:t> Abrechnungsformalitäten mit eigener Entity einfügen</a:t>
-            </a:r>
-          </a:p>
-          <a:p>
-            <a:pPr marL="548640" lvl="1" indent="-90360">
-              <a:lnSpc>
-                <a:spcPct val="100000"/>
-              </a:lnSpc>
-              <a:buClr>
-                <a:srgbClr val="E48312"/>
-              </a:buClr>
-              <a:buFont typeface="Arial"/>
-              <a:buChar char="•"/>
-            </a:pPr>
-            <a:r>
-              <a:rPr lang="de-DE" sz="1800" spc="-1" dirty="0">
-                <a:solidFill>
-                  <a:srgbClr val="000000"/>
-                </a:solidFill>
-                <a:uFill>
-                  <a:solidFill>
-                    <a:srgbClr val="FFFFFF"/>
-                  </a:solidFill>
-                </a:uFill>
-                <a:latin typeface="Calibri" panose="020F0502020204030204" pitchFamily="34" charset="0"/>
-                <a:cs typeface="Calibri" panose="020F0502020204030204" pitchFamily="34" charset="0"/>
-              </a:rPr>
-              <a:t>Aktuell wird nur die Abrechnungsart gespeichert</a:t>
-            </a:r>
+            <a:endParaRPr lang="de-DE" sz="1800" b="0" strike="noStrike" spc="-1" dirty="0">
+              <a:solidFill>
+                <a:srgbClr val="000000"/>
+              </a:solidFill>
+              <a:uFill>
+                <a:solidFill>
+                  <a:srgbClr val="FFFFFF"/>
+                </a:solidFill>
+              </a:uFill>
+              <a:latin typeface="Arial"/>
+            </a:endParaRPr>
           </a:p>
         </p:txBody>
       </p:sp>
+      <p:pic>
+        <p:nvPicPr>
+          <p:cNvPr id="122" name="Grafik 121"/>
+          <p:cNvPicPr/>
+          <p:nvPr/>
+        </p:nvPicPr>
+        <p:blipFill>
+          <a:blip r:embed="rId2"/>
+          <a:stretch/>
+        </p:blipFill>
+        <p:spPr>
+          <a:xfrm>
+            <a:off x="830300" y="2183580"/>
+            <a:ext cx="10531400" cy="3346560"/>
+          </a:xfrm>
+          <a:prstGeom prst="rect">
+            <a:avLst/>
+          </a:prstGeom>
+          <a:ln>
+            <a:solidFill>
+              <a:schemeClr val="tx1"/>
+            </a:solidFill>
+          </a:ln>
+        </p:spPr>
+      </p:pic>
     </p:spTree>
-    <p:extLst>
-      <p:ext uri="{BB962C8B-B14F-4D97-AF65-F5344CB8AC3E}">
-        <p14:creationId xmlns:p14="http://schemas.microsoft.com/office/powerpoint/2010/main" val="3537736329"/>
-      </p:ext>
-    </p:extLst>
   </p:cSld>
   <p:clrMapOvr>
     <a:masterClrMapping/>
   </p:clrMapOvr>
+  <p:timing>
+    <p:tnLst>
+      <p:par>
+        <p:cTn id="1" dur="indefinite" restart="never" nodeType="tmRoot">
+          <p:childTnLst>
+            <p:seq>
+              <p:cTn id="2" nodeType="mainSeq"/>
+              <p:prevCondLst>
+                <p:cond evt="onPrev" delay="0">
+                  <p:tgtEl>
+                    <p:sldTgt/>
+                  </p:tgtEl>
+                </p:cond>
+              </p:prevCondLst>
+              <p:nextCondLst>
+                <p:cond evt="onNext" delay="0">
+                  <p:tgtEl>
+                    <p:sldTgt/>
+                  </p:tgtEl>
+                </p:cond>
+              </p:nextCondLst>
+            </p:seq>
+          </p:childTnLst>
+        </p:cTn>
+      </p:par>
+    </p:tnLst>
+  </p:timing>
 </p:sld>
 </file>
 
@@ -6610,7 +5635,7 @@
       </p:grpSpPr>
       <p:sp>
         <p:nvSpPr>
-          <p:cNvPr id="117" name="CustomShape 1"/>
+          <p:cNvPr id="123" name="CustomShape 1"/>
           <p:cNvSpPr/>
           <p:nvPr/>
         </p:nvSpPr>
@@ -6643,13 +5668,17 @@
           <a:bodyPr lIns="90000" tIns="45000" rIns="90000" bIns="45000" anchor="b"/>
           <a:lstStyle/>
           <a:p>
-            <a:pPr>
+            <a:pPr marL="108720">
               <a:lnSpc>
                 <a:spcPct val="100000"/>
               </a:lnSpc>
+              <a:buClr>
+                <a:srgbClr val="000000"/>
+              </a:buClr>
+              <a:buSzPct val="45000"/>
             </a:pPr>
             <a:r>
-              <a:rPr lang="de-DE" sz="4800" b="0" strike="noStrike" spc="-43">
+              <a:rPr lang="de-DE" sz="3200" spc="-1" dirty="0">
                 <a:solidFill>
                   <a:srgbClr val="404040"/>
                 </a:solidFill>
@@ -6658,28 +5687,26 @@
                     <a:srgbClr val="FFFFFF"/>
                   </a:solidFill>
                 </a:uFill>
-                <a:latin typeface="Calibri Light"/>
-                <a:ea typeface="DejaVu Sans"/>
+                <a:latin typeface="Calibri"/>
               </a:rPr>
-              <a:t>Sql-Abfrage 1</a:t>
+              <a:t>Alle Verkäufe, mit einem Betrag über 5 Euro, mit Namen und Vornamen des Kunden</a:t>
             </a:r>
-            <a:endParaRPr lang="de-DE" sz="1800" b="0" strike="noStrike" spc="-1">
-              <a:solidFill>
-                <a:srgbClr val="000000"/>
-              </a:solidFill>
-              <a:uFill>
-                <a:solidFill>
-                  <a:srgbClr val="FFFFFF"/>
-                </a:solidFill>
-              </a:uFill>
-              <a:latin typeface="Arial"/>
+            <a:endParaRPr lang="de-DE" sz="2800" spc="-1" dirty="0">
+              <a:solidFill>
+                <a:srgbClr val="000000"/>
+              </a:solidFill>
+              <a:uFill>
+                <a:solidFill>
+                  <a:srgbClr val="FFFFFF"/>
+                </a:solidFill>
+              </a:uFill>
             </a:endParaRPr>
           </a:p>
         </p:txBody>
       </p:sp>
       <p:sp>
         <p:nvSpPr>
-          <p:cNvPr id="118" name="CustomShape 2"/>
+          <p:cNvPr id="124" name="CustomShape 2"/>
           <p:cNvSpPr/>
           <p:nvPr/>
         </p:nvSpPr>
@@ -6723,22 +5750,7 @@
               <a:buFont typeface="Wingdings" charset="2"/>
               <a:buChar char=""/>
             </a:pPr>
-            <a:r>
-              <a:rPr lang="de-DE" sz="2000" b="0" strike="noStrike" spc="-1">
-                <a:solidFill>
-                  <a:srgbClr val="404040"/>
-                </a:solidFill>
-                <a:uFill>
-                  <a:solidFill>
-                    <a:srgbClr val="FFFFFF"/>
-                  </a:solidFill>
-                </a:uFill>
-                <a:latin typeface="Calibri"/>
-                <a:ea typeface="DejaVu Sans"/>
-              </a:rPr>
-              <a:t>Getränketypen, die vor dem Jahr 2018 per Lastschrift bezahlt wurden</a:t>
-            </a:r>
-            <a:endParaRPr lang="de-DE" sz="1800" b="0" strike="noStrike" spc="-1">
+            <a:endParaRPr lang="de-DE" sz="1800" b="0" strike="noStrike" spc="-1" dirty="0">
               <a:solidFill>
                 <a:srgbClr val="000000"/>
               </a:solidFill>
@@ -6754,7 +5766,7 @@
       </p:sp>
       <p:pic>
         <p:nvPicPr>
-          <p:cNvPr id="119" name="Grafik 118"/>
+          <p:cNvPr id="125" name="Grafik 124"/>
           <p:cNvPicPr/>
           <p:nvPr/>
         </p:nvPicPr>
@@ -6764,14 +5776,16 @@
         </p:blipFill>
         <p:spPr>
           <a:xfrm>
-            <a:off x="1296000" y="2376000"/>
-            <a:ext cx="9366480" cy="3262680"/>
+            <a:off x="855880" y="2211480"/>
+            <a:ext cx="10540120" cy="3163160"/>
           </a:xfrm>
           <a:prstGeom prst="rect">
             <a:avLst/>
           </a:prstGeom>
           <a:ln>
-            <a:noFill/>
+            <a:solidFill>
+              <a:schemeClr val="tx1"/>
+            </a:solidFill>
           </a:ln>
         </p:spPr>
       </p:pic>
@@ -6829,7 +5843,7 @@
       </p:grpSpPr>
       <p:sp>
         <p:nvSpPr>
-          <p:cNvPr id="120" name="CustomShape 1"/>
+          <p:cNvPr id="126" name="CustomShape 1"/>
           <p:cNvSpPr/>
           <p:nvPr/>
         </p:nvSpPr>
@@ -6862,13 +5876,17 @@
           <a:bodyPr lIns="90000" tIns="45000" rIns="90000" bIns="45000" anchor="b"/>
           <a:lstStyle/>
           <a:p>
-            <a:pPr>
+            <a:pPr marL="108720">
               <a:lnSpc>
                 <a:spcPct val="100000"/>
               </a:lnSpc>
+              <a:buClr>
+                <a:srgbClr val="000000"/>
+              </a:buClr>
+              <a:buSzPct val="45000"/>
             </a:pPr>
             <a:r>
-              <a:rPr lang="de-DE" sz="4800" b="0" strike="noStrike" spc="-43">
+              <a:rPr lang="de-DE" sz="3200" spc="-1" dirty="0">
                 <a:solidFill>
                   <a:srgbClr val="404040"/>
                 </a:solidFill>
@@ -6877,28 +5895,26 @@
                     <a:srgbClr val="FFFFFF"/>
                   </a:solidFill>
                 </a:uFill>
-                <a:latin typeface="Calibri Light"/>
-                <a:ea typeface="DejaVu Sans"/>
+                <a:latin typeface="Calibri"/>
               </a:rPr>
-              <a:t>Sql-Abfrage 2</a:t>
+              <a:t>Prozentualer Anteil der Mitgliedschaften, die an Aktionen teilnehmen</a:t>
             </a:r>
-            <a:endParaRPr lang="de-DE" sz="1800" b="0" strike="noStrike" spc="-1">
-              <a:solidFill>
-                <a:srgbClr val="000000"/>
-              </a:solidFill>
-              <a:uFill>
-                <a:solidFill>
-                  <a:srgbClr val="FFFFFF"/>
-                </a:solidFill>
-              </a:uFill>
-              <a:latin typeface="Arial"/>
+            <a:endParaRPr lang="de-DE" sz="2800" spc="-1" dirty="0">
+              <a:solidFill>
+                <a:srgbClr val="000000"/>
+              </a:solidFill>
+              <a:uFill>
+                <a:solidFill>
+                  <a:srgbClr val="FFFFFF"/>
+                </a:solidFill>
+              </a:uFill>
             </a:endParaRPr>
           </a:p>
         </p:txBody>
       </p:sp>
       <p:sp>
         <p:nvSpPr>
-          <p:cNvPr id="121" name="CustomShape 2"/>
+          <p:cNvPr id="127" name="CustomShape 2"/>
           <p:cNvSpPr/>
           <p:nvPr/>
         </p:nvSpPr>
@@ -6942,22 +5958,7 @@
               <a:buFont typeface="Wingdings" charset="2"/>
               <a:buChar char=""/>
             </a:pPr>
-            <a:r>
-              <a:rPr lang="de-DE" sz="2000" b="0" strike="noStrike" spc="-1">
-                <a:solidFill>
-                  <a:srgbClr val="404040"/>
-                </a:solidFill>
-                <a:uFill>
-                  <a:solidFill>
-                    <a:srgbClr val="FFFFFF"/>
-                  </a:solidFill>
-                </a:uFill>
-                <a:latin typeface="Calibri"/>
-                <a:ea typeface="DejaVu Sans"/>
-              </a:rPr>
-              <a:t>Anzahl der Funktionen und Name von Angestellten, die mindestens zwei Funktionen haben</a:t>
-            </a:r>
-            <a:endParaRPr lang="de-DE" sz="1800" b="0" strike="noStrike" spc="-1">
+            <a:endParaRPr lang="de-DE" sz="1800" b="0" strike="noStrike" spc="-1" dirty="0">
               <a:solidFill>
                 <a:srgbClr val="000000"/>
               </a:solidFill>
@@ -6973,7 +5974,7 @@
       </p:sp>
       <p:pic>
         <p:nvPicPr>
-          <p:cNvPr id="122" name="Grafik 121"/>
+          <p:cNvPr id="128" name="Grafik 127"/>
           <p:cNvPicPr/>
           <p:nvPr/>
         </p:nvPicPr>
@@ -6983,14 +5984,16 @@
         </p:blipFill>
         <p:spPr>
           <a:xfrm>
-            <a:off x="1440000" y="2808000"/>
-            <a:ext cx="9599400" cy="2458800"/>
+            <a:off x="690400" y="2153920"/>
+            <a:ext cx="10811200" cy="3149600"/>
           </a:xfrm>
           <a:prstGeom prst="rect">
             <a:avLst/>
           </a:prstGeom>
           <a:ln>
-            <a:noFill/>
+            <a:solidFill>
+              <a:schemeClr val="tx1"/>
+            </a:solidFill>
           </a:ln>
         </p:spPr>
       </p:pic>
@@ -7048,7 +6051,7 @@
       </p:grpSpPr>
       <p:sp>
         <p:nvSpPr>
-          <p:cNvPr id="123" name="CustomShape 1"/>
+          <p:cNvPr id="129" name="CustomShape 1"/>
           <p:cNvSpPr/>
           <p:nvPr/>
         </p:nvSpPr>
@@ -7081,13 +6084,17 @@
           <a:bodyPr lIns="90000" tIns="45000" rIns="90000" bIns="45000" anchor="b"/>
           <a:lstStyle/>
           <a:p>
-            <a:pPr>
+            <a:pPr marL="108720">
               <a:lnSpc>
                 <a:spcPct val="100000"/>
               </a:lnSpc>
+              <a:buClr>
+                <a:srgbClr val="000000"/>
+              </a:buClr>
+              <a:buSzPct val="45000"/>
             </a:pPr>
             <a:r>
-              <a:rPr lang="de-DE" sz="4800" b="0" strike="noStrike" spc="-43">
+              <a:rPr lang="de-DE" sz="3200" spc="-1" dirty="0">
                 <a:solidFill>
                   <a:srgbClr val="404040"/>
                 </a:solidFill>
@@ -7096,28 +6103,26 @@
                     <a:srgbClr val="FFFFFF"/>
                   </a:solidFill>
                 </a:uFill>
-                <a:latin typeface="Calibri Light"/>
-                <a:ea typeface="DejaVu Sans"/>
+                <a:latin typeface="Calibri"/>
               </a:rPr>
-              <a:t>Sql-Abfrage 3</a:t>
+              <a:t>Name des Angestellten, der die meisten Einführungen durchgeführt hat und die Anzahl der Einführungen</a:t>
             </a:r>
-            <a:endParaRPr lang="de-DE" sz="1800" b="0" strike="noStrike" spc="-1">
-              <a:solidFill>
-                <a:srgbClr val="000000"/>
-              </a:solidFill>
-              <a:uFill>
-                <a:solidFill>
-                  <a:srgbClr val="FFFFFF"/>
-                </a:solidFill>
-              </a:uFill>
-              <a:latin typeface="Arial"/>
+            <a:endParaRPr lang="de-DE" sz="2800" spc="-1" dirty="0">
+              <a:solidFill>
+                <a:srgbClr val="000000"/>
+              </a:solidFill>
+              <a:uFill>
+                <a:solidFill>
+                  <a:srgbClr val="FFFFFF"/>
+                </a:solidFill>
+              </a:uFill>
             </a:endParaRPr>
           </a:p>
         </p:txBody>
       </p:sp>
       <p:sp>
         <p:nvSpPr>
-          <p:cNvPr id="124" name="CustomShape 2"/>
+          <p:cNvPr id="130" name="CustomShape 2"/>
           <p:cNvSpPr/>
           <p:nvPr/>
         </p:nvSpPr>
@@ -7161,22 +6166,7 @@
               <a:buFont typeface="Wingdings" charset="2"/>
               <a:buChar char=""/>
             </a:pPr>
-            <a:r>
-              <a:rPr lang="de-DE" sz="2000" b="0" strike="noStrike" spc="-1">
-                <a:solidFill>
-                  <a:srgbClr val="404040"/>
-                </a:solidFill>
-                <a:uFill>
-                  <a:solidFill>
-                    <a:srgbClr val="FFFFFF"/>
-                  </a:solidFill>
-                </a:uFill>
-                <a:latin typeface="Calibri"/>
-                <a:ea typeface="DejaVu Sans"/>
-              </a:rPr>
-              <a:t>Alle Verkäufe, mit einem Betrag über 5 Euro, mit Namen und Vornamen des Kunden</a:t>
-            </a:r>
-            <a:endParaRPr lang="de-DE" sz="1800" b="0" strike="noStrike" spc="-1">
+            <a:endParaRPr lang="de-DE" sz="1800" b="0" strike="noStrike" spc="-1" dirty="0">
               <a:solidFill>
                 <a:srgbClr val="000000"/>
               </a:solidFill>
@@ -7192,7 +6182,7 @@
       </p:sp>
       <p:pic>
         <p:nvPicPr>
-          <p:cNvPr id="125" name="Grafik 124"/>
+          <p:cNvPr id="131" name="Grafik 130"/>
           <p:cNvPicPr/>
           <p:nvPr/>
         </p:nvPicPr>
@@ -7202,14 +6192,16 @@
         </p:blipFill>
         <p:spPr>
           <a:xfrm>
-            <a:off x="1032120" y="2808000"/>
-            <a:ext cx="9623520" cy="2112840"/>
+            <a:off x="590360" y="2061400"/>
+            <a:ext cx="11011280" cy="3375360"/>
           </a:xfrm>
           <a:prstGeom prst="rect">
             <a:avLst/>
           </a:prstGeom>
           <a:ln>
-            <a:noFill/>
+            <a:solidFill>
+              <a:schemeClr val="tx1"/>
+            </a:solidFill>
           </a:ln>
         </p:spPr>
       </p:pic>
@@ -7267,83 +6259,60 @@
       </p:grpSpPr>
       <p:sp>
         <p:nvSpPr>
-          <p:cNvPr id="126" name="CustomShape 1"/>
-          <p:cNvSpPr/>
-          <p:nvPr/>
-        </p:nvSpPr>
-        <p:spPr>
-          <a:xfrm>
-            <a:off x="1097280" y="286560"/>
-            <a:ext cx="10057320" cy="1449720"/>
-          </a:xfrm>
-          <a:prstGeom prst="rect">
-            <a:avLst/>
-          </a:prstGeom>
-          <a:noFill/>
-          <a:ln>
-            <a:noFill/>
-          </a:ln>
-        </p:spPr>
-        <p:style>
-          <a:lnRef idx="0">
-            <a:scrgbClr r="0" g="0" b="0"/>
-          </a:lnRef>
-          <a:fillRef idx="0">
-            <a:scrgbClr r="0" g="0" b="0"/>
-          </a:fillRef>
-          <a:effectRef idx="0">
-            <a:scrgbClr r="0" g="0" b="0"/>
-          </a:effectRef>
-          <a:fontRef idx="minor"/>
-        </p:style>
+          <p:cNvPr id="2" name="Titel 1">
+            <a:extLst>
+              <a:ext uri="{FF2B5EF4-FFF2-40B4-BE49-F238E27FC236}">
+                <a16:creationId xmlns:a16="http://schemas.microsoft.com/office/drawing/2014/main" id="{1BFA164F-4464-43FC-80DF-98456A3C7DC2}"/>
+              </a:ext>
+            </a:extLst>
+          </p:cNvPr>
+          <p:cNvSpPr>
+            <a:spLocks noGrp="1"/>
+          </p:cNvSpPr>
+          <p:nvPr>
+            <p:ph type="title"/>
+          </p:nvPr>
+        </p:nvSpPr>
+        <p:spPr>
+          <a:xfrm>
+            <a:off x="1117480" y="791760"/>
+            <a:ext cx="10972440" cy="1144800"/>
+          </a:xfrm>
+        </p:spPr>
         <p:txBody>
-          <a:bodyPr lIns="90000" tIns="45000" rIns="90000" bIns="45000" anchor="b"/>
+          <a:bodyPr/>
           <a:lstStyle/>
           <a:p>
-            <a:pPr>
-              <a:lnSpc>
-                <a:spcPct val="100000"/>
-              </a:lnSpc>
-            </a:pPr>
             <a:r>
-              <a:rPr lang="de-DE" sz="4800" b="0" strike="noStrike" spc="-43">
-                <a:solidFill>
-                  <a:srgbClr val="404040"/>
-                </a:solidFill>
-                <a:uFill>
-                  <a:solidFill>
-                    <a:srgbClr val="FFFFFF"/>
-                  </a:solidFill>
-                </a:uFill>
-                <a:latin typeface="Calibri Light"/>
-                <a:ea typeface="DejaVu Sans"/>
+              <a:rPr lang="de-DE" sz="4800" dirty="0">
+                <a:latin typeface="Calibri Light" panose="020F0302020204030204" pitchFamily="34" charset="0"/>
+                <a:cs typeface="Calibri Light" panose="020F0302020204030204" pitchFamily="34" charset="0"/>
               </a:rPr>
-              <a:t>Sql-Abfrage 4</a:t>
+              <a:t>Website</a:t>
             </a:r>
-            <a:endParaRPr lang="de-DE" sz="1800" b="0" strike="noStrike" spc="-1">
-              <a:solidFill>
-                <a:srgbClr val="000000"/>
-              </a:solidFill>
-              <a:uFill>
-                <a:solidFill>
-                  <a:srgbClr val="FFFFFF"/>
-                </a:solidFill>
-              </a:uFill>
-              <a:latin typeface="Arial"/>
-            </a:endParaRPr>
           </a:p>
         </p:txBody>
       </p:sp>
       <p:sp>
         <p:nvSpPr>
-          <p:cNvPr id="127" name="CustomShape 2"/>
-          <p:cNvSpPr/>
-          <p:nvPr/>
-        </p:nvSpPr>
-        <p:spPr>
-          <a:xfrm>
-            <a:off x="1097280" y="1845720"/>
-            <a:ext cx="10057320" cy="4022280"/>
+          <p:cNvPr id="4" name="CustomShape 2">
+            <a:extLst>
+              <a:ext uri="{FF2B5EF4-FFF2-40B4-BE49-F238E27FC236}">
+                <a16:creationId xmlns:a16="http://schemas.microsoft.com/office/drawing/2014/main" id="{428D5A35-77F3-4EA7-9893-D3360A1BC356}"/>
+              </a:ext>
+            </a:extLst>
+          </p:cNvPr>
+          <p:cNvSpPr>
+            <a:spLocks noGrp="1"/>
+          </p:cNvSpPr>
+          <p:nvPr>
+            <p:ph type="subTitle"/>
+          </p:nvPr>
+        </p:nvSpPr>
+        <p:spPr>
+          <a:xfrm>
+            <a:off x="1117120" y="1767523"/>
+            <a:ext cx="10972800" cy="3976687"/>
           </a:xfrm>
           <a:prstGeom prst="rect">
             <a:avLst/>
@@ -7369,101 +6338,39 @@
           <a:bodyPr lIns="0" tIns="45000" rIns="0" bIns="45000"/>
           <a:lstStyle/>
           <a:p>
-            <a:pPr marL="432000" indent="-323280">
+            <a:pPr marL="1080">
               <a:lnSpc>
                 <a:spcPct val="100000"/>
               </a:lnSpc>
               <a:buClr>
-                <a:srgbClr val="000000"/>
+                <a:srgbClr val="E48312"/>
               </a:buClr>
-              <a:buSzPct val="45000"/>
-              <a:buFont typeface="Wingdings" charset="2"/>
-              <a:buChar char=""/>
             </a:pPr>
-            <a:r>
-              <a:rPr lang="de-DE" sz="2000" b="0" strike="noStrike" spc="-1">
-                <a:solidFill>
-                  <a:srgbClr val="404040"/>
-                </a:solidFill>
-                <a:uFill>
-                  <a:solidFill>
-                    <a:srgbClr val="FFFFFF"/>
-                  </a:solidFill>
-                </a:uFill>
-                <a:latin typeface="Calibri"/>
-                <a:ea typeface="DejaVu Sans"/>
-              </a:rPr>
-              <a:t>Anzahl der Mitgliedschaften, die durch eine Aktion entstanden sind</a:t>
-            </a:r>
-            <a:endParaRPr lang="de-DE" sz="1800" b="0" strike="noStrike" spc="-1">
-              <a:solidFill>
-                <a:srgbClr val="000000"/>
-              </a:solidFill>
-              <a:uFill>
-                <a:solidFill>
-                  <a:srgbClr val="FFFFFF"/>
-                </a:solidFill>
-              </a:uFill>
-              <a:latin typeface="Arial"/>
+            <a:endParaRPr lang="de-DE" sz="1800" spc="-1" dirty="0">
+              <a:solidFill>
+                <a:srgbClr val="000000"/>
+              </a:solidFill>
+              <a:uFill>
+                <a:solidFill>
+                  <a:srgbClr val="FFFFFF"/>
+                </a:solidFill>
+              </a:uFill>
+              <a:latin typeface="Calibri" panose="020F0502020204030204" pitchFamily="34" charset="0"/>
+              <a:cs typeface="Calibri" panose="020F0502020204030204" pitchFamily="34" charset="0"/>
             </a:endParaRPr>
           </a:p>
         </p:txBody>
       </p:sp>
-      <p:pic>
-        <p:nvPicPr>
-          <p:cNvPr id="128" name="Grafik 127"/>
-          <p:cNvPicPr/>
-          <p:nvPr/>
-        </p:nvPicPr>
-        <p:blipFill>
-          <a:blip r:embed="rId2"/>
-          <a:stretch/>
-        </p:blipFill>
-        <p:spPr>
-          <a:xfrm>
-            <a:off x="1126800" y="2658960"/>
-            <a:ext cx="9456840" cy="1948680"/>
-          </a:xfrm>
-          <a:prstGeom prst="rect">
-            <a:avLst/>
-          </a:prstGeom>
-          <a:ln>
-            <a:noFill/>
-          </a:ln>
-        </p:spPr>
-      </p:pic>
     </p:spTree>
+    <p:extLst>
+      <p:ext uri="{BB962C8B-B14F-4D97-AF65-F5344CB8AC3E}">
+        <p14:creationId xmlns:p14="http://schemas.microsoft.com/office/powerpoint/2010/main" val="1147765847"/>
+      </p:ext>
+    </p:extLst>
   </p:cSld>
   <p:clrMapOvr>
     <a:masterClrMapping/>
   </p:clrMapOvr>
-  <p:timing>
-    <p:tnLst>
-      <p:par>
-        <p:cTn id="1" dur="indefinite" restart="never" nodeType="tmRoot">
-          <p:childTnLst>
-            <p:seq>
-              <p:cTn id="2" nodeType="mainSeq"/>
-              <p:prevCondLst>
-                <p:cond evt="onPrev" delay="0">
-                  <p:tgtEl>
-                    <p:sldTgt/>
-                  </p:tgtEl>
-                </p:cond>
-              </p:prevCondLst>
-              <p:nextCondLst>
-                <p:cond evt="onNext" delay="0">
-                  <p:tgtEl>
-                    <p:sldTgt/>
-                  </p:tgtEl>
-                </p:cond>
-              </p:nextCondLst>
-            </p:seq>
-          </p:childTnLst>
-        </p:cTn>
-      </p:par>
-    </p:tnLst>
-  </p:timing>
 </p:sld>
 </file>
 
@@ -7486,83 +6393,60 @@
       </p:grpSpPr>
       <p:sp>
         <p:nvSpPr>
-          <p:cNvPr id="129" name="CustomShape 1"/>
-          <p:cNvSpPr/>
-          <p:nvPr/>
-        </p:nvSpPr>
-        <p:spPr>
-          <a:xfrm>
-            <a:off x="1097280" y="286560"/>
-            <a:ext cx="10057320" cy="1449720"/>
-          </a:xfrm>
-          <a:prstGeom prst="rect">
-            <a:avLst/>
-          </a:prstGeom>
-          <a:noFill/>
-          <a:ln>
-            <a:noFill/>
-          </a:ln>
-        </p:spPr>
-        <p:style>
-          <a:lnRef idx="0">
-            <a:scrgbClr r="0" g="0" b="0"/>
-          </a:lnRef>
-          <a:fillRef idx="0">
-            <a:scrgbClr r="0" g="0" b="0"/>
-          </a:fillRef>
-          <a:effectRef idx="0">
-            <a:scrgbClr r="0" g="0" b="0"/>
-          </a:effectRef>
-          <a:fontRef idx="minor"/>
-        </p:style>
+          <p:cNvPr id="2" name="Titel 1">
+            <a:extLst>
+              <a:ext uri="{FF2B5EF4-FFF2-40B4-BE49-F238E27FC236}">
+                <a16:creationId xmlns:a16="http://schemas.microsoft.com/office/drawing/2014/main" id="{1BFA164F-4464-43FC-80DF-98456A3C7DC2}"/>
+              </a:ext>
+            </a:extLst>
+          </p:cNvPr>
+          <p:cNvSpPr>
+            <a:spLocks noGrp="1"/>
+          </p:cNvSpPr>
+          <p:nvPr>
+            <p:ph type="title"/>
+          </p:nvPr>
+        </p:nvSpPr>
+        <p:spPr>
+          <a:xfrm>
+            <a:off x="1117480" y="791760"/>
+            <a:ext cx="10972440" cy="1144800"/>
+          </a:xfrm>
+        </p:spPr>
         <p:txBody>
-          <a:bodyPr lIns="90000" tIns="45000" rIns="90000" bIns="45000" anchor="b"/>
+          <a:bodyPr/>
           <a:lstStyle/>
           <a:p>
-            <a:pPr>
-              <a:lnSpc>
-                <a:spcPct val="100000"/>
-              </a:lnSpc>
-            </a:pPr>
             <a:r>
-              <a:rPr lang="de-DE" sz="4800" b="0" strike="noStrike" spc="-43">
-                <a:solidFill>
-                  <a:srgbClr val="404040"/>
-                </a:solidFill>
-                <a:uFill>
-                  <a:solidFill>
-                    <a:srgbClr val="FFFFFF"/>
-                  </a:solidFill>
-                </a:uFill>
-                <a:latin typeface="Calibri Light"/>
-                <a:ea typeface="DejaVu Sans"/>
+              <a:rPr lang="de-DE" sz="4800" dirty="0">
+                <a:latin typeface="Calibri Light" panose="020F0302020204030204" pitchFamily="34" charset="0"/>
+                <a:cs typeface="Calibri Light" panose="020F0302020204030204" pitchFamily="34" charset="0"/>
               </a:rPr>
-              <a:t>Sql-Abfrage 5</a:t>
+              <a:t>Erweiterbarkeit</a:t>
             </a:r>
-            <a:endParaRPr lang="de-DE" sz="1800" b="0" strike="noStrike" spc="-1">
-              <a:solidFill>
-                <a:srgbClr val="000000"/>
-              </a:solidFill>
-              <a:uFill>
-                <a:solidFill>
-                  <a:srgbClr val="FFFFFF"/>
-                </a:solidFill>
-              </a:uFill>
-              <a:latin typeface="Arial"/>
-            </a:endParaRPr>
           </a:p>
         </p:txBody>
       </p:sp>
       <p:sp>
         <p:nvSpPr>
-          <p:cNvPr id="130" name="CustomShape 2"/>
-          <p:cNvSpPr/>
-          <p:nvPr/>
-        </p:nvSpPr>
-        <p:spPr>
-          <a:xfrm>
-            <a:off x="1097280" y="1845720"/>
-            <a:ext cx="10057320" cy="4022280"/>
+          <p:cNvPr id="4" name="CustomShape 2">
+            <a:extLst>
+              <a:ext uri="{FF2B5EF4-FFF2-40B4-BE49-F238E27FC236}">
+                <a16:creationId xmlns:a16="http://schemas.microsoft.com/office/drawing/2014/main" id="{428D5A35-77F3-4EA7-9893-D3360A1BC356}"/>
+              </a:ext>
+            </a:extLst>
+          </p:cNvPr>
+          <p:cNvSpPr>
+            <a:spLocks noGrp="1"/>
+          </p:cNvSpPr>
+          <p:nvPr>
+            <p:ph type="subTitle"/>
+          </p:nvPr>
+        </p:nvSpPr>
+        <p:spPr>
+          <a:xfrm>
+            <a:off x="1117120" y="1960880"/>
+            <a:ext cx="10972800" cy="3712210"/>
           </a:xfrm>
           <a:prstGeom prst="rect">
             <a:avLst/>
@@ -7588,19 +6472,18 @@
           <a:bodyPr lIns="0" tIns="45000" rIns="0" bIns="45000"/>
           <a:lstStyle/>
           <a:p>
-            <a:pPr marL="432000" indent="-323280">
+            <a:pPr marL="91440" indent="-90360">
               <a:lnSpc>
                 <a:spcPct val="100000"/>
               </a:lnSpc>
               <a:buClr>
-                <a:srgbClr val="000000"/>
+                <a:srgbClr val="E48312"/>
               </a:buClr>
-              <a:buSzPct val="45000"/>
-              <a:buFont typeface="Wingdings" charset="2"/>
-              <a:buChar char=""/>
+              <a:buFont typeface="Arial"/>
+              <a:buChar char="•"/>
             </a:pPr>
             <a:r>
-              <a:rPr lang="de-DE" sz="2000" b="0" strike="noStrike" spc="-1">
+              <a:rPr lang="de-DE" sz="2200" b="0" strike="noStrike" spc="-1" dirty="0">
                 <a:solidFill>
                   <a:srgbClr val="404040"/>
                 </a:solidFill>
@@ -7612,77 +6495,282 @@
                 <a:latin typeface="Calibri"/>
                 <a:ea typeface="DejaVu Sans"/>
               </a:rPr>
-              <a:t>Name des Angestellten, der die meisten Einführungen durchgeführt hat und die Anzahl der Einführungen</a:t>
+              <a:t> </a:t>
             </a:r>
-            <a:endParaRPr lang="de-DE" sz="1800" b="0" strike="noStrike" spc="-1">
-              <a:solidFill>
-                <a:srgbClr val="000000"/>
-              </a:solidFill>
-              <a:uFill>
-                <a:solidFill>
-                  <a:srgbClr val="FFFFFF"/>
-                </a:solidFill>
-              </a:uFill>
-              <a:latin typeface="Arial"/>
+            <a:r>
+              <a:rPr lang="de-DE" sz="2200" spc="-1" dirty="0">
+                <a:solidFill>
+                  <a:srgbClr val="404040"/>
+                </a:solidFill>
+                <a:uFill>
+                  <a:solidFill>
+                    <a:srgbClr val="FFFFFF"/>
+                  </a:solidFill>
+                </a:uFill>
+                <a:latin typeface="Calibri" panose="020F0502020204030204" pitchFamily="34" charset="0"/>
+                <a:ea typeface="DejaVu Sans"/>
+                <a:cs typeface="Calibri" panose="020F0502020204030204" pitchFamily="34" charset="0"/>
+              </a:rPr>
+              <a:t>Vorhandene Domains anpassen </a:t>
+            </a:r>
+          </a:p>
+          <a:p>
+            <a:pPr marL="548640" lvl="1" indent="-90360">
+              <a:lnSpc>
+                <a:spcPct val="100000"/>
+              </a:lnSpc>
+              <a:buClr>
+                <a:srgbClr val="E48312"/>
+              </a:buClr>
+              <a:buFont typeface="Arial"/>
+              <a:buChar char="•"/>
+            </a:pPr>
+            <a:r>
+              <a:rPr lang="de-DE" sz="1800" spc="-1" dirty="0">
+                <a:solidFill>
+                  <a:srgbClr val="404040"/>
+                </a:solidFill>
+                <a:uFill>
+                  <a:solidFill>
+                    <a:srgbClr val="FFFFFF"/>
+                  </a:solidFill>
+                </a:uFill>
+                <a:latin typeface="Calibri" panose="020F0502020204030204" pitchFamily="34" charset="0"/>
+                <a:ea typeface="DejaVu Sans"/>
+                <a:cs typeface="Calibri" panose="020F0502020204030204" pitchFamily="34" charset="0"/>
+              </a:rPr>
+              <a:t> Neue Kurse</a:t>
+            </a:r>
+          </a:p>
+          <a:p>
+            <a:pPr marL="548640" lvl="1" indent="-90360">
+              <a:lnSpc>
+                <a:spcPct val="100000"/>
+              </a:lnSpc>
+              <a:buClr>
+                <a:srgbClr val="E48312"/>
+              </a:buClr>
+              <a:buFont typeface="Arial"/>
+              <a:buChar char="•"/>
+            </a:pPr>
+            <a:r>
+              <a:rPr lang="de-DE" sz="1800" spc="-1" dirty="0">
+                <a:solidFill>
+                  <a:srgbClr val="404040"/>
+                </a:solidFill>
+                <a:uFill>
+                  <a:solidFill>
+                    <a:srgbClr val="FFFFFF"/>
+                  </a:solidFill>
+                </a:uFill>
+                <a:latin typeface="Calibri" panose="020F0502020204030204" pitchFamily="34" charset="0"/>
+                <a:ea typeface="DejaVu Sans"/>
+                <a:cs typeface="Calibri" panose="020F0502020204030204" pitchFamily="34" charset="0"/>
+              </a:rPr>
+              <a:t> Neue Aktionen</a:t>
+            </a:r>
+          </a:p>
+          <a:p>
+            <a:pPr marL="548640" lvl="1" indent="-90360">
+              <a:lnSpc>
+                <a:spcPct val="100000"/>
+              </a:lnSpc>
+              <a:buClr>
+                <a:srgbClr val="E48312"/>
+              </a:buClr>
+              <a:buFont typeface="Arial"/>
+              <a:buChar char="•"/>
+            </a:pPr>
+            <a:r>
+              <a:rPr lang="de-DE" sz="1800" spc="-1" dirty="0">
+                <a:solidFill>
+                  <a:srgbClr val="404040"/>
+                </a:solidFill>
+                <a:uFill>
+                  <a:solidFill>
+                    <a:srgbClr val="FFFFFF"/>
+                  </a:solidFill>
+                </a:uFill>
+                <a:latin typeface="Calibri" panose="020F0502020204030204" pitchFamily="34" charset="0"/>
+                <a:ea typeface="DejaVu Sans"/>
+                <a:cs typeface="Calibri" panose="020F0502020204030204" pitchFamily="34" charset="0"/>
+              </a:rPr>
+              <a:t> Neue Funktionen</a:t>
+            </a:r>
+          </a:p>
+          <a:p>
+            <a:pPr marL="91440" indent="-90360">
+              <a:lnSpc>
+                <a:spcPct val="100000"/>
+              </a:lnSpc>
+              <a:buClr>
+                <a:srgbClr val="E48312"/>
+              </a:buClr>
+              <a:buFont typeface="Arial"/>
+              <a:buChar char="•"/>
+            </a:pPr>
+            <a:r>
+              <a:rPr lang="de-DE" sz="2200" b="0" strike="noStrike" spc="-1" dirty="0">
+                <a:solidFill>
+                  <a:srgbClr val="000000"/>
+                </a:solidFill>
+                <a:uFill>
+                  <a:solidFill>
+                    <a:srgbClr val="FFFFFF"/>
+                  </a:solidFill>
+                </a:uFill>
+                <a:latin typeface="Calibri" panose="020F0502020204030204" pitchFamily="34" charset="0"/>
+                <a:cs typeface="Calibri" panose="020F0502020204030204" pitchFamily="34" charset="0"/>
+              </a:rPr>
+              <a:t> Abrechnungsformalitäten mit eigenen </a:t>
+            </a:r>
+            <a:r>
+              <a:rPr lang="de-DE" sz="2200" b="0" strike="noStrike" spc="-1" dirty="0" err="1">
+                <a:solidFill>
+                  <a:srgbClr val="000000"/>
+                </a:solidFill>
+                <a:uFill>
+                  <a:solidFill>
+                    <a:srgbClr val="FFFFFF"/>
+                  </a:solidFill>
+                </a:uFill>
+                <a:latin typeface="Calibri" panose="020F0502020204030204" pitchFamily="34" charset="0"/>
+                <a:cs typeface="Calibri" panose="020F0502020204030204" pitchFamily="34" charset="0"/>
+              </a:rPr>
+              <a:t>Entities</a:t>
+            </a:r>
+            <a:r>
+              <a:rPr lang="de-DE" sz="2200" b="0" strike="noStrike" spc="-1" dirty="0">
+                <a:solidFill>
+                  <a:srgbClr val="000000"/>
+                </a:solidFill>
+                <a:uFill>
+                  <a:solidFill>
+                    <a:srgbClr val="FFFFFF"/>
+                  </a:solidFill>
+                </a:uFill>
+                <a:latin typeface="Calibri" panose="020F0502020204030204" pitchFamily="34" charset="0"/>
+                <a:cs typeface="Calibri" panose="020F0502020204030204" pitchFamily="34" charset="0"/>
+              </a:rPr>
+              <a:t> realisieren</a:t>
+            </a:r>
+          </a:p>
+          <a:p>
+            <a:pPr marL="548640" lvl="1" indent="-90360">
+              <a:lnSpc>
+                <a:spcPct val="100000"/>
+              </a:lnSpc>
+              <a:buClr>
+                <a:srgbClr val="E48312"/>
+              </a:buClr>
+              <a:buFont typeface="Arial"/>
+              <a:buChar char="•"/>
+            </a:pPr>
+            <a:r>
+              <a:rPr lang="de-DE" sz="1800" spc="-1" dirty="0">
+                <a:solidFill>
+                  <a:srgbClr val="000000"/>
+                </a:solidFill>
+                <a:uFill>
+                  <a:solidFill>
+                    <a:srgbClr val="FFFFFF"/>
+                  </a:solidFill>
+                </a:uFill>
+                <a:latin typeface="Calibri" panose="020F0502020204030204" pitchFamily="34" charset="0"/>
+                <a:cs typeface="Calibri" panose="020F0502020204030204" pitchFamily="34" charset="0"/>
+              </a:rPr>
+              <a:t> Aktuell wird nur die Abrechnungsart gespeichert</a:t>
+            </a:r>
+          </a:p>
+          <a:p>
+            <a:pPr marL="91440" indent="-90360">
+              <a:lnSpc>
+                <a:spcPct val="100000"/>
+              </a:lnSpc>
+              <a:buClr>
+                <a:srgbClr val="E48312"/>
+              </a:buClr>
+              <a:buFont typeface="Arial"/>
+              <a:buChar char="•"/>
+            </a:pPr>
+            <a:r>
+              <a:rPr lang="de-DE" sz="2200" spc="-1" dirty="0">
+                <a:solidFill>
+                  <a:srgbClr val="404040"/>
+                </a:solidFill>
+                <a:uFill>
+                  <a:solidFill>
+                    <a:srgbClr val="FFFFFF"/>
+                  </a:solidFill>
+                </a:uFill>
+                <a:latin typeface="Calibri" panose="020F0502020204030204" pitchFamily="34" charset="0"/>
+                <a:cs typeface="Calibri" panose="020F0502020204030204" pitchFamily="34" charset="0"/>
+              </a:rPr>
+              <a:t> Expansion (z.B. Kette)</a:t>
+            </a:r>
+          </a:p>
+          <a:p>
+            <a:pPr marL="91440" indent="-90360">
+              <a:lnSpc>
+                <a:spcPct val="100000"/>
+              </a:lnSpc>
+              <a:buClr>
+                <a:srgbClr val="E48312"/>
+              </a:buClr>
+              <a:buFont typeface="Arial"/>
+              <a:buChar char="•"/>
+            </a:pPr>
+            <a:r>
+              <a:rPr lang="de-DE" sz="2200" spc="-1" dirty="0">
+                <a:solidFill>
+                  <a:srgbClr val="404040"/>
+                </a:solidFill>
+                <a:uFill>
+                  <a:solidFill>
+                    <a:srgbClr val="FFFFFF"/>
+                  </a:solidFill>
+                </a:uFill>
+                <a:latin typeface="Calibri" panose="020F0502020204030204" pitchFamily="34" charset="0"/>
+                <a:cs typeface="Calibri" panose="020F0502020204030204" pitchFamily="34" charset="0"/>
+              </a:rPr>
+              <a:t> Trainingsplan App</a:t>
+            </a:r>
+          </a:p>
+          <a:p>
+            <a:pPr marL="1080" indent="0">
+              <a:lnSpc>
+                <a:spcPct val="100000"/>
+              </a:lnSpc>
+              <a:buClr>
+                <a:srgbClr val="E48312"/>
+              </a:buClr>
+              <a:buNone/>
+            </a:pPr>
+            <a:endParaRPr lang="de-DE" sz="2200" spc="-1" dirty="0">
+              <a:solidFill>
+                <a:srgbClr val="000000"/>
+              </a:solidFill>
+              <a:uFill>
+                <a:solidFill>
+                  <a:srgbClr val="FFFFFF"/>
+                </a:solidFill>
+              </a:uFill>
+              <a:latin typeface="Calibri" panose="020F0502020204030204" pitchFamily="34" charset="0"/>
+              <a:cs typeface="Calibri" panose="020F0502020204030204" pitchFamily="34" charset="0"/>
             </a:endParaRPr>
           </a:p>
         </p:txBody>
       </p:sp>
-      <p:pic>
-        <p:nvPicPr>
-          <p:cNvPr id="131" name="Grafik 130"/>
-          <p:cNvPicPr/>
-          <p:nvPr/>
-        </p:nvPicPr>
-        <p:blipFill>
-          <a:blip r:embed="rId2"/>
-          <a:stretch/>
-        </p:blipFill>
-        <p:spPr>
-          <a:xfrm>
-            <a:off x="1008000" y="2739240"/>
-            <a:ext cx="10079640" cy="2372400"/>
-          </a:xfrm>
-          <a:prstGeom prst="rect">
-            <a:avLst/>
-          </a:prstGeom>
-          <a:ln>
-            <a:noFill/>
-          </a:ln>
-        </p:spPr>
-      </p:pic>
     </p:spTree>
+    <p:extLst>
+      <p:ext uri="{BB962C8B-B14F-4D97-AF65-F5344CB8AC3E}">
+        <p14:creationId xmlns:p14="http://schemas.microsoft.com/office/powerpoint/2010/main" val="3537736329"/>
+      </p:ext>
+    </p:extLst>
   </p:cSld>
   <p:clrMapOvr>
     <a:masterClrMapping/>
   </p:clrMapOvr>
-  <p:timing>
-    <p:tnLst>
-      <p:par>
-        <p:cTn id="1" dur="indefinite" restart="never" nodeType="tmRoot">
-          <p:childTnLst>
-            <p:seq>
-              <p:cTn id="2" nodeType="mainSeq"/>
-              <p:prevCondLst>
-                <p:cond evt="onPrev" delay="0">
-                  <p:tgtEl>
-                    <p:sldTgt/>
-                  </p:tgtEl>
-                </p:cond>
-              </p:prevCondLst>
-              <p:nextCondLst>
-                <p:cond evt="onNext" delay="0">
-                  <p:tgtEl>
-                    <p:sldTgt/>
-                  </p:tgtEl>
-                </p:cond>
-              </p:nextCondLst>
-            </p:seq>
-          </p:childTnLst>
-        </p:cTn>
-      </p:par>
-    </p:tnLst>
-  </p:timing>
 </p:sld>
 </file>
 
@@ -7708,7 +6796,7 @@
           <p:cNvPr id="2" name="Titel 1">
             <a:extLst>
               <a:ext uri="{FF2B5EF4-FFF2-40B4-BE49-F238E27FC236}">
-                <a16:creationId xmlns:a16="http://schemas.microsoft.com/office/drawing/2014/main" id="{1BFA164F-4464-43FC-80DF-98456A3C7DC2}"/>
+                <a16:creationId xmlns:a16="http://schemas.microsoft.com/office/drawing/2014/main" id="{DA6FEBE9-FCF9-42C1-94CF-4135D784DEA2}"/>
               </a:ext>
             </a:extLst>
           </p:cNvPr>
@@ -7721,7 +6809,7 @@
         </p:nvSpPr>
         <p:spPr>
           <a:xfrm>
-            <a:off x="1117480" y="791760"/>
+            <a:off x="609480" y="761280"/>
             <a:ext cx="10972440" cy="1144800"/>
           </a:xfrm>
         </p:spPr>
@@ -7729,22 +6817,23 @@
           <a:bodyPr/>
           <a:lstStyle/>
           <a:p>
+            <a:pPr algn="ctr"/>
             <a:r>
-              <a:rPr lang="de-DE" sz="4800" dirty="0">
-                <a:latin typeface="Calibri Light" panose="020F0302020204030204" pitchFamily="34" charset="0"/>
-                <a:cs typeface="Calibri Light" panose="020F0302020204030204" pitchFamily="34" charset="0"/>
+              <a:rPr lang="de-DE" dirty="0">
+                <a:latin typeface="Calibri" panose="020F0502020204030204" pitchFamily="34" charset="0"/>
+                <a:cs typeface="Calibri" panose="020F0502020204030204" pitchFamily="34" charset="0"/>
               </a:rPr>
-              <a:t>Website</a:t>
+              <a:t>Was ist gut an unserer Datenbank?</a:t>
             </a:r>
           </a:p>
         </p:txBody>
       </p:sp>
       <p:sp>
         <p:nvSpPr>
-          <p:cNvPr id="4" name="CustomShape 2">
+          <p:cNvPr id="3" name="Untertitel 2">
             <a:extLst>
               <a:ext uri="{FF2B5EF4-FFF2-40B4-BE49-F238E27FC236}">
-                <a16:creationId xmlns:a16="http://schemas.microsoft.com/office/drawing/2014/main" id="{428D5A35-77F3-4EA7-9893-D3360A1BC356}"/>
+                <a16:creationId xmlns:a16="http://schemas.microsoft.com/office/drawing/2014/main" id="{323451AE-8B6C-4454-9C70-19205F7D7CD8}"/>
               </a:ext>
             </a:extLst>
           </p:cNvPr>
@@ -7757,47 +6846,45 @@
         </p:nvSpPr>
         <p:spPr>
           <a:xfrm>
-            <a:off x="1117120" y="1767523"/>
-            <a:ext cx="10972800" cy="3976687"/>
-          </a:xfrm>
-          <a:prstGeom prst="rect">
-            <a:avLst/>
-          </a:prstGeom>
-          <a:noFill/>
-          <a:ln>
-            <a:noFill/>
-          </a:ln>
-        </p:spPr>
-        <p:style>
-          <a:lnRef idx="0">
-            <a:scrgbClr r="0" g="0" b="0"/>
-          </a:lnRef>
-          <a:fillRef idx="0">
-            <a:scrgbClr r="0" g="0" b="0"/>
-          </a:fillRef>
-          <a:effectRef idx="0">
-            <a:scrgbClr r="0" g="0" b="0"/>
-          </a:effectRef>
-          <a:fontRef idx="minor"/>
-        </p:style>
+            <a:off x="609480" y="1981200"/>
+            <a:ext cx="10972440" cy="2513480"/>
+          </a:xfrm>
+        </p:spPr>
         <p:txBody>
-          <a:bodyPr lIns="0" tIns="45000" rIns="0" bIns="45000"/>
+          <a:bodyPr/>
           <a:lstStyle/>
           <a:p>
-            <a:pPr marL="91440" indent="-90360">
-              <a:lnSpc>
-                <a:spcPct val="100000"/>
-              </a:lnSpc>
-              <a:buClr>
-                <a:srgbClr val="E48312"/>
-              </a:buClr>
-              <a:buFont typeface="Arial"/>
-              <a:buChar char="•"/>
-            </a:pPr>
             <a:r>
-              <a:rPr lang="de-DE" sz="1800" spc="-1" dirty="0">
-                <a:solidFill>
-                  <a:srgbClr val="000000"/>
+              <a:rPr lang="de-DE" dirty="0">
+                <a:latin typeface="Calibri" panose="020F0502020204030204" pitchFamily="34" charset="0"/>
+                <a:cs typeface="Calibri" panose="020F0502020204030204" pitchFamily="34" charset="0"/>
+              </a:rPr>
+              <a:t>Angebotsspektrum ist vielschichtig (Kurse, Reha, Basistraining)</a:t>
+            </a:r>
+          </a:p>
+          <a:p>
+            <a:r>
+              <a:rPr lang="de-DE" dirty="0">
+                <a:latin typeface="Calibri" panose="020F0502020204030204" pitchFamily="34" charset="0"/>
+                <a:cs typeface="Calibri" panose="020F0502020204030204" pitchFamily="34" charset="0"/>
+              </a:rPr>
+              <a:t>Alte Daten gehen nicht verloren (alte Mitgliedschaften)</a:t>
+            </a:r>
+          </a:p>
+          <a:p>
+            <a:r>
+              <a:rPr lang="de-DE" dirty="0">
+                <a:latin typeface="Calibri" panose="020F0502020204030204" pitchFamily="34" charset="0"/>
+                <a:cs typeface="Calibri" panose="020F0502020204030204" pitchFamily="34" charset="0"/>
+              </a:rPr>
+              <a:t>Vermeidung von Papierverwaltung</a:t>
+            </a:r>
+          </a:p>
+          <a:p>
+            <a:r>
+              <a:rPr lang="de-DE" spc="-1" dirty="0">
+                <a:solidFill>
+                  <a:srgbClr val="404040"/>
                 </a:solidFill>
                 <a:uFill>
                   <a:solidFill>
@@ -7807,29 +6894,9 @@
                 <a:latin typeface="Calibri" panose="020F0502020204030204" pitchFamily="34" charset="0"/>
                 <a:cs typeface="Calibri" panose="020F0502020204030204" pitchFamily="34" charset="0"/>
               </a:rPr>
-              <a:t>Hier Website einbinden</a:t>
+              <a:t>Kunden eine Trainingsplan App anbieten</a:t>
             </a:r>
-          </a:p>
-          <a:p>
-            <a:pPr marL="91440" indent="-90360">
-              <a:lnSpc>
-                <a:spcPct val="100000"/>
-              </a:lnSpc>
-              <a:buClr>
-                <a:srgbClr val="E48312"/>
-              </a:buClr>
-              <a:buFont typeface="Arial"/>
-              <a:buChar char="•"/>
-            </a:pPr>
-            <a:endParaRPr lang="de-DE" sz="1800" spc="-1" dirty="0">
-              <a:solidFill>
-                <a:srgbClr val="000000"/>
-              </a:solidFill>
-              <a:uFill>
-                <a:solidFill>
-                  <a:srgbClr val="FFFFFF"/>
-                </a:solidFill>
-              </a:uFill>
+            <a:endParaRPr lang="de-DE" dirty="0">
               <a:latin typeface="Calibri" panose="020F0502020204030204" pitchFamily="34" charset="0"/>
               <a:cs typeface="Calibri" panose="020F0502020204030204" pitchFamily="34" charset="0"/>
             </a:endParaRPr>
@@ -7839,7 +6906,7 @@
     </p:spTree>
     <p:extLst>
       <p:ext uri="{BB962C8B-B14F-4D97-AF65-F5344CB8AC3E}">
-        <p14:creationId xmlns:p14="http://schemas.microsoft.com/office/powerpoint/2010/main" val="1147765847"/>
+        <p14:creationId xmlns:p14="http://schemas.microsoft.com/office/powerpoint/2010/main" val="2406173287"/>
       </p:ext>
     </p:extLst>
   </p:cSld>
@@ -7897,7 +6964,7 @@
                 <a:latin typeface="Calibri Light" panose="020F0302020204030204" pitchFamily="34" charset="0"/>
                 <a:cs typeface="Calibri Light" panose="020F0302020204030204" pitchFamily="34" charset="0"/>
               </a:rPr>
-              <a:t>Bewertung Projektarbeit</a:t>
+              <a:t>Bewertung der Projektarbeit</a:t>
             </a:r>
           </a:p>
         </p:txBody>
@@ -7949,7 +7016,7 @@
           <a:p>
             <a:pPr marL="91440" indent="-90360">
               <a:lnSpc>
-                <a:spcPct val="100000"/>
+                <a:spcPct val="150000"/>
               </a:lnSpc>
               <a:buClr>
                 <a:srgbClr val="E48312"/>
@@ -7958,7 +7025,7 @@
               <a:buChar char="•"/>
             </a:pPr>
             <a:r>
-              <a:rPr lang="de-DE" sz="2200" b="0" strike="noStrike" spc="-1" dirty="0">
+              <a:rPr lang="de-DE" sz="2800" b="0" strike="noStrike" spc="-1" dirty="0">
                 <a:solidFill>
                   <a:srgbClr val="404040"/>
                 </a:solidFill>
@@ -7970,10 +7037,22 @@
                 <a:latin typeface="Calibri"/>
                 <a:ea typeface="DejaVu Sans"/>
               </a:rPr>
-              <a:t> </a:t>
+              <a:t> Gruppenarbeit: größere Probleme erfolgreich bewältigt </a:t>
             </a:r>
+          </a:p>
+          <a:p>
+            <a:pPr marL="91440" indent="-90360">
+              <a:lnSpc>
+                <a:spcPct val="150000"/>
+              </a:lnSpc>
+              <a:buClr>
+                <a:srgbClr val="E48312"/>
+              </a:buClr>
+              <a:buFont typeface="Arial"/>
+              <a:buChar char="•"/>
+            </a:pPr>
             <a:r>
-              <a:rPr lang="de-DE" sz="2200" b="0" strike="noStrike" spc="-1" dirty="0">
+              <a:rPr lang="de-DE" sz="2800" b="0" strike="noStrike" spc="-1" dirty="0">
                 <a:solidFill>
                   <a:srgbClr val="404040"/>
                 </a:solidFill>
@@ -7986,35 +7065,10 @@
                 <a:ea typeface="DejaVu Sans"/>
                 <a:cs typeface="Calibri" panose="020F0502020204030204" pitchFamily="34" charset="0"/>
               </a:rPr>
-              <a:t>Planung und Ergebnis</a:t>
+              <a:t> Planung und Ergebnis: </a:t>
             </a:r>
-            <a:endParaRPr lang="de-DE" sz="2200" spc="-1" dirty="0">
-              <a:solidFill>
-                <a:srgbClr val="404040"/>
-              </a:solidFill>
-              <a:uFill>
-                <a:solidFill>
-                  <a:srgbClr val="FFFFFF"/>
-                </a:solidFill>
-              </a:uFill>
-              <a:latin typeface="Calibri" panose="020F0502020204030204" pitchFamily="34" charset="0"/>
-              <a:ea typeface="DejaVu Sans"/>
-              <a:cs typeface="Calibri" panose="020F0502020204030204" pitchFamily="34" charset="0"/>
-            </a:endParaRPr>
-          </a:p>
-          <a:p>
-            <a:pPr marL="548640" lvl="1" indent="-90360">
-              <a:lnSpc>
-                <a:spcPct val="100000"/>
-              </a:lnSpc>
-              <a:buClr>
-                <a:srgbClr val="E48312"/>
-              </a:buClr>
-              <a:buFont typeface="Arial"/>
-              <a:buChar char="•"/>
-            </a:pPr>
             <a:r>
-              <a:rPr lang="de-DE" sz="2000" spc="-1" dirty="0">
+              <a:rPr lang="de-DE" sz="2800" spc="-1" dirty="0">
                 <a:solidFill>
                   <a:srgbClr val="404040"/>
                 </a:solidFill>
@@ -8033,7 +7087,7 @@
           <a:p>
             <a:pPr marL="91440" indent="-90360">
               <a:lnSpc>
-                <a:spcPct val="100000"/>
+                <a:spcPct val="150000"/>
               </a:lnSpc>
               <a:buClr>
                 <a:srgbClr val="E48312"/>
@@ -8042,7 +7096,7 @@
               <a:buChar char="•"/>
             </a:pPr>
             <a:r>
-              <a:rPr lang="de-DE" sz="2200" spc="-1" dirty="0">
+              <a:rPr lang="de-DE" sz="2800" spc="-1" dirty="0">
                 <a:solidFill>
                   <a:srgbClr val="404040"/>
                 </a:solidFill>
@@ -8061,7 +7115,7 @@
           <a:p>
             <a:pPr marL="91440" indent="-90360">
               <a:lnSpc>
-                <a:spcPct val="100000"/>
+                <a:spcPct val="150000"/>
               </a:lnSpc>
               <a:buClr>
                 <a:srgbClr val="E48312"/>
@@ -8070,7 +7124,7 @@
               <a:buChar char="•"/>
             </a:pPr>
             <a:r>
-              <a:rPr lang="de-DE" sz="2200" spc="-1" dirty="0">
+              <a:rPr lang="de-DE" sz="2800" spc="-1" dirty="0">
                 <a:solidFill>
                   <a:srgbClr val="404040"/>
                 </a:solidFill>
@@ -8134,14 +7188,19 @@
             <p:ph type="title"/>
           </p:nvPr>
         </p:nvSpPr>
-        <p:spPr/>
+        <p:spPr>
+          <a:xfrm>
+            <a:off x="609780" y="395520"/>
+            <a:ext cx="10972440" cy="1144800"/>
+          </a:xfrm>
+        </p:spPr>
         <p:txBody>
           <a:bodyPr/>
           <a:lstStyle/>
           <a:p>
             <a:r>
               <a:rPr lang="de-DE" dirty="0"/>
-              <a:t>Meilensteine (was ist geplant)</a:t>
+              <a:t>Meilensteine</a:t>
             </a:r>
           </a:p>
         </p:txBody>
@@ -8164,9 +7223,12 @@
         </p:nvSpPr>
         <p:spPr>
           <a:xfrm>
-            <a:off x="609480" y="1746760"/>
-            <a:ext cx="10972440" cy="3977280"/>
-          </a:xfrm>
+            <a:off x="507880" y="1540320"/>
+            <a:ext cx="10972440" cy="4616640"/>
+          </a:xfrm>
+          <a:solidFill>
+            <a:schemeClr val="bg1"/>
+          </a:solidFill>
         </p:spPr>
         <p:txBody>
           <a:bodyPr/>
@@ -8181,7 +7243,7 @@
                 <a:latin typeface="Calibri" panose="020F0502020204030204" pitchFamily="34" charset="0"/>
                 <a:cs typeface="Calibri" panose="020F0502020204030204" pitchFamily="34" charset="0"/>
               </a:rPr>
-              <a:t> KW 45 Präsentation zum Konzept fertiggestellt</a:t>
+              <a:t> KW 45 Präsentation zum Konzept fertig</a:t>
             </a:r>
           </a:p>
           <a:p>
@@ -8194,7 +7256,7 @@
                 <a:latin typeface="Calibri" panose="020F0502020204030204" pitchFamily="34" charset="0"/>
                 <a:cs typeface="Calibri" panose="020F0502020204030204" pitchFamily="34" charset="0"/>
               </a:rPr>
-              <a:t> KW 46 Case-Study fertiggestellt</a:t>
+              <a:t> KW 46 Case-Study fertig</a:t>
             </a:r>
           </a:p>
           <a:p>
@@ -8212,19 +7274,6 @@
           </a:p>
           <a:p>
             <a:pPr>
-              <a:buFont typeface="Arial" panose="020B0604020202020204" pitchFamily="34" charset="0"/>
-              <a:buChar char="•"/>
-            </a:pPr>
-            <a:r>
-              <a:rPr lang="de-DE" dirty="0">
-                <a:latin typeface="Calibri" panose="020F0502020204030204" pitchFamily="34" charset="0"/>
-                <a:cs typeface="Calibri" panose="020F0502020204030204" pitchFamily="34" charset="0"/>
-              </a:rPr>
-              <a:t>   KW 48 Tabellen aus ER-Modell erstellt</a:t>
-            </a:r>
-          </a:p>
-          <a:p>
-            <a:pPr>
               <a:buFont typeface="Wingdings" panose="05000000000000000000" pitchFamily="2" charset="2"/>
               <a:buChar char="ü"/>
             </a:pPr>
@@ -8238,41 +7287,67 @@
           </a:p>
           <a:p>
             <a:pPr>
-              <a:buFont typeface="Arial" panose="020B0604020202020204" pitchFamily="34" charset="0"/>
-              <a:buChar char="•"/>
+              <a:buFont typeface="Wingdings" panose="05000000000000000000" pitchFamily="2" charset="2"/>
+              <a:buChar char="ü"/>
             </a:pPr>
             <a:r>
               <a:rPr lang="de-DE" dirty="0">
                 <a:latin typeface="Calibri" panose="020F0502020204030204" pitchFamily="34" charset="0"/>
                 <a:cs typeface="Calibri" panose="020F0502020204030204" pitchFamily="34" charset="0"/>
               </a:rPr>
-              <a:t>   KW 50 Datensätze für Datenbank erstellt</a:t>
+              <a:t> KW 50 ER-Modell überarbeitet</a:t>
             </a:r>
           </a:p>
           <a:p>
             <a:pPr>
-              <a:buFont typeface="Arial" panose="020B0604020202020204" pitchFamily="34" charset="0"/>
-              <a:buChar char="•"/>
+              <a:buFont typeface="Wingdings" panose="05000000000000000000" pitchFamily="2" charset="2"/>
+              <a:buChar char="ü"/>
             </a:pPr>
             <a:r>
               <a:rPr lang="de-DE" dirty="0">
                 <a:latin typeface="Calibri" panose="020F0502020204030204" pitchFamily="34" charset="0"/>
                 <a:cs typeface="Calibri" panose="020F0502020204030204" pitchFamily="34" charset="0"/>
               </a:rPr>
-              <a:t>   KW 51 Befehlssätze für Datenbank (Skripte) erstellt</a:t>
+              <a:t> KW 52 Tabellen aus ER-Modell erstellt + Datensätze erstellt</a:t>
             </a:r>
           </a:p>
           <a:p>
             <a:pPr>
-              <a:buFont typeface="Arial" panose="020B0604020202020204" pitchFamily="34" charset="0"/>
-              <a:buChar char="•"/>
+              <a:buFont typeface="Wingdings" panose="05000000000000000000" pitchFamily="2" charset="2"/>
+              <a:buChar char="ü"/>
             </a:pPr>
             <a:r>
               <a:rPr lang="de-DE" dirty="0">
                 <a:latin typeface="Calibri" panose="020F0502020204030204" pitchFamily="34" charset="0"/>
                 <a:cs typeface="Calibri" panose="020F0502020204030204" pitchFamily="34" charset="0"/>
               </a:rPr>
-              <a:t>   KW 2 Abschlusspräsentation fertiggestellt</a:t>
+              <a:t> KW 1 SQL Befehle für Datenbank erstellt</a:t>
+            </a:r>
+          </a:p>
+          <a:p>
+            <a:pPr>
+              <a:buFont typeface="Wingdings" panose="05000000000000000000" pitchFamily="2" charset="2"/>
+              <a:buChar char="ü"/>
+            </a:pPr>
+            <a:r>
+              <a:rPr lang="de-DE" dirty="0">
+                <a:latin typeface="Calibri" panose="020F0502020204030204" pitchFamily="34" charset="0"/>
+                <a:cs typeface="Calibri" panose="020F0502020204030204" pitchFamily="34" charset="0"/>
+              </a:rPr>
+              <a:t> KW 2 Website</a:t>
+            </a:r>
+          </a:p>
+          <a:p>
+            <a:pPr>
+              <a:buFont typeface="Wingdings" panose="05000000000000000000" pitchFamily="2" charset="2"/>
+              <a:buChar char="ü"/>
+            </a:pPr>
+            <a:r>
+              <a:rPr lang="de-DE" dirty="0">
+                <a:latin typeface="Calibri" panose="020F0502020204030204" pitchFamily="34" charset="0"/>
+                <a:cs typeface="Calibri" panose="020F0502020204030204" pitchFamily="34" charset="0"/>
+              </a:rPr>
+              <a:t> KW 3 Abschlusspräsentation fertiggestellt</a:t>
             </a:r>
           </a:p>
         </p:txBody>
@@ -8434,9 +7509,9 @@
                 <a:latin typeface="Calibri"/>
                 <a:ea typeface="DejaVu Sans"/>
               </a:rPr>
-              <a:t> Vorstellung</a:t>
+              <a:t> Geschäftsmodell</a:t>
             </a:r>
-            <a:endParaRPr lang="de-DE" sz="2200" b="0" strike="noStrike" spc="-1" dirty="0">
+            <a:endParaRPr lang="de-DE" sz="2200" spc="-1" dirty="0">
               <a:solidFill>
                 <a:srgbClr val="000000"/>
               </a:solidFill>
@@ -8469,34 +7544,11 @@
                     <a:srgbClr val="FFFFFF"/>
                   </a:solidFill>
                 </a:uFill>
-                <a:latin typeface="Calibri"/>
+                <a:latin typeface="Arial"/>
                 <a:ea typeface="DejaVu Sans"/>
               </a:rPr>
-              <a:t> Datenbank</a:t>
+              <a:t> </a:t>
             </a:r>
-            <a:endParaRPr lang="de-DE" sz="2200" b="0" strike="noStrike" spc="-1" dirty="0">
-              <a:solidFill>
-                <a:srgbClr val="000000"/>
-              </a:solidFill>
-              <a:uFill>
-                <a:solidFill>
-                  <a:srgbClr val="FFFFFF"/>
-                </a:solidFill>
-              </a:uFill>
-              <a:latin typeface="Arial"/>
-            </a:endParaRPr>
-          </a:p>
-          <a:p>
-            <a:pPr marL="384120" lvl="1" indent="-181800">
-              <a:lnSpc>
-                <a:spcPct val="100000"/>
-              </a:lnSpc>
-              <a:buClr>
-                <a:srgbClr val="E48312"/>
-              </a:buClr>
-              <a:buFont typeface="Arial"/>
-              <a:buChar char="•"/>
-            </a:pPr>
             <a:r>
               <a:rPr lang="de-DE" sz="2200" b="0" strike="noStrike" spc="-1" dirty="0">
                 <a:solidFill>
@@ -8573,20 +7625,99 @@
                   </a:solidFill>
                 </a:uFill>
                 <a:latin typeface="Calibri"/>
+                <a:ea typeface="DejaVu Sans"/>
+              </a:rPr>
+              <a:t> SQL</a:t>
+            </a:r>
+            <a:r>
+              <a:rPr lang="de-DE" sz="2200" b="0" strike="noStrike" spc="-1" dirty="0">
+                <a:solidFill>
+                  <a:srgbClr val="000000"/>
+                </a:solidFill>
+                <a:uFill>
+                  <a:solidFill>
+                    <a:srgbClr val="FFFFFF"/>
+                  </a:solidFill>
+                </a:uFill>
+                <a:latin typeface="Calibri"/>
+                <a:ea typeface="DejaVu Sans"/>
+              </a:rPr>
+              <a:t>-Befehle</a:t>
+            </a:r>
+          </a:p>
+          <a:p>
+            <a:pPr marL="91440" indent="-90360">
+              <a:lnSpc>
+                <a:spcPct val="100000"/>
+              </a:lnSpc>
+              <a:buClr>
+                <a:srgbClr val="E48312"/>
+              </a:buClr>
+              <a:buFont typeface="Arial"/>
+              <a:buChar char="•"/>
+            </a:pPr>
+            <a:r>
+              <a:rPr lang="de-DE" sz="2200" spc="-1" dirty="0">
+                <a:solidFill>
+                  <a:srgbClr val="000000"/>
+                </a:solidFill>
+                <a:uFill>
+                  <a:solidFill>
+                    <a:srgbClr val="FFFFFF"/>
+                  </a:solidFill>
+                </a:uFill>
+                <a:latin typeface="Calibri"/>
+                <a:ea typeface="DejaVu Sans"/>
+              </a:rPr>
+              <a:t> Website</a:t>
+            </a:r>
+          </a:p>
+          <a:p>
+            <a:pPr marL="91440" indent="-90360">
+              <a:buClr>
+                <a:srgbClr val="E48312"/>
+              </a:buClr>
+              <a:buFont typeface="Arial"/>
+              <a:buChar char="•"/>
+            </a:pPr>
+            <a:r>
+              <a:rPr lang="de-DE" sz="2200" spc="-1" dirty="0">
+                <a:solidFill>
+                  <a:srgbClr val="000000"/>
+                </a:solidFill>
+                <a:uFill>
+                  <a:solidFill>
+                    <a:srgbClr val="FFFFFF"/>
+                  </a:solidFill>
+                </a:uFill>
+                <a:latin typeface="Calibri"/>
               </a:rPr>
               <a:t> Erweiterbarkeit</a:t>
             </a:r>
-            <a:endParaRPr lang="de-DE" sz="2200" b="0" strike="noStrike" spc="-1" dirty="0">
-              <a:solidFill>
-                <a:srgbClr val="000000"/>
-              </a:solidFill>
-              <a:uFill>
-                <a:solidFill>
-                  <a:srgbClr val="FFFFFF"/>
-                </a:solidFill>
-              </a:uFill>
-              <a:latin typeface="Arial"/>
-            </a:endParaRPr>
+          </a:p>
+          <a:p>
+            <a:pPr marL="91440" indent="-90360">
+              <a:buClr>
+                <a:srgbClr val="E48312"/>
+              </a:buClr>
+              <a:buFont typeface="Arial"/>
+              <a:buChar char="•"/>
+            </a:pPr>
+            <a:r>
+              <a:rPr lang="de-DE" sz="2200" spc="-1" dirty="0">
+                <a:solidFill>
+                  <a:srgbClr val="000000"/>
+                </a:solidFill>
+                <a:uFill>
+                  <a:solidFill>
+                    <a:srgbClr val="FFFFFF"/>
+                  </a:solidFill>
+                </a:uFill>
+                <a:latin typeface="Calibri"/>
+                <a:ea typeface="DejaVu Sans"/>
+              </a:rPr>
+              <a:t> Was ist gut an unserer Datenbank?</a:t>
+            </a:r>
           </a:p>
           <a:p>
             <a:pPr marL="91440" indent="-90360">
@@ -8612,91 +7743,7 @@
                 <a:latin typeface="Calibri"/>
                 <a:ea typeface="DejaVu Sans"/>
               </a:rPr>
-              <a:t> Beispielhafte </a:t>
-            </a:r>
-            <a:r>
-              <a:rPr lang="de-DE" sz="2200" spc="-1" dirty="0">
-                <a:solidFill>
-                  <a:srgbClr val="000000"/>
-                </a:solidFill>
-                <a:uFill>
-                  <a:solidFill>
-                    <a:srgbClr val="FFFFFF"/>
-                  </a:solidFill>
-                </a:uFill>
-                <a:latin typeface="Calibri"/>
-                <a:ea typeface="DejaVu Sans"/>
-              </a:rPr>
-              <a:t>SQL</a:t>
-            </a:r>
-            <a:r>
-              <a:rPr lang="de-DE" sz="2200" b="0" strike="noStrike" spc="-1" dirty="0">
-                <a:solidFill>
-                  <a:srgbClr val="000000"/>
-                </a:solidFill>
-                <a:uFill>
-                  <a:solidFill>
-                    <a:srgbClr val="FFFFFF"/>
-                  </a:solidFill>
-                </a:uFill>
-                <a:latin typeface="Calibri"/>
-                <a:ea typeface="DejaVu Sans"/>
-              </a:rPr>
-              <a:t>-Befehle</a:t>
-            </a:r>
-          </a:p>
-          <a:p>
-            <a:pPr marL="91440" indent="-90360">
-              <a:lnSpc>
-                <a:spcPct val="100000"/>
-              </a:lnSpc>
-              <a:buClr>
-                <a:srgbClr val="E48312"/>
-              </a:buClr>
-              <a:buFont typeface="Arial"/>
-              <a:buChar char="•"/>
-            </a:pPr>
-            <a:r>
-              <a:rPr lang="de-DE" sz="2200" spc="-1" dirty="0">
-                <a:solidFill>
-                  <a:srgbClr val="000000"/>
-                </a:solidFill>
-                <a:uFill>
-                  <a:solidFill>
-                    <a:srgbClr val="FFFFFF"/>
-                  </a:solidFill>
-                </a:uFill>
-                <a:latin typeface="Calibri"/>
-                <a:ea typeface="DejaVu Sans"/>
-              </a:rPr>
-              <a:t> Website</a:t>
-            </a:r>
-          </a:p>
-          <a:p>
-            <a:pPr marL="91440" indent="-90360">
-              <a:lnSpc>
-                <a:spcPct val="100000"/>
-              </a:lnSpc>
-              <a:buClr>
-                <a:srgbClr val="E48312"/>
-              </a:buClr>
-              <a:buFont typeface="Arial"/>
-              <a:buChar char="•"/>
-            </a:pPr>
-            <a:r>
-              <a:rPr lang="de-DE" sz="2200" b="0" strike="noStrike" spc="-1" dirty="0">
-                <a:solidFill>
-                  <a:srgbClr val="000000"/>
-                </a:solidFill>
-                <a:uFill>
-                  <a:solidFill>
-                    <a:srgbClr val="FFFFFF"/>
-                  </a:solidFill>
-                </a:uFill>
-                <a:latin typeface="Calibri"/>
-                <a:ea typeface="DejaVu Sans"/>
-              </a:rPr>
-              <a:t> Bewertung Projektarbeit</a:t>
+              <a:t> Bewertung der Projektarbeit</a:t>
             </a:r>
           </a:p>
           <a:p>
@@ -8802,6 +7849,36 @@
           </a:p>
         </p:txBody>
       </p:sp>
+      <p:pic>
+        <p:nvPicPr>
+          <p:cNvPr id="2" name="Grafik 1">
+            <a:extLst>
+              <a:ext uri="{FF2B5EF4-FFF2-40B4-BE49-F238E27FC236}">
+                <a16:creationId xmlns:a16="http://schemas.microsoft.com/office/drawing/2014/main" id="{CA4BAB53-C1A0-4612-8EF4-89244CD8C43A}"/>
+              </a:ext>
+            </a:extLst>
+          </p:cNvPr>
+          <p:cNvPicPr>
+            <a:picLocks noChangeAspect="1"/>
+          </p:cNvPicPr>
+          <p:nvPr/>
+        </p:nvPicPr>
+        <p:blipFill>
+          <a:blip r:embed="rId2"/>
+          <a:stretch>
+            <a:fillRect/>
+          </a:stretch>
+        </p:blipFill>
+        <p:spPr>
+          <a:xfrm>
+            <a:off x="8014888" y="3186000"/>
+            <a:ext cx="3139712" cy="2578832"/>
+          </a:xfrm>
+          <a:prstGeom prst="rect">
+            <a:avLst/>
+          </a:prstGeom>
+        </p:spPr>
+      </p:pic>
     </p:spTree>
   </p:cSld>
   <p:clrMapOvr>
@@ -8885,7 +7962,7 @@
                 <a:latin typeface="Calibri Light" panose="020F0302020204030204" pitchFamily="34" charset="0"/>
                 <a:cs typeface="Calibri Light" panose="020F0302020204030204" pitchFamily="34" charset="0"/>
               </a:rPr>
-              <a:t>Rechnungstellung</a:t>
+              <a:t>Rechnungsstellung</a:t>
             </a:r>
           </a:p>
         </p:txBody>
@@ -8905,44 +7982,44 @@
           <p:nvPr>
             <p:extLst>
               <p:ext uri="{D42A27DB-BD31-4B8C-83A1-F6EECF244321}">
-                <p14:modId xmlns:p14="http://schemas.microsoft.com/office/powerpoint/2010/main" val="2815595437"/>
+                <p14:modId xmlns:p14="http://schemas.microsoft.com/office/powerpoint/2010/main" val="3868092882"/>
               </p:ext>
             </p:extLst>
           </p:nvPr>
         </p:nvGraphicFramePr>
         <p:xfrm>
-          <a:off x="1117480" y="2056320"/>
-          <a:ext cx="9936480" cy="3704399"/>
+          <a:off x="1117480" y="2076640"/>
+          <a:ext cx="10159880" cy="3704399"/>
         </p:xfrm>
         <a:graphic>
           <a:graphicData uri="http://schemas.openxmlformats.org/drawingml/2006/table">
             <a:tbl>
               <a:tblPr firstRow="1" bandRow="1">
-                <a:tableStyleId>{5C22544A-7EE6-4342-B048-85BDC9FD1C3A}</a:tableStyleId>
+                <a:tableStyleId>{93296810-A885-4BE3-A3E7-6D5BEEA58F35}</a:tableStyleId>
               </a:tblPr>
               <a:tblGrid>
-                <a:gridCol w="3007360">
+                <a:gridCol w="3434080">
                   <a:extLst>
                     <a:ext uri="{9D8B030D-6E8A-4147-A177-3AD203B41FA5}">
                       <a16:colId xmlns:a16="http://schemas.microsoft.com/office/drawing/2014/main" val="791271210"/>
                     </a:ext>
                   </a:extLst>
                 </a:gridCol>
-                <a:gridCol w="1960880">
+                <a:gridCol w="1645860">
                   <a:extLst>
                     <a:ext uri="{9D8B030D-6E8A-4147-A177-3AD203B41FA5}">
                       <a16:colId xmlns:a16="http://schemas.microsoft.com/office/drawing/2014/main" val="2921043047"/>
                     </a:ext>
                   </a:extLst>
                 </a:gridCol>
-                <a:gridCol w="2484120">
+                <a:gridCol w="2539970">
                   <a:extLst>
                     <a:ext uri="{9D8B030D-6E8A-4147-A177-3AD203B41FA5}">
                       <a16:colId xmlns:a16="http://schemas.microsoft.com/office/drawing/2014/main" val="3026215128"/>
                     </a:ext>
                   </a:extLst>
                 </a:gridCol>
-                <a:gridCol w="2484120">
+                <a:gridCol w="2539970">
                   <a:extLst>
                     <a:ext uri="{9D8B030D-6E8A-4147-A177-3AD203B41FA5}">
                       <a16:colId xmlns:a16="http://schemas.microsoft.com/office/drawing/2014/main" val="1062405628"/>
@@ -8957,12 +8034,13 @@
                     <a:lstStyle/>
                     <a:p>
                       <a:r>
-                        <a:rPr lang="de-DE" sz="2200" dirty="0">
-                          <a:latin typeface="Calibri" panose="020F0502020204030204" pitchFamily="34" charset="0"/>
-                          <a:cs typeface="Calibri" panose="020F0502020204030204" pitchFamily="34" charset="0"/>
-                        </a:rPr>
+                        <a:rPr lang="de-DE" sz="2200" dirty="0"/>
                         <a:t>Posten</a:t>
                       </a:r>
+                      <a:endParaRPr lang="de-DE" sz="2200" dirty="0">
+                        <a:latin typeface="Calibri" panose="020F0502020204030204" pitchFamily="34" charset="0"/>
+                        <a:cs typeface="Calibri" panose="020F0502020204030204" pitchFamily="34" charset="0"/>
+                      </a:endParaRPr>
                     </a:p>
                   </a:txBody>
                   <a:tcPr/>
@@ -8973,26 +8051,13 @@
                     <a:lstStyle/>
                     <a:p>
                       <a:r>
-                        <a:rPr lang="de-DE" sz="2200" dirty="0">
-                          <a:latin typeface="Calibri" panose="020F0502020204030204" pitchFamily="34" charset="0"/>
-                          <a:cs typeface="Calibri" panose="020F0502020204030204" pitchFamily="34" charset="0"/>
-                        </a:rPr>
-                        <a:t>Zeit [</a:t>
+                        <a:rPr lang="de-DE" sz="2200" dirty="0"/>
+                        <a:t>Zeit [h]</a:t>
                       </a:r>
-                      <a:r>
-                        <a:rPr lang="de-DE" sz="2200" dirty="0" err="1">
-                          <a:latin typeface="Calibri" panose="020F0502020204030204" pitchFamily="34" charset="0"/>
-                          <a:cs typeface="Calibri" panose="020F0502020204030204" pitchFamily="34" charset="0"/>
-                        </a:rPr>
-                        <a:t>std</a:t>
-                      </a:r>
-                      <a:r>
-                        <a:rPr lang="de-DE" sz="2200" dirty="0">
-                          <a:latin typeface="Calibri" panose="020F0502020204030204" pitchFamily="34" charset="0"/>
-                          <a:cs typeface="Calibri" panose="020F0502020204030204" pitchFamily="34" charset="0"/>
-                        </a:rPr>
-                        <a:t>]</a:t>
-                      </a:r>
+                      <a:endParaRPr lang="de-DE" sz="2200" dirty="0">
+                        <a:latin typeface="Calibri" panose="020F0502020204030204" pitchFamily="34" charset="0"/>
+                        <a:cs typeface="Calibri" panose="020F0502020204030204" pitchFamily="34" charset="0"/>
+                      </a:endParaRPr>
                     </a:p>
                   </a:txBody>
                   <a:tcPr/>
@@ -9003,26 +8068,13 @@
                     <a:lstStyle/>
                     <a:p>
                       <a:r>
-                        <a:rPr lang="de-DE" sz="2200" dirty="0">
-                          <a:latin typeface="Calibri" panose="020F0502020204030204" pitchFamily="34" charset="0"/>
-                          <a:cs typeface="Calibri" panose="020F0502020204030204" pitchFamily="34" charset="0"/>
-                        </a:rPr>
-                        <a:t>Preis/</a:t>
+                        <a:rPr lang="de-DE" sz="2200" dirty="0"/>
+                        <a:t>Preis/Stunde [€]</a:t>
                       </a:r>
-                      <a:r>
-                        <a:rPr lang="de-DE" sz="2200" dirty="0" err="1">
-                          <a:latin typeface="Calibri" panose="020F0502020204030204" pitchFamily="34" charset="0"/>
-                          <a:cs typeface="Calibri" panose="020F0502020204030204" pitchFamily="34" charset="0"/>
-                        </a:rPr>
-                        <a:t>std</a:t>
-                      </a:r>
-                      <a:r>
-                        <a:rPr lang="de-DE" sz="2200" dirty="0">
-                          <a:latin typeface="Calibri" panose="020F0502020204030204" pitchFamily="34" charset="0"/>
-                          <a:cs typeface="Calibri" panose="020F0502020204030204" pitchFamily="34" charset="0"/>
-                        </a:rPr>
-                        <a:t> [€]</a:t>
-                      </a:r>
+                      <a:endParaRPr lang="de-DE" sz="2200" dirty="0">
+                        <a:latin typeface="Calibri" panose="020F0502020204030204" pitchFamily="34" charset="0"/>
+                        <a:cs typeface="Calibri" panose="020F0502020204030204" pitchFamily="34" charset="0"/>
+                      </a:endParaRPr>
                     </a:p>
                   </a:txBody>
                   <a:tcPr/>
@@ -9033,12 +8085,13 @@
                     <a:lstStyle/>
                     <a:p>
                       <a:r>
-                        <a:rPr lang="de-DE" sz="2200" dirty="0">
-                          <a:latin typeface="Calibri" panose="020F0502020204030204" pitchFamily="34" charset="0"/>
-                          <a:cs typeface="Calibri" panose="020F0502020204030204" pitchFamily="34" charset="0"/>
-                        </a:rPr>
+                        <a:rPr lang="de-DE" sz="2200" dirty="0"/>
                         <a:t>Gesamtpreis [€]</a:t>
                       </a:r>
+                      <a:endParaRPr lang="de-DE" sz="2200" dirty="0">
+                        <a:latin typeface="Calibri" panose="020F0502020204030204" pitchFamily="34" charset="0"/>
+                        <a:cs typeface="Calibri" panose="020F0502020204030204" pitchFamily="34" charset="0"/>
+                      </a:endParaRPr>
                     </a:p>
                   </a:txBody>
                   <a:tcPr/>
@@ -9056,34 +8109,9 @@
                     <a:lstStyle/>
                     <a:p>
                       <a:r>
-                        <a:rPr lang="de-DE" sz="2200" dirty="0">
-                          <a:latin typeface="Calibri" panose="020F0502020204030204" pitchFamily="34" charset="0"/>
-                          <a:cs typeface="Calibri" panose="020F0502020204030204" pitchFamily="34" charset="0"/>
-                        </a:rPr>
+                        <a:rPr lang="de-DE" sz="2200" dirty="0"/>
                         <a:t>ER-Modellierung</a:t>
                       </a:r>
-                    </a:p>
-                  </a:txBody>
-                  <a:tcPr/>
-                </a:tc>
-                <a:tc>
-                  <a:txBody>
-                    <a:bodyPr/>
-                    <a:lstStyle/>
-                    <a:p>
-                      <a:endParaRPr lang="de-DE" sz="2200">
-                        <a:latin typeface="Calibri" panose="020F0502020204030204" pitchFamily="34" charset="0"/>
-                        <a:cs typeface="Calibri" panose="020F0502020204030204" pitchFamily="34" charset="0"/>
-                      </a:endParaRPr>
-                    </a:p>
-                  </a:txBody>
-                  <a:tcPr/>
-                </a:tc>
-                <a:tc>
-                  <a:txBody>
-                    <a:bodyPr/>
-                    <a:lstStyle/>
-                    <a:p>
                       <a:endParaRPr lang="de-DE" sz="2200" dirty="0">
                         <a:latin typeface="Calibri" panose="020F0502020204030204" pitchFamily="34" charset="0"/>
                         <a:cs typeface="Calibri" panose="020F0502020204030204" pitchFamily="34" charset="0"/>
@@ -9097,7 +8125,48 @@
                     <a:bodyPr/>
                     <a:lstStyle/>
                     <a:p>
-                      <a:endParaRPr lang="de-DE" sz="2200">
+                      <a:pPr algn="ctr"/>
+                      <a:r>
+                        <a:rPr lang="de-DE" sz="2200" dirty="0"/>
+                        <a:t>46</a:t>
+                      </a:r>
+                      <a:endParaRPr lang="de-DE" sz="2200" dirty="0">
+                        <a:latin typeface="Calibri" panose="020F0502020204030204" pitchFamily="34" charset="0"/>
+                        <a:cs typeface="Calibri" panose="020F0502020204030204" pitchFamily="34" charset="0"/>
+                      </a:endParaRPr>
+                    </a:p>
+                  </a:txBody>
+                  <a:tcPr/>
+                </a:tc>
+                <a:tc>
+                  <a:txBody>
+                    <a:bodyPr/>
+                    <a:lstStyle/>
+                    <a:p>
+                      <a:pPr algn="ctr"/>
+                      <a:r>
+                        <a:rPr lang="de-DE" sz="2200" dirty="0"/>
+                        <a:t>70</a:t>
+                      </a:r>
+                      <a:endParaRPr lang="de-DE" sz="2200" dirty="0">
+                        <a:latin typeface="Calibri" panose="020F0502020204030204" pitchFamily="34" charset="0"/>
+                        <a:cs typeface="Calibri" panose="020F0502020204030204" pitchFamily="34" charset="0"/>
+                      </a:endParaRPr>
+                    </a:p>
+                  </a:txBody>
+                  <a:tcPr/>
+                </a:tc>
+                <a:tc>
+                  <a:txBody>
+                    <a:bodyPr/>
+                    <a:lstStyle/>
+                    <a:p>
+                      <a:pPr algn="r"/>
+                      <a:r>
+                        <a:rPr lang="de-DE" sz="2200" dirty="0"/>
+                        <a:t>3.220</a:t>
+                      </a:r>
+                      <a:endParaRPr lang="de-DE" sz="2200" dirty="0">
                         <a:latin typeface="Calibri" panose="020F0502020204030204" pitchFamily="34" charset="0"/>
                         <a:cs typeface="Calibri" panose="020F0502020204030204" pitchFamily="34" charset="0"/>
                       </a:endParaRPr>
@@ -9118,22 +8187,10 @@
                     <a:lstStyle/>
                     <a:p>
                       <a:r>
-                        <a:rPr lang="de-DE" sz="2200" dirty="0">
-                          <a:latin typeface="Calibri" panose="020F0502020204030204" pitchFamily="34" charset="0"/>
-                          <a:cs typeface="Calibri" panose="020F0502020204030204" pitchFamily="34" charset="0"/>
-                        </a:rPr>
+                        <a:rPr lang="de-DE" sz="2200" dirty="0"/>
                         <a:t>Physisches Datenmodell</a:t>
                       </a:r>
-                    </a:p>
-                  </a:txBody>
-                  <a:tcPr/>
-                </a:tc>
-                <a:tc>
-                  <a:txBody>
-                    <a:bodyPr/>
-                    <a:lstStyle/>
-                    <a:p>
-                      <a:endParaRPr lang="de-DE" sz="2200">
+                      <a:endParaRPr lang="de-DE" sz="2200" dirty="0">
                         <a:latin typeface="Calibri" panose="020F0502020204030204" pitchFamily="34" charset="0"/>
                         <a:cs typeface="Calibri" panose="020F0502020204030204" pitchFamily="34" charset="0"/>
                       </a:endParaRPr>
@@ -9146,7 +8203,12 @@
                     <a:bodyPr/>
                     <a:lstStyle/>
                     <a:p>
-                      <a:endParaRPr lang="de-DE" sz="2200">
+                      <a:pPr algn="ctr"/>
+                      <a:r>
+                        <a:rPr lang="de-DE" sz="2200" dirty="0"/>
+                        <a:t>2</a:t>
+                      </a:r>
+                      <a:endParaRPr lang="de-DE" sz="2200" dirty="0">
                         <a:latin typeface="Calibri" panose="020F0502020204030204" pitchFamily="34" charset="0"/>
                         <a:cs typeface="Calibri" panose="020F0502020204030204" pitchFamily="34" charset="0"/>
                       </a:endParaRPr>
@@ -9159,7 +8221,30 @@
                     <a:bodyPr/>
                     <a:lstStyle/>
                     <a:p>
-                      <a:endParaRPr lang="de-DE" sz="2200">
+                      <a:pPr algn="ctr"/>
+                      <a:r>
+                        <a:rPr lang="de-DE" sz="2200" dirty="0"/>
+                        <a:t>70</a:t>
+                      </a:r>
+                      <a:endParaRPr lang="de-DE" sz="2200" dirty="0">
+                        <a:latin typeface="Calibri" panose="020F0502020204030204" pitchFamily="34" charset="0"/>
+                        <a:cs typeface="Calibri" panose="020F0502020204030204" pitchFamily="34" charset="0"/>
+                      </a:endParaRPr>
+                    </a:p>
+                  </a:txBody>
+                  <a:tcPr/>
+                </a:tc>
+                <a:tc>
+                  <a:txBody>
+                    <a:bodyPr/>
+                    <a:lstStyle/>
+                    <a:p>
+                      <a:pPr algn="r"/>
+                      <a:r>
+                        <a:rPr lang="de-DE" sz="2200" dirty="0"/>
+                        <a:t>140</a:t>
+                      </a:r>
+                      <a:endParaRPr lang="de-DE" sz="2200" dirty="0">
                         <a:latin typeface="Calibri" panose="020F0502020204030204" pitchFamily="34" charset="0"/>
                         <a:cs typeface="Calibri" panose="020F0502020204030204" pitchFamily="34" charset="0"/>
                       </a:endParaRPr>
@@ -9180,22 +8265,10 @@
                     <a:lstStyle/>
                     <a:p>
                       <a:r>
-                        <a:rPr lang="de-DE" sz="2200" dirty="0">
-                          <a:latin typeface="Calibri" panose="020F0502020204030204" pitchFamily="34" charset="0"/>
-                          <a:cs typeface="Calibri" panose="020F0502020204030204" pitchFamily="34" charset="0"/>
-                        </a:rPr>
+                        <a:rPr lang="de-DE" sz="2200" dirty="0"/>
                         <a:t>Datenbank-Skripte</a:t>
                       </a:r>
-                    </a:p>
-                  </a:txBody>
-                  <a:tcPr/>
-                </a:tc>
-                <a:tc>
-                  <a:txBody>
-                    <a:bodyPr/>
-                    <a:lstStyle/>
-                    <a:p>
-                      <a:endParaRPr lang="de-DE" sz="2200">
+                      <a:endParaRPr lang="de-DE" sz="2200" dirty="0">
                         <a:latin typeface="Calibri" panose="020F0502020204030204" pitchFamily="34" charset="0"/>
                         <a:cs typeface="Calibri" panose="020F0502020204030204" pitchFamily="34" charset="0"/>
                       </a:endParaRPr>
@@ -9208,7 +8281,12 @@
                     <a:bodyPr/>
                     <a:lstStyle/>
                     <a:p>
-                      <a:endParaRPr lang="de-DE" sz="2200">
+                      <a:pPr algn="ctr"/>
+                      <a:r>
+                        <a:rPr lang="de-DE" sz="2200" dirty="0"/>
+                        <a:t>20</a:t>
+                      </a:r>
+                      <a:endParaRPr lang="de-DE" sz="2200" dirty="0">
                         <a:latin typeface="Calibri" panose="020F0502020204030204" pitchFamily="34" charset="0"/>
                         <a:cs typeface="Calibri" panose="020F0502020204030204" pitchFamily="34" charset="0"/>
                       </a:endParaRPr>
@@ -9221,7 +8299,30 @@
                     <a:bodyPr/>
                     <a:lstStyle/>
                     <a:p>
-                      <a:endParaRPr lang="de-DE" sz="2200">
+                      <a:pPr algn="ctr"/>
+                      <a:r>
+                        <a:rPr lang="de-DE" sz="2200" dirty="0"/>
+                        <a:t>70</a:t>
+                      </a:r>
+                      <a:endParaRPr lang="de-DE" sz="2200" dirty="0">
+                        <a:latin typeface="Calibri" panose="020F0502020204030204" pitchFamily="34" charset="0"/>
+                        <a:cs typeface="Calibri" panose="020F0502020204030204" pitchFamily="34" charset="0"/>
+                      </a:endParaRPr>
+                    </a:p>
+                  </a:txBody>
+                  <a:tcPr/>
+                </a:tc>
+                <a:tc>
+                  <a:txBody>
+                    <a:bodyPr/>
+                    <a:lstStyle/>
+                    <a:p>
+                      <a:pPr algn="r"/>
+                      <a:r>
+                        <a:rPr lang="de-DE" sz="2200" dirty="0"/>
+                        <a:t>1.400</a:t>
+                      </a:r>
+                      <a:endParaRPr lang="de-DE" sz="2200" dirty="0">
                         <a:latin typeface="Calibri" panose="020F0502020204030204" pitchFamily="34" charset="0"/>
                         <a:cs typeface="Calibri" panose="020F0502020204030204" pitchFamily="34" charset="0"/>
                       </a:endParaRPr>
@@ -9242,22 +8343,10 @@
                     <a:lstStyle/>
                     <a:p>
                       <a:r>
-                        <a:rPr lang="de-DE" sz="2200" dirty="0">
-                          <a:latin typeface="Calibri" panose="020F0502020204030204" pitchFamily="34" charset="0"/>
-                          <a:cs typeface="Calibri" panose="020F0502020204030204" pitchFamily="34" charset="0"/>
-                        </a:rPr>
+                        <a:rPr lang="de-DE" sz="2200" dirty="0"/>
                         <a:t>SQL-Abfragen</a:t>
                       </a:r>
-                    </a:p>
-                  </a:txBody>
-                  <a:tcPr/>
-                </a:tc>
-                <a:tc>
-                  <a:txBody>
-                    <a:bodyPr/>
-                    <a:lstStyle/>
-                    <a:p>
-                      <a:endParaRPr lang="de-DE" sz="2200">
+                      <a:endParaRPr lang="de-DE" sz="2200" dirty="0">
                         <a:latin typeface="Calibri" panose="020F0502020204030204" pitchFamily="34" charset="0"/>
                         <a:cs typeface="Calibri" panose="020F0502020204030204" pitchFamily="34" charset="0"/>
                       </a:endParaRPr>
@@ -9270,7 +8359,12 @@
                     <a:bodyPr/>
                     <a:lstStyle/>
                     <a:p>
-                      <a:endParaRPr lang="de-DE" sz="2200">
+                      <a:pPr algn="ctr"/>
+                      <a:r>
+                        <a:rPr lang="de-DE" sz="2200" dirty="0"/>
+                        <a:t>11</a:t>
+                      </a:r>
+                      <a:endParaRPr lang="de-DE" sz="2200" dirty="0">
                         <a:latin typeface="Calibri" panose="020F0502020204030204" pitchFamily="34" charset="0"/>
                         <a:cs typeface="Calibri" panose="020F0502020204030204" pitchFamily="34" charset="0"/>
                       </a:endParaRPr>
@@ -9283,7 +8377,30 @@
                     <a:bodyPr/>
                     <a:lstStyle/>
                     <a:p>
-                      <a:endParaRPr lang="de-DE" sz="2200">
+                      <a:pPr algn="ctr"/>
+                      <a:r>
+                        <a:rPr lang="de-DE" sz="2200" dirty="0"/>
+                        <a:t>70</a:t>
+                      </a:r>
+                      <a:endParaRPr lang="de-DE" sz="2200" dirty="0">
+                        <a:latin typeface="Calibri" panose="020F0502020204030204" pitchFamily="34" charset="0"/>
+                        <a:cs typeface="Calibri" panose="020F0502020204030204" pitchFamily="34" charset="0"/>
+                      </a:endParaRPr>
+                    </a:p>
+                  </a:txBody>
+                  <a:tcPr/>
+                </a:tc>
+                <a:tc>
+                  <a:txBody>
+                    <a:bodyPr/>
+                    <a:lstStyle/>
+                    <a:p>
+                      <a:pPr algn="r"/>
+                      <a:r>
+                        <a:rPr lang="de-DE" sz="2200" dirty="0"/>
+                        <a:t>770</a:t>
+                      </a:r>
+                      <a:endParaRPr lang="de-DE" sz="2200" dirty="0">
                         <a:latin typeface="Calibri" panose="020F0502020204030204" pitchFamily="34" charset="0"/>
                         <a:cs typeface="Calibri" panose="020F0502020204030204" pitchFamily="34" charset="0"/>
                       </a:endParaRPr>
@@ -9304,22 +8421,10 @@
                     <a:lstStyle/>
                     <a:p>
                       <a:r>
-                        <a:rPr lang="de-DE" sz="2200" dirty="0">
-                          <a:latin typeface="Calibri" panose="020F0502020204030204" pitchFamily="34" charset="0"/>
-                          <a:cs typeface="Calibri" panose="020F0502020204030204" pitchFamily="34" charset="0"/>
-                        </a:rPr>
+                        <a:rPr lang="de-DE" sz="2200" dirty="0"/>
                         <a:t>Website</a:t>
                       </a:r>
-                    </a:p>
-                  </a:txBody>
-                  <a:tcPr/>
-                </a:tc>
-                <a:tc>
-                  <a:txBody>
-                    <a:bodyPr/>
-                    <a:lstStyle/>
-                    <a:p>
-                      <a:endParaRPr lang="de-DE" sz="2200">
+                      <a:endParaRPr lang="de-DE" sz="2200" dirty="0">
                         <a:latin typeface="Calibri" panose="020F0502020204030204" pitchFamily="34" charset="0"/>
                         <a:cs typeface="Calibri" panose="020F0502020204030204" pitchFamily="34" charset="0"/>
                       </a:endParaRPr>
@@ -9332,7 +8437,12 @@
                     <a:bodyPr/>
                     <a:lstStyle/>
                     <a:p>
-                      <a:endParaRPr lang="de-DE" sz="2200">
+                      <a:pPr algn="ctr"/>
+                      <a:r>
+                        <a:rPr lang="de-DE" sz="2200" dirty="0"/>
+                        <a:t>27</a:t>
+                      </a:r>
+                      <a:endParaRPr lang="de-DE" sz="2200" dirty="0">
                         <a:latin typeface="Calibri" panose="020F0502020204030204" pitchFamily="34" charset="0"/>
                         <a:cs typeface="Calibri" panose="020F0502020204030204" pitchFamily="34" charset="0"/>
                       </a:endParaRPr>
@@ -9345,7 +8455,30 @@
                     <a:bodyPr/>
                     <a:lstStyle/>
                     <a:p>
-                      <a:endParaRPr lang="de-DE" sz="2200">
+                      <a:pPr algn="ctr"/>
+                      <a:r>
+                        <a:rPr lang="de-DE" sz="2200" dirty="0"/>
+                        <a:t>70</a:t>
+                      </a:r>
+                      <a:endParaRPr lang="de-DE" sz="2200" dirty="0">
+                        <a:latin typeface="Calibri" panose="020F0502020204030204" pitchFamily="34" charset="0"/>
+                        <a:cs typeface="Calibri" panose="020F0502020204030204" pitchFamily="34" charset="0"/>
+                      </a:endParaRPr>
+                    </a:p>
+                  </a:txBody>
+                  <a:tcPr/>
+                </a:tc>
+                <a:tc>
+                  <a:txBody>
+                    <a:bodyPr/>
+                    <a:lstStyle/>
+                    <a:p>
+                      <a:pPr algn="r"/>
+                      <a:r>
+                        <a:rPr lang="de-DE" sz="2200" dirty="0"/>
+                        <a:t>1.890</a:t>
+                      </a:r>
+                      <a:endParaRPr lang="de-DE" sz="2200" dirty="0">
                         <a:latin typeface="Calibri" panose="020F0502020204030204" pitchFamily="34" charset="0"/>
                         <a:cs typeface="Calibri" panose="020F0502020204030204" pitchFamily="34" charset="0"/>
                       </a:endParaRPr>
@@ -9366,12 +8499,13 @@
                     <a:lstStyle/>
                     <a:p>
                       <a:r>
-                        <a:rPr lang="de-DE" sz="2200" b="1" dirty="0">
-                          <a:latin typeface="Calibri" panose="020F0502020204030204" pitchFamily="34" charset="0"/>
-                          <a:cs typeface="Calibri" panose="020F0502020204030204" pitchFamily="34" charset="0"/>
-                        </a:rPr>
+                        <a:rPr lang="de-DE" sz="2200" dirty="0"/>
                         <a:t>Gesamt</a:t>
                       </a:r>
+                      <a:endParaRPr lang="de-DE" sz="2200" b="1" dirty="0">
+                        <a:latin typeface="Calibri" panose="020F0502020204030204" pitchFamily="34" charset="0"/>
+                        <a:cs typeface="Calibri" panose="020F0502020204030204" pitchFamily="34" charset="0"/>
+                      </a:endParaRPr>
                     </a:p>
                   </a:txBody>
                   <a:tcPr/>
@@ -9401,7 +8535,12 @@
                     <a:bodyPr/>
                     <a:lstStyle/>
                     <a:p>
-                      <a:endParaRPr lang="de-DE" sz="2200" dirty="0">
+                      <a:pPr algn="r"/>
+                      <a:r>
+                        <a:rPr lang="de-DE" sz="2200" dirty="0"/>
+                        <a:t>7.420</a:t>
+                      </a:r>
+                      <a:endParaRPr lang="de-DE" sz="2200" b="1" dirty="0">
                         <a:latin typeface="Calibri" panose="020F0502020204030204" pitchFamily="34" charset="0"/>
                         <a:cs typeface="Calibri" panose="020F0502020204030204" pitchFamily="34" charset="0"/>
                       </a:endParaRPr>
@@ -9915,14 +9054,14 @@
       </p:grpSpPr>
       <p:sp>
         <p:nvSpPr>
-          <p:cNvPr id="94" name="CustomShape 1"/>
+          <p:cNvPr id="98" name="CustomShape 1"/>
           <p:cNvSpPr/>
           <p:nvPr/>
         </p:nvSpPr>
         <p:spPr>
           <a:xfrm>
-            <a:off x="1097280" y="286560"/>
-            <a:ext cx="10057320" cy="1449720"/>
+            <a:off x="1097280" y="274320"/>
+            <a:ext cx="10057320" cy="750760"/>
           </a:xfrm>
           <a:prstGeom prst="rect">
             <a:avLst/>
@@ -9954,7 +9093,7 @@
               </a:lnSpc>
             </a:pPr>
             <a:r>
-              <a:rPr lang="de-DE" sz="4800" b="0" strike="noStrike" spc="-43">
+              <a:rPr lang="de-DE" sz="4800" b="0" strike="noStrike" spc="-43" dirty="0">
                 <a:solidFill>
                   <a:srgbClr val="404040"/>
                 </a:solidFill>
@@ -9966,311 +9105,9 @@
                 <a:latin typeface="Calibri Light"/>
                 <a:ea typeface="DejaVu Sans"/>
               </a:rPr>
-              <a:t>Idee der Datenbank</a:t>
+              <a:t>ER - Modell</a:t>
             </a:r>
-            <a:endParaRPr lang="de-DE" sz="1800" b="0" strike="noStrike" spc="-1">
-              <a:solidFill>
-                <a:srgbClr val="000000"/>
-              </a:solidFill>
-              <a:uFill>
-                <a:solidFill>
-                  <a:srgbClr val="FFFFFF"/>
-                </a:solidFill>
-              </a:uFill>
-              <a:latin typeface="Arial"/>
-            </a:endParaRPr>
-          </a:p>
-        </p:txBody>
-      </p:sp>
-      <p:sp>
-        <p:nvSpPr>
-          <p:cNvPr id="95" name="CustomShape 2"/>
-          <p:cNvSpPr/>
-          <p:nvPr/>
-        </p:nvSpPr>
-        <p:spPr>
-          <a:xfrm>
-            <a:off x="1097280" y="1845720"/>
-            <a:ext cx="10057320" cy="4022280"/>
-          </a:xfrm>
-          <a:prstGeom prst="rect">
-            <a:avLst/>
-          </a:prstGeom>
-          <a:noFill/>
-          <a:ln>
-            <a:noFill/>
-          </a:ln>
-        </p:spPr>
-        <p:style>
-          <a:lnRef idx="0">
-            <a:scrgbClr r="0" g="0" b="0"/>
-          </a:lnRef>
-          <a:fillRef idx="0">
-            <a:scrgbClr r="0" g="0" b="0"/>
-          </a:fillRef>
-          <a:effectRef idx="0">
-            <a:scrgbClr r="0" g="0" b="0"/>
-          </a:effectRef>
-          <a:fontRef idx="minor"/>
-        </p:style>
-        <p:txBody>
-          <a:bodyPr lIns="0" tIns="45000" rIns="0" bIns="45000"/>
-          <a:lstStyle/>
-          <a:p>
-            <a:pPr marL="91440" indent="-90360">
-              <a:lnSpc>
-                <a:spcPct val="100000"/>
-              </a:lnSpc>
-              <a:buClr>
-                <a:srgbClr val="E48312"/>
-              </a:buClr>
-              <a:buFont typeface="Wingdings" charset="2"/>
-              <a:buChar char=""/>
-            </a:pPr>
-            <a:r>
-              <a:rPr lang="de-DE" sz="2200" b="0" strike="noStrike" spc="-1" dirty="0">
-                <a:solidFill>
-                  <a:srgbClr val="404040"/>
-                </a:solidFill>
-                <a:uFill>
-                  <a:solidFill>
-                    <a:srgbClr val="FFFFFF"/>
-                  </a:solidFill>
-                </a:uFill>
-                <a:latin typeface="Calibri"/>
-                <a:ea typeface="DejaVu Sans"/>
-              </a:rPr>
-              <a:t> Leistungsumfang</a:t>
-            </a:r>
-            <a:endParaRPr lang="de-DE" sz="2200" b="0" strike="noStrike" spc="-1" dirty="0">
-              <a:solidFill>
-                <a:srgbClr val="000000"/>
-              </a:solidFill>
-              <a:uFill>
-                <a:solidFill>
-                  <a:srgbClr val="FFFFFF"/>
-                </a:solidFill>
-              </a:uFill>
-              <a:latin typeface="Arial"/>
-            </a:endParaRPr>
-          </a:p>
-          <a:p>
-            <a:pPr marL="91440" indent="-90360">
-              <a:lnSpc>
-                <a:spcPct val="100000"/>
-              </a:lnSpc>
-              <a:buClr>
-                <a:srgbClr val="E48312"/>
-              </a:buClr>
-              <a:buFont typeface="Wingdings" charset="2"/>
-              <a:buChar char=""/>
-            </a:pPr>
-            <a:r>
-              <a:rPr lang="de-DE" sz="2200" b="0" strike="noStrike" spc="-1" dirty="0">
-                <a:solidFill>
-                  <a:srgbClr val="404040"/>
-                </a:solidFill>
-                <a:uFill>
-                  <a:solidFill>
-                    <a:srgbClr val="FFFFFF"/>
-                  </a:solidFill>
-                </a:uFill>
-                <a:latin typeface="Calibri"/>
-                <a:ea typeface="DejaVu Sans"/>
-              </a:rPr>
-              <a:t> Vertrag</a:t>
-            </a:r>
-            <a:endParaRPr lang="de-DE" sz="2200" b="0" strike="noStrike" spc="-1" dirty="0">
-              <a:solidFill>
-                <a:srgbClr val="000000"/>
-              </a:solidFill>
-              <a:uFill>
-                <a:solidFill>
-                  <a:srgbClr val="FFFFFF"/>
-                </a:solidFill>
-              </a:uFill>
-              <a:latin typeface="Arial"/>
-            </a:endParaRPr>
-          </a:p>
-          <a:p>
-            <a:pPr marL="91440" indent="-90360">
-              <a:lnSpc>
-                <a:spcPct val="100000"/>
-              </a:lnSpc>
-              <a:buClr>
-                <a:srgbClr val="E48312"/>
-              </a:buClr>
-              <a:buFont typeface="Wingdings" charset="2"/>
-              <a:buChar char=""/>
-            </a:pPr>
-            <a:r>
-              <a:rPr lang="de-DE" sz="2200" b="0" strike="noStrike" spc="-1" dirty="0">
-                <a:solidFill>
-                  <a:srgbClr val="404040"/>
-                </a:solidFill>
-                <a:uFill>
-                  <a:solidFill>
-                    <a:srgbClr val="FFFFFF"/>
-                  </a:solidFill>
-                </a:uFill>
-                <a:latin typeface="Calibri"/>
-                <a:ea typeface="DejaVu Sans"/>
-              </a:rPr>
-              <a:t> Einführung</a:t>
-            </a:r>
-            <a:endParaRPr lang="de-DE" sz="2200" b="0" strike="noStrike" spc="-1" dirty="0">
-              <a:solidFill>
-                <a:srgbClr val="000000"/>
-              </a:solidFill>
-              <a:uFill>
-                <a:solidFill>
-                  <a:srgbClr val="FFFFFF"/>
-                </a:solidFill>
-              </a:uFill>
-              <a:latin typeface="Arial"/>
-            </a:endParaRPr>
-          </a:p>
-          <a:p>
-            <a:pPr marL="91440" indent="-90360">
-              <a:lnSpc>
-                <a:spcPct val="100000"/>
-              </a:lnSpc>
-              <a:buClr>
-                <a:srgbClr val="E48312"/>
-              </a:buClr>
-              <a:buFont typeface="Wingdings" charset="2"/>
-              <a:buChar char=""/>
-            </a:pPr>
-            <a:r>
-              <a:rPr lang="de-DE" sz="2200" b="0" strike="noStrike" spc="-1" dirty="0">
-                <a:solidFill>
-                  <a:srgbClr val="404040"/>
-                </a:solidFill>
-                <a:uFill>
-                  <a:solidFill>
-                    <a:srgbClr val="FFFFFF"/>
-                  </a:solidFill>
-                </a:uFill>
-                <a:latin typeface="Calibri"/>
-                <a:ea typeface="DejaVu Sans"/>
-              </a:rPr>
-              <a:t> Kunde</a:t>
-            </a:r>
-            <a:endParaRPr lang="de-DE" sz="2200" b="0" strike="noStrike" spc="-1" dirty="0">
-              <a:solidFill>
-                <a:srgbClr val="000000"/>
-              </a:solidFill>
-              <a:uFill>
-                <a:solidFill>
-                  <a:srgbClr val="FFFFFF"/>
-                </a:solidFill>
-              </a:uFill>
-              <a:latin typeface="Arial"/>
-            </a:endParaRPr>
-          </a:p>
-          <a:p>
-            <a:pPr marL="91440" indent="-90360">
-              <a:lnSpc>
-                <a:spcPct val="100000"/>
-              </a:lnSpc>
-              <a:buClr>
-                <a:srgbClr val="E48312"/>
-              </a:buClr>
-              <a:buFont typeface="Wingdings" charset="2"/>
-              <a:buChar char=""/>
-            </a:pPr>
-            <a:r>
-              <a:rPr lang="de-DE" sz="2200" b="0" strike="noStrike" spc="-1" dirty="0">
-                <a:solidFill>
-                  <a:srgbClr val="404040"/>
-                </a:solidFill>
-                <a:uFill>
-                  <a:solidFill>
-                    <a:srgbClr val="FFFFFF"/>
-                  </a:solidFill>
-                </a:uFill>
-                <a:latin typeface="Calibri"/>
-                <a:ea typeface="DejaVu Sans"/>
-              </a:rPr>
-              <a:t> Massage</a:t>
-            </a:r>
-            <a:endParaRPr lang="de-DE" sz="2200" b="0" strike="noStrike" spc="-1" dirty="0">
-              <a:solidFill>
-                <a:srgbClr val="000000"/>
-              </a:solidFill>
-              <a:uFill>
-                <a:solidFill>
-                  <a:srgbClr val="FFFFFF"/>
-                </a:solidFill>
-              </a:uFill>
-              <a:latin typeface="Arial"/>
-            </a:endParaRPr>
-          </a:p>
-          <a:p>
-            <a:pPr marL="91440" indent="-90360">
-              <a:lnSpc>
-                <a:spcPct val="100000"/>
-              </a:lnSpc>
-              <a:buClr>
-                <a:srgbClr val="E48312"/>
-              </a:buClr>
-              <a:buFont typeface="Wingdings" charset="2"/>
-              <a:buChar char=""/>
-            </a:pPr>
-            <a:r>
-              <a:rPr lang="de-DE" sz="2200" b="0" strike="noStrike" spc="-1" dirty="0">
-                <a:solidFill>
-                  <a:srgbClr val="404040"/>
-                </a:solidFill>
-                <a:uFill>
-                  <a:solidFill>
-                    <a:srgbClr val="FFFFFF"/>
-                  </a:solidFill>
-                </a:uFill>
-                <a:latin typeface="Calibri"/>
-                <a:ea typeface="DejaVu Sans"/>
-              </a:rPr>
-              <a:t> Geräte</a:t>
-            </a:r>
-            <a:endParaRPr lang="de-DE" sz="2200" b="0" strike="noStrike" spc="-1" dirty="0">
-              <a:solidFill>
-                <a:srgbClr val="000000"/>
-              </a:solidFill>
-              <a:uFill>
-                <a:solidFill>
-                  <a:srgbClr val="FFFFFF"/>
-                </a:solidFill>
-              </a:uFill>
-              <a:latin typeface="Arial"/>
-            </a:endParaRPr>
-          </a:p>
-          <a:p>
-            <a:pPr marL="91440" indent="-90360">
-              <a:lnSpc>
-                <a:spcPct val="100000"/>
-              </a:lnSpc>
-              <a:buClr>
-                <a:srgbClr val="E48312"/>
-              </a:buClr>
-              <a:buFont typeface="Wingdings" charset="2"/>
-              <a:buChar char=""/>
-            </a:pPr>
-            <a:r>
-              <a:rPr lang="de-DE" sz="2200" b="0" strike="noStrike" spc="-1" dirty="0">
-                <a:solidFill>
-                  <a:srgbClr val="404040"/>
-                </a:solidFill>
-                <a:uFill>
-                  <a:solidFill>
-                    <a:srgbClr val="FFFFFF"/>
-                  </a:solidFill>
-                </a:uFill>
-                <a:latin typeface="Calibri"/>
-                <a:ea typeface="DejaVu Sans"/>
-              </a:rPr>
-              <a:t> Mitarbeiter</a:t>
-            </a:r>
-            <a:endParaRPr lang="de-DE" sz="2200" b="0" strike="noStrike" spc="-1" dirty="0">
+            <a:endParaRPr lang="de-DE" sz="1800" b="0" strike="noStrike" spc="-1" dirty="0">
               <a:solidFill>
                 <a:srgbClr val="000000"/>
               </a:solidFill>
@@ -10286,291 +9123,40 @@
       </p:sp>
       <p:pic>
         <p:nvPicPr>
-          <p:cNvPr id="96" name="Grafik 7"/>
-          <p:cNvPicPr/>
+          <p:cNvPr id="3" name="Grafik 2">
+            <a:extLst>
+              <a:ext uri="{FF2B5EF4-FFF2-40B4-BE49-F238E27FC236}">
+                <a16:creationId xmlns:a16="http://schemas.microsoft.com/office/drawing/2014/main" id="{F94E1DFD-251D-48D3-AAE2-398E96E793AC}"/>
+              </a:ext>
+            </a:extLst>
+          </p:cNvPr>
+          <p:cNvPicPr>
+            <a:picLocks noChangeAspect="1"/>
+          </p:cNvPicPr>
           <p:nvPr/>
         </p:nvPicPr>
         <p:blipFill>
-          <a:blip r:embed="rId2"/>
-          <a:stretch/>
+          <a:blip r:embed="rId2">
+            <a:extLst>
+              <a:ext uri="{28A0092B-C50C-407E-A947-70E740481C1C}">
+                <a14:useLocalDpi xmlns:a14="http://schemas.microsoft.com/office/drawing/2010/main" val="0"/>
+              </a:ext>
+            </a:extLst>
+          </a:blip>
+          <a:stretch>
+            <a:fillRect/>
+          </a:stretch>
         </p:blipFill>
         <p:spPr>
           <a:xfrm>
-            <a:off x="8158320" y="3770280"/>
-            <a:ext cx="3134880" cy="2574000"/>
-          </a:xfrm>
-          <a:prstGeom prst="rect">
-            <a:avLst/>
-          </a:prstGeom>
-          <a:ln>
-            <a:noFill/>
-          </a:ln>
+            <a:off x="303075" y="1025080"/>
+            <a:ext cx="11645729" cy="5215021"/>
+          </a:xfrm>
+          <a:prstGeom prst="rect">
+            <a:avLst/>
+          </a:prstGeom>
         </p:spPr>
       </p:pic>
-      <p:sp>
-        <p:nvSpPr>
-          <p:cNvPr id="97" name="CustomShape 3"/>
-          <p:cNvSpPr/>
-          <p:nvPr/>
-        </p:nvSpPr>
-        <p:spPr>
-          <a:xfrm>
-            <a:off x="4897800" y="1954080"/>
-            <a:ext cx="4402440" cy="4022280"/>
-          </a:xfrm>
-          <a:prstGeom prst="rect">
-            <a:avLst/>
-          </a:prstGeom>
-          <a:noFill/>
-          <a:ln>
-            <a:noFill/>
-          </a:ln>
-        </p:spPr>
-        <p:style>
-          <a:lnRef idx="0">
-            <a:scrgbClr r="0" g="0" b="0"/>
-          </a:lnRef>
-          <a:fillRef idx="0">
-            <a:scrgbClr r="0" g="0" b="0"/>
-          </a:fillRef>
-          <a:effectRef idx="0">
-            <a:scrgbClr r="0" g="0" b="0"/>
-          </a:effectRef>
-          <a:fontRef idx="minor"/>
-        </p:style>
-        <p:txBody>
-          <a:bodyPr lIns="0" tIns="45000" rIns="0" bIns="45000"/>
-          <a:lstStyle/>
-          <a:p>
-            <a:pPr marL="91440" indent="-90360">
-              <a:lnSpc>
-                <a:spcPct val="100000"/>
-              </a:lnSpc>
-              <a:buClr>
-                <a:srgbClr val="E48312"/>
-              </a:buClr>
-              <a:buFont typeface="Wingdings" charset="2"/>
-              <a:buChar char=""/>
-            </a:pPr>
-            <a:r>
-              <a:rPr lang="de-DE" sz="2200" b="0" strike="noStrike" spc="-1" dirty="0">
-                <a:solidFill>
-                  <a:srgbClr val="404040"/>
-                </a:solidFill>
-                <a:uFill>
-                  <a:solidFill>
-                    <a:srgbClr val="FFFFFF"/>
-                  </a:solidFill>
-                </a:uFill>
-                <a:latin typeface="Calibri"/>
-                <a:ea typeface="DejaVu Sans"/>
-              </a:rPr>
-              <a:t> weitere Angebote (Reha-Training)</a:t>
-            </a:r>
-            <a:endParaRPr lang="de-DE" sz="2200" b="0" strike="noStrike" spc="-1" dirty="0">
-              <a:solidFill>
-                <a:srgbClr val="000000"/>
-              </a:solidFill>
-              <a:uFill>
-                <a:solidFill>
-                  <a:srgbClr val="FFFFFF"/>
-                </a:solidFill>
-              </a:uFill>
-              <a:latin typeface="Arial"/>
-            </a:endParaRPr>
-          </a:p>
-          <a:p>
-            <a:pPr marL="91440" indent="-90360">
-              <a:lnSpc>
-                <a:spcPct val="100000"/>
-              </a:lnSpc>
-              <a:buClr>
-                <a:srgbClr val="E48312"/>
-              </a:buClr>
-              <a:buFont typeface="Wingdings" charset="2"/>
-              <a:buChar char=""/>
-            </a:pPr>
-            <a:r>
-              <a:rPr lang="de-DE" sz="2200" b="0" strike="noStrike" spc="-1" dirty="0">
-                <a:solidFill>
-                  <a:srgbClr val="404040"/>
-                </a:solidFill>
-                <a:uFill>
-                  <a:solidFill>
-                    <a:srgbClr val="FFFFFF"/>
-                  </a:solidFill>
-                </a:uFill>
-                <a:latin typeface="Calibri"/>
-                <a:ea typeface="DejaVu Sans"/>
-              </a:rPr>
-              <a:t> neue Geräte</a:t>
-            </a:r>
-            <a:endParaRPr lang="de-DE" sz="2200" b="0" strike="noStrike" spc="-1" dirty="0">
-              <a:solidFill>
-                <a:srgbClr val="000000"/>
-              </a:solidFill>
-              <a:uFill>
-                <a:solidFill>
-                  <a:srgbClr val="FFFFFF"/>
-                </a:solidFill>
-              </a:uFill>
-              <a:latin typeface="Arial"/>
-            </a:endParaRPr>
-          </a:p>
-          <a:p>
-            <a:pPr marL="91440" indent="-90360">
-              <a:lnSpc>
-                <a:spcPct val="100000"/>
-              </a:lnSpc>
-              <a:buClr>
-                <a:srgbClr val="E48312"/>
-              </a:buClr>
-              <a:buFont typeface="Wingdings" charset="2"/>
-              <a:buChar char=""/>
-            </a:pPr>
-            <a:r>
-              <a:rPr lang="de-DE" sz="2200" b="0" strike="noStrike" spc="-1" dirty="0">
-                <a:solidFill>
-                  <a:srgbClr val="404040"/>
-                </a:solidFill>
-                <a:uFill>
-                  <a:solidFill>
-                    <a:srgbClr val="FFFFFF"/>
-                  </a:solidFill>
-                </a:uFill>
-                <a:latin typeface="Calibri"/>
-                <a:ea typeface="DejaVu Sans"/>
-              </a:rPr>
-              <a:t> neue Sportkurse</a:t>
-            </a:r>
-            <a:endParaRPr lang="de-DE" sz="2200" b="0" strike="noStrike" spc="-1" dirty="0">
-              <a:solidFill>
-                <a:srgbClr val="000000"/>
-              </a:solidFill>
-              <a:uFill>
-                <a:solidFill>
-                  <a:srgbClr val="FFFFFF"/>
-                </a:solidFill>
-              </a:uFill>
-              <a:latin typeface="Arial"/>
-            </a:endParaRPr>
-          </a:p>
-          <a:p>
-            <a:pPr marL="91440" indent="-90360">
-              <a:lnSpc>
-                <a:spcPct val="100000"/>
-              </a:lnSpc>
-              <a:buClr>
-                <a:srgbClr val="E48312"/>
-              </a:buClr>
-              <a:buFont typeface="Arial"/>
-              <a:buChar char="•"/>
-            </a:pPr>
-            <a:r>
-              <a:rPr lang="de-DE" sz="2200" b="0" strike="noStrike" spc="-1" dirty="0">
-                <a:solidFill>
-                  <a:srgbClr val="404040"/>
-                </a:solidFill>
-                <a:uFill>
-                  <a:solidFill>
-                    <a:srgbClr val="FFFFFF"/>
-                  </a:solidFill>
-                </a:uFill>
-                <a:latin typeface="Calibri"/>
-                <a:ea typeface="DejaVu Sans"/>
-              </a:rPr>
-              <a:t>   Expansion ( z.B. Kette)</a:t>
-            </a:r>
-            <a:endParaRPr lang="de-DE" sz="2200" b="0" strike="noStrike" spc="-1" dirty="0">
-              <a:solidFill>
-                <a:srgbClr val="000000"/>
-              </a:solidFill>
-              <a:uFill>
-                <a:solidFill>
-                  <a:srgbClr val="FFFFFF"/>
-                </a:solidFill>
-              </a:uFill>
-              <a:latin typeface="Arial"/>
-            </a:endParaRPr>
-          </a:p>
-          <a:p>
-            <a:pPr marL="91440" indent="-90360">
-              <a:lnSpc>
-                <a:spcPct val="100000"/>
-              </a:lnSpc>
-              <a:buClr>
-                <a:srgbClr val="E48312"/>
-              </a:buClr>
-              <a:buFont typeface="Wingdings" charset="2"/>
-              <a:buChar char=""/>
-            </a:pPr>
-            <a:r>
-              <a:rPr lang="de-DE" sz="2200" b="0" strike="noStrike" spc="-1" dirty="0">
-                <a:solidFill>
-                  <a:srgbClr val="404040"/>
-                </a:solidFill>
-                <a:uFill>
-                  <a:solidFill>
-                    <a:srgbClr val="FFFFFF"/>
-                  </a:solidFill>
-                </a:uFill>
-                <a:latin typeface="Calibri"/>
-                <a:ea typeface="DejaVu Sans"/>
-              </a:rPr>
-              <a:t> neue Aktionen</a:t>
-            </a:r>
-            <a:endParaRPr lang="de-DE" sz="2200" b="0" strike="noStrike" spc="-1" dirty="0">
-              <a:solidFill>
-                <a:srgbClr val="000000"/>
-              </a:solidFill>
-              <a:uFill>
-                <a:solidFill>
-                  <a:srgbClr val="FFFFFF"/>
-                </a:solidFill>
-              </a:uFill>
-              <a:latin typeface="Arial"/>
-            </a:endParaRPr>
-          </a:p>
-          <a:p>
-            <a:pPr marL="91440" indent="-90360">
-              <a:lnSpc>
-                <a:spcPct val="100000"/>
-              </a:lnSpc>
-              <a:buClr>
-                <a:srgbClr val="E48312"/>
-              </a:buClr>
-              <a:buFont typeface="Wingdings" charset="2"/>
-              <a:buChar char=""/>
-            </a:pPr>
-            <a:r>
-              <a:rPr lang="de-DE" sz="2200" b="0" strike="noStrike" spc="-1" dirty="0">
-                <a:solidFill>
-                  <a:srgbClr val="404040"/>
-                </a:solidFill>
-                <a:uFill>
-                  <a:solidFill>
-                    <a:srgbClr val="FFFFFF"/>
-                  </a:solidFill>
-                </a:uFill>
-                <a:latin typeface="Calibri"/>
-                <a:ea typeface="DejaVu Sans"/>
-              </a:rPr>
-              <a:t> Getränkeangebot</a:t>
-            </a:r>
-            <a:endParaRPr lang="de-DE" sz="2200" b="0" strike="noStrike" spc="-1" dirty="0">
-              <a:solidFill>
-                <a:srgbClr val="000000"/>
-              </a:solidFill>
-              <a:uFill>
-                <a:solidFill>
-                  <a:srgbClr val="FFFFFF"/>
-                </a:solidFill>
-              </a:uFill>
-              <a:latin typeface="Arial"/>
-            </a:endParaRPr>
-          </a:p>
-        </p:txBody>
-      </p:sp>
     </p:spTree>
   </p:cSld>
   <p:clrMapOvr>
@@ -10623,248 +9209,52 @@
           <a:chExt cx="0" cy="0"/>
         </a:xfrm>
       </p:grpSpPr>
-      <p:sp>
-        <p:nvSpPr>
-          <p:cNvPr id="98" name="CustomShape 1"/>
-          <p:cNvSpPr/>
-          <p:nvPr/>
-        </p:nvSpPr>
-        <p:spPr>
-          <a:xfrm>
-            <a:off x="1097280" y="286560"/>
-            <a:ext cx="10057320" cy="1449720"/>
-          </a:xfrm>
-          <a:prstGeom prst="rect">
-            <a:avLst/>
-          </a:prstGeom>
-          <a:noFill/>
-          <a:ln>
-            <a:noFill/>
-          </a:ln>
-        </p:spPr>
-        <p:style>
-          <a:lnRef idx="0">
-            <a:scrgbClr r="0" g="0" b="0"/>
-          </a:lnRef>
-          <a:fillRef idx="0">
-            <a:scrgbClr r="0" g="0" b="0"/>
-          </a:fillRef>
-          <a:effectRef idx="0">
-            <a:scrgbClr r="0" g="0" b="0"/>
-          </a:effectRef>
-          <a:fontRef idx="minor"/>
-        </p:style>
-        <p:txBody>
-          <a:bodyPr lIns="90000" tIns="45000" rIns="90000" bIns="45000" anchor="b"/>
-          <a:lstStyle/>
-          <a:p>
-            <a:pPr>
-              <a:lnSpc>
-                <a:spcPct val="100000"/>
-              </a:lnSpc>
-            </a:pPr>
-            <a:r>
-              <a:rPr lang="de-DE" sz="4800" b="0" strike="noStrike" spc="-43">
-                <a:solidFill>
-                  <a:srgbClr val="404040"/>
-                </a:solidFill>
-                <a:uFill>
-                  <a:solidFill>
-                    <a:srgbClr val="FFFFFF"/>
-                  </a:solidFill>
-                </a:uFill>
-                <a:latin typeface="Calibri Light"/>
-                <a:ea typeface="DejaVu Sans"/>
-              </a:rPr>
-              <a:t>ER - Modell</a:t>
-            </a:r>
-            <a:endParaRPr lang="de-DE" sz="1800" b="0" strike="noStrike" spc="-1">
-              <a:solidFill>
-                <a:srgbClr val="000000"/>
-              </a:solidFill>
-              <a:uFill>
-                <a:solidFill>
-                  <a:srgbClr val="FFFFFF"/>
-                </a:solidFill>
-              </a:uFill>
-              <a:latin typeface="Arial"/>
-            </a:endParaRPr>
-          </a:p>
-        </p:txBody>
-      </p:sp>
       <p:pic>
         <p:nvPicPr>
-          <p:cNvPr id="99" name="Inhaltsplatzhalter 6"/>
-          <p:cNvPicPr/>
+          <p:cNvPr id="3" name="Grafik 2" descr="Ein Bild, das Screenshot enthält.&#10;&#10;Mit sehr hoher Zuverlässigkeit generierte Beschreibung">
+            <a:extLst>
+              <a:ext uri="{FF2B5EF4-FFF2-40B4-BE49-F238E27FC236}">
+                <a16:creationId xmlns:a16="http://schemas.microsoft.com/office/drawing/2014/main" id="{6FCD0EAA-3110-47D7-96BC-23D429E1BAC6}"/>
+              </a:ext>
+            </a:extLst>
+          </p:cNvPr>
+          <p:cNvPicPr>
+            <a:picLocks noChangeAspect="1"/>
+          </p:cNvPicPr>
           <p:nvPr/>
         </p:nvPicPr>
         <p:blipFill>
-          <a:blip r:embed="rId2"/>
-          <a:srcRect t="1927" b="2008"/>
-          <a:stretch/>
+          <a:blip r:embed="rId2">
+            <a:extLst>
+              <a:ext uri="{28A0092B-C50C-407E-A947-70E740481C1C}">
+                <a14:useLocalDpi xmlns:a14="http://schemas.microsoft.com/office/drawing/2010/main" val="0"/>
+              </a:ext>
+            </a:extLst>
+          </a:blip>
+          <a:stretch>
+            <a:fillRect/>
+          </a:stretch>
         </p:blipFill>
         <p:spPr>
           <a:xfrm>
-            <a:off x="393120" y="1802880"/>
-            <a:ext cx="11404440" cy="4484520"/>
-          </a:xfrm>
-          <a:prstGeom prst="rect">
-            <a:avLst/>
-          </a:prstGeom>
-          <a:ln>
-            <a:noFill/>
-          </a:ln>
+            <a:off x="244211" y="1229360"/>
+            <a:ext cx="11703578" cy="4179849"/>
+          </a:xfrm>
+          <a:prstGeom prst="rect">
+            <a:avLst/>
+          </a:prstGeom>
         </p:spPr>
       </p:pic>
-      <p:sp>
-        <p:nvSpPr>
-          <p:cNvPr id="100" name="CustomShape 2"/>
-          <p:cNvSpPr/>
-          <p:nvPr/>
-        </p:nvSpPr>
-        <p:spPr>
-          <a:xfrm>
-            <a:off x="9086760" y="3407400"/>
-            <a:ext cx="727560" cy="713160"/>
-          </a:xfrm>
-          <a:custGeom>
-            <a:avLst/>
-            <a:gdLst/>
-            <a:ahLst/>
-            <a:cxnLst/>
-            <a:rect l="l" t="t" r="r" b="b"/>
-            <a:pathLst>
-              <a:path w="728674" h="714375">
-                <a:moveTo>
-                  <a:pt x="0" y="0"/>
-                </a:moveTo>
-                <a:cubicBezTo>
-                  <a:pt x="363141" y="119062"/>
-                  <a:pt x="726282" y="238125"/>
-                  <a:pt x="728663" y="357187"/>
-                </a:cubicBezTo>
-                <a:cubicBezTo>
-                  <a:pt x="731044" y="476249"/>
-                  <a:pt x="372666" y="595312"/>
-                  <a:pt x="14288" y="714375"/>
-                </a:cubicBezTo>
-              </a:path>
-            </a:pathLst>
-          </a:custGeom>
-          <a:noFill/>
-          <a:ln w="12600">
-            <a:solidFill>
-              <a:srgbClr val="000000"/>
-            </a:solidFill>
-            <a:round/>
-          </a:ln>
-        </p:spPr>
-        <p:style>
-          <a:lnRef idx="0">
-            <a:scrgbClr r="0" g="0" b="0"/>
-          </a:lnRef>
-          <a:fillRef idx="0">
-            <a:scrgbClr r="0" g="0" b="0"/>
-          </a:fillRef>
-          <a:effectRef idx="0">
-            <a:scrgbClr r="0" g="0" b="0"/>
-          </a:effectRef>
-          <a:fontRef idx="minor"/>
-        </p:style>
-      </p:sp>
-      <p:sp>
-        <p:nvSpPr>
-          <p:cNvPr id="101" name="CustomShape 3"/>
-          <p:cNvSpPr/>
-          <p:nvPr/>
-        </p:nvSpPr>
-        <p:spPr>
-          <a:xfrm>
-            <a:off x="3964680" y="3250440"/>
-            <a:ext cx="1413360" cy="1013400"/>
-          </a:xfrm>
-          <a:custGeom>
-            <a:avLst/>
-            <a:gdLst/>
-            <a:ahLst/>
-            <a:cxnLst/>
-            <a:rect l="l" t="t" r="r" b="b"/>
-            <a:pathLst>
-              <a:path w="1563912" h="1014413">
-                <a:moveTo>
-                  <a:pt x="1549624" y="0"/>
-                </a:moveTo>
-                <a:cubicBezTo>
-                  <a:pt x="1022772" y="41077"/>
-                  <a:pt x="495921" y="82154"/>
-                  <a:pt x="256606" y="192882"/>
-                </a:cubicBezTo>
-                <a:cubicBezTo>
-                  <a:pt x="17291" y="303610"/>
-                  <a:pt x="-104153" y="527447"/>
-                  <a:pt x="113731" y="664369"/>
-                </a:cubicBezTo>
-                <a:cubicBezTo>
-                  <a:pt x="331615" y="801291"/>
-                  <a:pt x="947763" y="907852"/>
-                  <a:pt x="1563912" y="1014413"/>
-                </a:cubicBezTo>
-              </a:path>
-            </a:pathLst>
-          </a:custGeom>
-          <a:noFill/>
-          <a:ln w="12600">
-            <a:solidFill>
-              <a:srgbClr val="000000"/>
-            </a:solidFill>
-            <a:round/>
-          </a:ln>
-        </p:spPr>
-        <p:style>
-          <a:lnRef idx="0">
-            <a:scrgbClr r="0" g="0" b="0"/>
-          </a:lnRef>
-          <a:fillRef idx="0">
-            <a:scrgbClr r="0" g="0" b="0"/>
-          </a:fillRef>
-          <a:effectRef idx="0">
-            <a:scrgbClr r="0" g="0" b="0"/>
-          </a:effectRef>
-          <a:fontRef idx="minor"/>
-        </p:style>
-      </p:sp>
     </p:spTree>
+    <p:extLst>
+      <p:ext uri="{BB962C8B-B14F-4D97-AF65-F5344CB8AC3E}">
+        <p14:creationId xmlns:p14="http://schemas.microsoft.com/office/powerpoint/2010/main" val="4076213879"/>
+      </p:ext>
+    </p:extLst>
   </p:cSld>
   <p:clrMapOvr>
     <a:masterClrMapping/>
   </p:clrMapOvr>
-  <p:timing>
-    <p:tnLst>
-      <p:par>
-        <p:cTn id="1" dur="indefinite" restart="never" nodeType="tmRoot">
-          <p:childTnLst>
-            <p:seq>
-              <p:cTn id="2" nodeType="mainSeq"/>
-              <p:prevCondLst>
-                <p:cond evt="onPrev" delay="0">
-                  <p:tgtEl>
-                    <p:sldTgt/>
-                  </p:tgtEl>
-                </p:cond>
-              </p:prevCondLst>
-              <p:nextCondLst>
-                <p:cond evt="onNext" delay="0">
-                  <p:tgtEl>
-                    <p:sldTgt/>
-                  </p:tgtEl>
-                </p:cond>
-              </p:nextCondLst>
-            </p:seq>
-          </p:childTnLst>
-        </p:cTn>
-      </p:par>
-    </p:tnLst>
-  </p:timing>
 </p:sld>
 </file>
 
@@ -10885,168 +9275,52 @@
           <a:chExt cx="0" cy="0"/>
         </a:xfrm>
       </p:grpSpPr>
-      <p:sp>
-        <p:nvSpPr>
-          <p:cNvPr id="102" name="CustomShape 1"/>
-          <p:cNvSpPr/>
-          <p:nvPr/>
-        </p:nvSpPr>
-        <p:spPr>
-          <a:xfrm>
-            <a:off x="1097280" y="286560"/>
-            <a:ext cx="10057320" cy="1449720"/>
-          </a:xfrm>
-          <a:prstGeom prst="rect">
-            <a:avLst/>
-          </a:prstGeom>
-          <a:noFill/>
-          <a:ln>
-            <a:noFill/>
-          </a:ln>
-        </p:spPr>
-        <p:style>
-          <a:lnRef idx="0">
-            <a:scrgbClr r="0" g="0" b="0"/>
-          </a:lnRef>
-          <a:fillRef idx="0">
-            <a:scrgbClr r="0" g="0" b="0"/>
-          </a:fillRef>
-          <a:effectRef idx="0">
-            <a:scrgbClr r="0" g="0" b="0"/>
-          </a:effectRef>
-          <a:fontRef idx="minor"/>
-        </p:style>
-        <p:txBody>
-          <a:bodyPr lIns="90000" tIns="45000" rIns="90000" bIns="45000" anchor="b"/>
-          <a:lstStyle/>
-          <a:p>
-            <a:pPr>
-              <a:lnSpc>
-                <a:spcPct val="100000"/>
-              </a:lnSpc>
-            </a:pPr>
-            <a:r>
-              <a:rPr lang="de-DE" sz="4800" b="0" strike="noStrike" spc="-43">
-                <a:solidFill>
-                  <a:srgbClr val="404040"/>
-                </a:solidFill>
-                <a:uFill>
-                  <a:solidFill>
-                    <a:srgbClr val="FFFFFF"/>
-                  </a:solidFill>
-                </a:uFill>
-                <a:latin typeface="Calibri Light"/>
-                <a:ea typeface="DejaVu Sans"/>
-              </a:rPr>
-              <a:t>Vertrag</a:t>
-            </a:r>
-            <a:endParaRPr lang="de-DE" sz="1800" b="0" strike="noStrike" spc="-1">
-              <a:solidFill>
-                <a:srgbClr val="000000"/>
-              </a:solidFill>
-              <a:uFill>
-                <a:solidFill>
-                  <a:srgbClr val="FFFFFF"/>
-                </a:solidFill>
-              </a:uFill>
-              <a:latin typeface="Arial"/>
-            </a:endParaRPr>
-          </a:p>
-        </p:txBody>
-      </p:sp>
       <p:pic>
         <p:nvPicPr>
-          <p:cNvPr id="103" name="Inhaltsplatzhalter 6"/>
-          <p:cNvPicPr/>
+          <p:cNvPr id="5" name="Grafik 4">
+            <a:extLst>
+              <a:ext uri="{FF2B5EF4-FFF2-40B4-BE49-F238E27FC236}">
+                <a16:creationId xmlns:a16="http://schemas.microsoft.com/office/drawing/2014/main" id="{05FA98B5-2D82-407B-B805-E87A16C34970}"/>
+              </a:ext>
+            </a:extLst>
+          </p:cNvPr>
+          <p:cNvPicPr>
+            <a:picLocks noChangeAspect="1"/>
+          </p:cNvPicPr>
           <p:nvPr/>
         </p:nvPicPr>
         <p:blipFill>
-          <a:blip r:embed="rId2"/>
-          <a:stretch/>
+          <a:blip r:embed="rId2">
+            <a:extLst>
+              <a:ext uri="{28A0092B-C50C-407E-A947-70E740481C1C}">
+                <a14:useLocalDpi xmlns:a14="http://schemas.microsoft.com/office/drawing/2010/main" val="0"/>
+              </a:ext>
+            </a:extLst>
+          </a:blip>
+          <a:stretch>
+            <a:fillRect/>
+          </a:stretch>
         </p:blipFill>
         <p:spPr>
           <a:xfrm>
-            <a:off x="1097280" y="1836720"/>
-            <a:ext cx="10256040" cy="4509720"/>
-          </a:xfrm>
-          <a:prstGeom prst="rect">
-            <a:avLst/>
-          </a:prstGeom>
-          <a:ln>
-            <a:noFill/>
-          </a:ln>
+            <a:off x="876863" y="640080"/>
+            <a:ext cx="10437674" cy="5366077"/>
+          </a:xfrm>
+          <a:prstGeom prst="rect">
+            <a:avLst/>
+          </a:prstGeom>
         </p:spPr>
       </p:pic>
-      <p:sp>
-        <p:nvSpPr>
-          <p:cNvPr id="104" name="CustomShape 2"/>
-          <p:cNvSpPr/>
-          <p:nvPr/>
-        </p:nvSpPr>
-        <p:spPr>
-          <a:xfrm rot="10800000">
-            <a:off x="19222920" y="7966440"/>
-            <a:ext cx="5306760" cy="1549080"/>
-          </a:xfrm>
-          <a:prstGeom prst="arc">
-            <a:avLst>
-              <a:gd name="adj1" fmla="val 16200000"/>
-              <a:gd name="adj2" fmla="val 5592732"/>
-            </a:avLst>
-          </a:prstGeom>
-          <a:noFill/>
-          <a:ln w="12600">
-            <a:solidFill>
-              <a:srgbClr val="000000"/>
-            </a:solidFill>
-            <a:round/>
-          </a:ln>
-        </p:spPr>
-        <p:style>
-          <a:lnRef idx="0">
-            <a:scrgbClr r="0" g="0" b="0"/>
-          </a:lnRef>
-          <a:fillRef idx="0">
-            <a:scrgbClr r="0" g="0" b="0"/>
-          </a:fillRef>
-          <a:effectRef idx="0">
-            <a:scrgbClr r="0" g="0" b="0"/>
-          </a:effectRef>
-          <a:fontRef idx="minor"/>
-        </p:style>
-      </p:sp>
     </p:spTree>
+    <p:extLst>
+      <p:ext uri="{BB962C8B-B14F-4D97-AF65-F5344CB8AC3E}">
+        <p14:creationId xmlns:p14="http://schemas.microsoft.com/office/powerpoint/2010/main" val="312653337"/>
+      </p:ext>
+    </p:extLst>
   </p:cSld>
   <p:clrMapOvr>
     <a:masterClrMapping/>
   </p:clrMapOvr>
-  <p:timing>
-    <p:tnLst>
-      <p:par>
-        <p:cTn id="1" dur="indefinite" restart="never" nodeType="tmRoot">
-          <p:childTnLst>
-            <p:seq>
-              <p:cTn id="2" nodeType="mainSeq"/>
-              <p:prevCondLst>
-                <p:cond evt="onPrev" delay="0">
-                  <p:tgtEl>
-                    <p:sldTgt/>
-                  </p:tgtEl>
-                </p:cond>
-              </p:prevCondLst>
-              <p:nextCondLst>
-                <p:cond evt="onNext" delay="0">
-                  <p:tgtEl>
-                    <p:sldTgt/>
-                  </p:tgtEl>
-                </p:cond>
-              </p:nextCondLst>
-            </p:seq>
-          </p:childTnLst>
-        </p:cTn>
-      </p:par>
-    </p:tnLst>
-  </p:timing>
 </p:sld>
 </file>
 
@@ -11067,192 +9341,52 @@
           <a:chExt cx="0" cy="0"/>
         </a:xfrm>
       </p:grpSpPr>
-      <p:sp>
-        <p:nvSpPr>
-          <p:cNvPr id="105" name="CustomShape 1"/>
-          <p:cNvSpPr/>
-          <p:nvPr/>
-        </p:nvSpPr>
-        <p:spPr>
-          <a:xfrm>
-            <a:off x="1097280" y="286560"/>
-            <a:ext cx="10057320" cy="1449720"/>
-          </a:xfrm>
-          <a:prstGeom prst="rect">
-            <a:avLst/>
-          </a:prstGeom>
-          <a:noFill/>
-          <a:ln>
-            <a:noFill/>
-          </a:ln>
-        </p:spPr>
-        <p:style>
-          <a:lnRef idx="0">
-            <a:scrgbClr r="0" g="0" b="0"/>
-          </a:lnRef>
-          <a:fillRef idx="0">
-            <a:scrgbClr r="0" g="0" b="0"/>
-          </a:fillRef>
-          <a:effectRef idx="0">
-            <a:scrgbClr r="0" g="0" b="0"/>
-          </a:effectRef>
-          <a:fontRef idx="minor"/>
-        </p:style>
-        <p:txBody>
-          <a:bodyPr lIns="90000" tIns="45000" rIns="90000" bIns="45000" anchor="b"/>
-          <a:lstStyle/>
-          <a:p>
-            <a:pPr>
-              <a:lnSpc>
-                <a:spcPct val="100000"/>
-              </a:lnSpc>
-            </a:pPr>
-            <a:r>
-              <a:rPr lang="de-DE" sz="4800" b="0" strike="noStrike" spc="-43" dirty="0">
-                <a:solidFill>
-                  <a:srgbClr val="404040"/>
-                </a:solidFill>
-                <a:uFill>
-                  <a:solidFill>
-                    <a:srgbClr val="FFFFFF"/>
-                  </a:solidFill>
-                </a:uFill>
-                <a:latin typeface="Calibri Light"/>
-                <a:ea typeface="DejaVu Sans"/>
-              </a:rPr>
-              <a:t>Zusatzleistung</a:t>
-            </a:r>
-            <a:endParaRPr lang="de-DE" sz="1800" b="0" strike="noStrike" spc="-1" dirty="0">
-              <a:solidFill>
-                <a:srgbClr val="000000"/>
-              </a:solidFill>
-              <a:uFill>
-                <a:solidFill>
-                  <a:srgbClr val="FFFFFF"/>
-                </a:solidFill>
-              </a:uFill>
-              <a:latin typeface="Arial"/>
-            </a:endParaRPr>
-          </a:p>
-        </p:txBody>
-      </p:sp>
       <p:pic>
         <p:nvPicPr>
-          <p:cNvPr id="106" name="Inhaltsplatzhalter 5"/>
-          <p:cNvPicPr/>
+          <p:cNvPr id="5" name="Grafik 4" descr="Ein Bild, das Himmel enthält.&#10;&#10;Mit sehr hoher Zuverlässigkeit generierte Beschreibung">
+            <a:extLst>
+              <a:ext uri="{FF2B5EF4-FFF2-40B4-BE49-F238E27FC236}">
+                <a16:creationId xmlns:a16="http://schemas.microsoft.com/office/drawing/2014/main" id="{EC6D493B-2CCD-4BB7-B1BF-F6EEFD43E8A5}"/>
+              </a:ext>
+            </a:extLst>
+          </p:cNvPr>
+          <p:cNvPicPr>
+            <a:picLocks noChangeAspect="1"/>
+          </p:cNvPicPr>
           <p:nvPr/>
         </p:nvPicPr>
         <p:blipFill>
-          <a:blip r:embed="rId2"/>
-          <a:srcRect l="6628" t="11996" r="9267" b="-257"/>
-          <a:stretch/>
+          <a:blip r:embed="rId2">
+            <a:extLst>
+              <a:ext uri="{28A0092B-C50C-407E-A947-70E740481C1C}">
+                <a14:useLocalDpi xmlns:a14="http://schemas.microsoft.com/office/drawing/2010/main" val="0"/>
+              </a:ext>
+            </a:extLst>
+          </a:blip>
+          <a:stretch>
+            <a:fillRect/>
+          </a:stretch>
         </p:blipFill>
         <p:spPr>
           <a:xfrm>
-            <a:off x="1593000" y="1792800"/>
-            <a:ext cx="7335720" cy="4545360"/>
-          </a:xfrm>
-          <a:prstGeom prst="rect">
-            <a:avLst/>
-          </a:prstGeom>
-          <a:ln>
-            <a:noFill/>
-          </a:ln>
+            <a:off x="316025" y="656117"/>
+            <a:ext cx="11559350" cy="5200196"/>
+          </a:xfrm>
+          <a:prstGeom prst="rect">
+            <a:avLst/>
+          </a:prstGeom>
         </p:spPr>
       </p:pic>
-      <p:sp>
-        <p:nvSpPr>
-          <p:cNvPr id="107" name="CustomShape 2"/>
-          <p:cNvSpPr/>
-          <p:nvPr/>
-        </p:nvSpPr>
-        <p:spPr>
-          <a:xfrm>
-            <a:off x="5915160" y="2670120"/>
-            <a:ext cx="947160" cy="1236240"/>
-          </a:xfrm>
-          <a:custGeom>
-            <a:avLst/>
-            <a:gdLst/>
-            <a:ahLst/>
-            <a:cxnLst/>
-            <a:rect l="l" t="t" r="r" b="b"/>
-            <a:pathLst>
-              <a:path w="948277" h="1237423">
-                <a:moveTo>
-                  <a:pt x="0" y="1555"/>
-                </a:moveTo>
-                <a:cubicBezTo>
-                  <a:pt x="323254" y="-3208"/>
-                  <a:pt x="646509" y="-7970"/>
-                  <a:pt x="792956" y="165861"/>
-                </a:cubicBezTo>
-                <a:cubicBezTo>
-                  <a:pt x="939403" y="339692"/>
-                  <a:pt x="1010840" y="865948"/>
-                  <a:pt x="878681" y="1044542"/>
-                </a:cubicBezTo>
-                <a:cubicBezTo>
-                  <a:pt x="746522" y="1223136"/>
-                  <a:pt x="167878" y="1195751"/>
-                  <a:pt x="0" y="1237423"/>
-                </a:cubicBezTo>
-              </a:path>
-            </a:pathLst>
-          </a:custGeom>
-          <a:noFill/>
-          <a:ln w="12600">
-            <a:solidFill>
-              <a:srgbClr val="000000"/>
-            </a:solidFill>
-            <a:round/>
-          </a:ln>
-        </p:spPr>
-        <p:style>
-          <a:lnRef idx="0">
-            <a:scrgbClr r="0" g="0" b="0"/>
-          </a:lnRef>
-          <a:fillRef idx="0">
-            <a:scrgbClr r="0" g="0" b="0"/>
-          </a:fillRef>
-          <a:effectRef idx="0">
-            <a:scrgbClr r="0" g="0" b="0"/>
-          </a:effectRef>
-          <a:fontRef idx="minor"/>
-        </p:style>
-      </p:sp>
     </p:spTree>
+    <p:extLst>
+      <p:ext uri="{BB962C8B-B14F-4D97-AF65-F5344CB8AC3E}">
+        <p14:creationId xmlns:p14="http://schemas.microsoft.com/office/powerpoint/2010/main" val="2373028691"/>
+      </p:ext>
+    </p:extLst>
   </p:cSld>
   <p:clrMapOvr>
     <a:masterClrMapping/>
   </p:clrMapOvr>
-  <p:timing>
-    <p:tnLst>
-      <p:par>
-        <p:cTn id="1" dur="indefinite" restart="never" nodeType="tmRoot">
-          <p:childTnLst>
-            <p:seq>
-              <p:cTn id="2" nodeType="mainSeq"/>
-              <p:prevCondLst>
-                <p:cond evt="onPrev" delay="0">
-                  <p:tgtEl>
-                    <p:sldTgt/>
-                  </p:tgtEl>
-                </p:cond>
-              </p:prevCondLst>
-              <p:nextCondLst>
-                <p:cond evt="onNext" delay="0">
-                  <p:tgtEl>
-                    <p:sldTgt/>
-                  </p:tgtEl>
-                </p:cond>
-              </p:nextCondLst>
-            </p:seq>
-          </p:childTnLst>
-        </p:cTn>
-      </p:par>
-    </p:tnLst>
-  </p:timing>
 </p:sld>
 </file>
 
@@ -11275,129 +9409,104 @@
       </p:grpSpPr>
       <p:sp>
         <p:nvSpPr>
-          <p:cNvPr id="108" name="CustomShape 1"/>
+          <p:cNvPr id="6" name="Rechteck 5">
+            <a:extLst>
+              <a:ext uri="{FF2B5EF4-FFF2-40B4-BE49-F238E27FC236}">
+                <a16:creationId xmlns:a16="http://schemas.microsoft.com/office/drawing/2014/main" id="{F95268CD-CFD7-4100-8872-B467B30F3A3B}"/>
+              </a:ext>
+            </a:extLst>
+          </p:cNvPr>
           <p:cNvSpPr/>
           <p:nvPr/>
         </p:nvSpPr>
         <p:spPr>
           <a:xfrm>
-            <a:off x="1097280" y="286560"/>
-            <a:ext cx="10057320" cy="1449720"/>
-          </a:xfrm>
-          <a:prstGeom prst="rect">
-            <a:avLst/>
-          </a:prstGeom>
-          <a:noFill/>
+            <a:off x="264160" y="172720"/>
+            <a:ext cx="11714480" cy="6004560"/>
+          </a:xfrm>
+          <a:prstGeom prst="rect">
+            <a:avLst/>
+          </a:prstGeom>
+          <a:solidFill>
+            <a:schemeClr val="bg1"/>
+          </a:solidFill>
           <a:ln>
-            <a:noFill/>
+            <a:solidFill>
+              <a:schemeClr val="bg1"/>
+            </a:solidFill>
           </a:ln>
         </p:spPr>
         <p:style>
-          <a:lnRef idx="0">
-            <a:scrgbClr r="0" g="0" b="0"/>
+          <a:lnRef idx="2">
+            <a:schemeClr val="accent1">
+              <a:shade val="50000"/>
+            </a:schemeClr>
           </a:lnRef>
-          <a:fillRef idx="0">
-            <a:scrgbClr r="0" g="0" b="0"/>
+          <a:fillRef idx="1">
+            <a:schemeClr val="accent1"/>
           </a:fillRef>
           <a:effectRef idx="0">
-            <a:scrgbClr r="0" g="0" b="0"/>
+            <a:schemeClr val="accent1"/>
           </a:effectRef>
-          <a:fontRef idx="minor"/>
+          <a:fontRef idx="minor">
+            <a:schemeClr val="lt1"/>
+          </a:fontRef>
         </p:style>
         <p:txBody>
-          <a:bodyPr lIns="90000" tIns="45000" rIns="90000" bIns="45000" anchor="b"/>
+          <a:bodyPr rtlCol="0" anchor="ctr"/>
           <a:lstStyle/>
           <a:p>
-            <a:pPr>
-              <a:lnSpc>
-                <a:spcPct val="100000"/>
-              </a:lnSpc>
-            </a:pPr>
-            <a:r>
-              <a:rPr lang="de-DE" sz="4800" b="0" strike="noStrike" spc="-43">
-                <a:solidFill>
-                  <a:srgbClr val="404040"/>
-                </a:solidFill>
-                <a:uFill>
-                  <a:solidFill>
-                    <a:srgbClr val="FFFFFF"/>
-                  </a:solidFill>
-                </a:uFill>
-                <a:latin typeface="Calibri Light"/>
-                <a:ea typeface="DejaVu Sans"/>
-              </a:rPr>
-              <a:t>Angestellte</a:t>
-            </a:r>
-            <a:endParaRPr lang="de-DE" sz="1800" b="0" strike="noStrike" spc="-1">
-              <a:solidFill>
-                <a:srgbClr val="000000"/>
-              </a:solidFill>
-              <a:uFill>
-                <a:solidFill>
-                  <a:srgbClr val="FFFFFF"/>
-                </a:solidFill>
-              </a:uFill>
-              <a:latin typeface="Arial"/>
-            </a:endParaRPr>
+            <a:pPr algn="ctr"/>
+            <a:endParaRPr lang="de-DE"/>
           </a:p>
         </p:txBody>
       </p:sp>
       <p:pic>
         <p:nvPicPr>
-          <p:cNvPr id="109" name="Inhaltsplatzhalter 6"/>
-          <p:cNvPicPr/>
+          <p:cNvPr id="5" name="Grafik 4" descr="Ein Bild, das Screenshot enthält.&#10;&#10;Mit sehr hoher Zuverlässigkeit generierte Beschreibung">
+            <a:extLst>
+              <a:ext uri="{FF2B5EF4-FFF2-40B4-BE49-F238E27FC236}">
+                <a16:creationId xmlns:a16="http://schemas.microsoft.com/office/drawing/2014/main" id="{B38D145B-F6B3-47DA-AC23-747DC67F13B0}"/>
+              </a:ext>
+            </a:extLst>
+          </p:cNvPr>
+          <p:cNvPicPr>
+            <a:picLocks noChangeAspect="1"/>
+          </p:cNvPicPr>
           <p:nvPr/>
         </p:nvPicPr>
         <p:blipFill>
-          <a:blip r:embed="rId2"/>
-          <a:srcRect t="25496" r="-604"/>
-          <a:stretch/>
+          <a:blip r:embed="rId2">
+            <a:extLst>
+              <a:ext uri="{28A0092B-C50C-407E-A947-70E740481C1C}">
+                <a14:useLocalDpi xmlns:a14="http://schemas.microsoft.com/office/drawing/2010/main" val="0"/>
+              </a:ext>
+            </a:extLst>
+          </a:blip>
+          <a:stretch>
+            <a:fillRect/>
+          </a:stretch>
         </p:blipFill>
         <p:spPr>
           <a:xfrm>
-            <a:off x="1254600" y="1807200"/>
-            <a:ext cx="8140680" cy="4503600"/>
-          </a:xfrm>
-          <a:prstGeom prst="rect">
-            <a:avLst/>
-          </a:prstGeom>
-          <a:ln>
-            <a:noFill/>
-          </a:ln>
+            <a:off x="2317122" y="843280"/>
+            <a:ext cx="7557756" cy="4651930"/>
+          </a:xfrm>
+          <a:prstGeom prst="rect">
+            <a:avLst/>
+          </a:prstGeom>
         </p:spPr>
       </p:pic>
     </p:spTree>
+    <p:extLst>
+      <p:ext uri="{BB962C8B-B14F-4D97-AF65-F5344CB8AC3E}">
+        <p14:creationId xmlns:p14="http://schemas.microsoft.com/office/powerpoint/2010/main" val="1649062988"/>
+      </p:ext>
+    </p:extLst>
   </p:cSld>
   <p:clrMapOvr>
     <a:masterClrMapping/>
   </p:clrMapOvr>
-  <p:timing>
-    <p:tnLst>
-      <p:par>
-        <p:cTn id="1" dur="indefinite" restart="never" nodeType="tmRoot">
-          <p:childTnLst>
-            <p:seq>
-              <p:cTn id="2" nodeType="mainSeq"/>
-              <p:prevCondLst>
-                <p:cond evt="onPrev" delay="0">
-                  <p:tgtEl>
-                    <p:sldTgt/>
-                  </p:tgtEl>
-                </p:cond>
-              </p:prevCondLst>
-              <p:nextCondLst>
-                <p:cond evt="onNext" delay="0">
-                  <p:tgtEl>
-                    <p:sldTgt/>
-                  </p:tgtEl>
-                </p:cond>
-              </p:nextCondLst>
-            </p:seq>
-          </p:childTnLst>
-        </p:cTn>
-      </p:par>
-    </p:tnLst>
-  </p:timing>
 </p:sld>
 </file>
 
@@ -11420,7 +9529,7 @@
       </p:grpSpPr>
       <p:sp>
         <p:nvSpPr>
-          <p:cNvPr id="110" name="CustomShape 1"/>
+          <p:cNvPr id="114" name="CustomShape 1"/>
           <p:cNvSpPr/>
           <p:nvPr/>
         </p:nvSpPr>
@@ -11459,7 +9568,7 @@
               </a:lnSpc>
             </a:pPr>
             <a:r>
-              <a:rPr lang="de-DE" sz="4800" b="0" strike="noStrike" spc="-43">
+              <a:rPr lang="de-DE" sz="4800" b="0" strike="noStrike" spc="-43" dirty="0">
                 <a:solidFill>
                   <a:srgbClr val="404040"/>
                 </a:solidFill>
@@ -11471,9 +9580,9 @@
                 <a:latin typeface="Calibri Light"/>
                 <a:ea typeface="DejaVu Sans"/>
               </a:rPr>
-              <a:t>Adresse</a:t>
+              <a:t>Domains</a:t>
             </a:r>
-            <a:endParaRPr lang="de-DE" sz="1800" b="0" strike="noStrike" spc="-1">
+            <a:endParaRPr lang="de-DE" sz="1800" b="0" strike="noStrike" spc="-1" dirty="0">
               <a:solidFill>
                 <a:srgbClr val="000000"/>
               </a:solidFill>
@@ -11487,77 +9596,935 @@
           </a:p>
         </p:txBody>
       </p:sp>
-      <p:pic>
-        <p:nvPicPr>
-          <p:cNvPr id="111" name="Inhaltsplatzhalter 4"/>
-          <p:cNvPicPr/>
+      <p:sp>
+        <p:nvSpPr>
+          <p:cNvPr id="115" name="CustomShape 2"/>
+          <p:cNvSpPr/>
           <p:nvPr/>
-        </p:nvPicPr>
-        <p:blipFill>
-          <a:blip r:embed="rId2"/>
-          <a:srcRect b="14286"/>
-          <a:stretch/>
-        </p:blipFill>
-        <p:spPr>
-          <a:xfrm>
-            <a:off x="1097280" y="1855800"/>
-            <a:ext cx="4622040" cy="1936440"/>
-          </a:xfrm>
-          <a:prstGeom prst="rect">
-            <a:avLst/>
-          </a:prstGeom>
+        </p:nvSpPr>
+        <p:spPr>
+          <a:xfrm>
+            <a:off x="1097280" y="1845720"/>
+            <a:ext cx="4102200" cy="4022280"/>
+          </a:xfrm>
+          <a:prstGeom prst="rect">
+            <a:avLst/>
+          </a:prstGeom>
+          <a:noFill/>
           <a:ln>
             <a:noFill/>
           </a:ln>
         </p:spPr>
-      </p:pic>
-      <p:pic>
-        <p:nvPicPr>
-          <p:cNvPr id="112" name="Grafik 6"/>
-          <p:cNvPicPr/>
+        <p:style>
+          <a:lnRef idx="0">
+            <a:scrgbClr r="0" g="0" b="0"/>
+          </a:lnRef>
+          <a:fillRef idx="0">
+            <a:scrgbClr r="0" g="0" b="0"/>
+          </a:fillRef>
+          <a:effectRef idx="0">
+            <a:scrgbClr r="0" g="0" b="0"/>
+          </a:effectRef>
+          <a:fontRef idx="minor"/>
+        </p:style>
+        <p:txBody>
+          <a:bodyPr lIns="0" tIns="45000" rIns="0" bIns="45000"/>
+          <a:lstStyle/>
+          <a:p>
+            <a:pPr marL="91440" indent="-90360">
+              <a:lnSpc>
+                <a:spcPct val="100000"/>
+              </a:lnSpc>
+              <a:buClr>
+                <a:srgbClr val="E48312"/>
+              </a:buClr>
+              <a:buFont typeface="Arial"/>
+              <a:buChar char="•"/>
+            </a:pPr>
+            <a:r>
+              <a:rPr lang="de-DE" sz="2000" b="0" strike="noStrike" spc="-1" dirty="0">
+                <a:solidFill>
+                  <a:srgbClr val="404040"/>
+                </a:solidFill>
+                <a:uFill>
+                  <a:solidFill>
+                    <a:srgbClr val="FFFFFF"/>
+                  </a:solidFill>
+                </a:uFill>
+                <a:latin typeface="Calibri"/>
+                <a:ea typeface="DejaVu Sans"/>
+              </a:rPr>
+              <a:t> FUNKTION</a:t>
+            </a:r>
+            <a:endParaRPr lang="de-DE" sz="1800" b="0" strike="noStrike" spc="-1" dirty="0">
+              <a:solidFill>
+                <a:srgbClr val="000000"/>
+              </a:solidFill>
+              <a:uFill>
+                <a:solidFill>
+                  <a:srgbClr val="FFFFFF"/>
+                </a:solidFill>
+              </a:uFill>
+              <a:latin typeface="Arial"/>
+            </a:endParaRPr>
+          </a:p>
+          <a:p>
+            <a:pPr marL="384120" lvl="1" indent="-181800">
+              <a:lnSpc>
+                <a:spcPct val="100000"/>
+              </a:lnSpc>
+              <a:buClr>
+                <a:srgbClr val="E48312"/>
+              </a:buClr>
+              <a:buFont typeface="Arial"/>
+              <a:buChar char="•"/>
+            </a:pPr>
+            <a:r>
+              <a:rPr lang="de-DE" sz="1800" b="0" strike="noStrike" spc="-1" dirty="0">
+                <a:solidFill>
+                  <a:srgbClr val="404040"/>
+                </a:solidFill>
+                <a:uFill>
+                  <a:solidFill>
+                    <a:srgbClr val="FFFFFF"/>
+                  </a:solidFill>
+                </a:uFill>
+                <a:latin typeface="Calibri"/>
+                <a:ea typeface="DejaVu Sans"/>
+              </a:rPr>
+              <a:t>Chef</a:t>
+            </a:r>
+          </a:p>
+          <a:p>
+            <a:pPr marL="384120" lvl="1" indent="-181800">
+              <a:lnSpc>
+                <a:spcPct val="100000"/>
+              </a:lnSpc>
+              <a:buClr>
+                <a:srgbClr val="E48312"/>
+              </a:buClr>
+              <a:buFont typeface="Arial"/>
+              <a:buChar char="•"/>
+            </a:pPr>
+            <a:r>
+              <a:rPr lang="de-DE" sz="1800" b="0" strike="noStrike" spc="-1" dirty="0">
+                <a:solidFill>
+                  <a:srgbClr val="404040"/>
+                </a:solidFill>
+                <a:uFill>
+                  <a:solidFill>
+                    <a:srgbClr val="FFFFFF"/>
+                  </a:solidFill>
+                </a:uFill>
+                <a:latin typeface="Calibri"/>
+                <a:ea typeface="DejaVu Sans"/>
+              </a:rPr>
+              <a:t>Sekretär</a:t>
+            </a:r>
+            <a:endParaRPr lang="de-DE" sz="1800" b="0" strike="noStrike" spc="-1" dirty="0">
+              <a:solidFill>
+                <a:srgbClr val="000000"/>
+              </a:solidFill>
+              <a:uFill>
+                <a:solidFill>
+                  <a:srgbClr val="FFFFFF"/>
+                </a:solidFill>
+              </a:uFill>
+              <a:latin typeface="Arial"/>
+            </a:endParaRPr>
+          </a:p>
+          <a:p>
+            <a:pPr marL="384120" lvl="1" indent="-181800">
+              <a:lnSpc>
+                <a:spcPct val="100000"/>
+              </a:lnSpc>
+              <a:buClr>
+                <a:srgbClr val="E48312"/>
+              </a:buClr>
+              <a:buFont typeface="Arial"/>
+              <a:buChar char="•"/>
+            </a:pPr>
+            <a:r>
+              <a:rPr lang="de-DE" sz="1800" b="0" strike="noStrike" spc="-1" dirty="0">
+                <a:solidFill>
+                  <a:srgbClr val="404040"/>
+                </a:solidFill>
+                <a:uFill>
+                  <a:solidFill>
+                    <a:srgbClr val="FFFFFF"/>
+                  </a:solidFill>
+                </a:uFill>
+                <a:latin typeface="Calibri"/>
+                <a:ea typeface="DejaVu Sans"/>
+              </a:rPr>
+              <a:t>Fitness- Trainer</a:t>
+            </a:r>
+          </a:p>
+          <a:p>
+            <a:pPr marL="384120" lvl="1" indent="-181800">
+              <a:lnSpc>
+                <a:spcPct val="100000"/>
+              </a:lnSpc>
+              <a:buClr>
+                <a:srgbClr val="E48312"/>
+              </a:buClr>
+              <a:buFont typeface="Arial"/>
+              <a:buChar char="•"/>
+            </a:pPr>
+            <a:r>
+              <a:rPr lang="de-DE" spc="-1" dirty="0">
+                <a:solidFill>
+                  <a:srgbClr val="404040"/>
+                </a:solidFill>
+                <a:uFill>
+                  <a:solidFill>
+                    <a:srgbClr val="FFFFFF"/>
+                  </a:solidFill>
+                </a:uFill>
+                <a:latin typeface="Calibri"/>
+              </a:rPr>
+              <a:t>Herzsport Übungsleiter</a:t>
+            </a:r>
+            <a:endParaRPr lang="de-DE" sz="1800" b="0" strike="noStrike" spc="-1" dirty="0">
+              <a:solidFill>
+                <a:srgbClr val="000000"/>
+              </a:solidFill>
+              <a:uFill>
+                <a:solidFill>
+                  <a:srgbClr val="FFFFFF"/>
+                </a:solidFill>
+              </a:uFill>
+              <a:latin typeface="Arial"/>
+            </a:endParaRPr>
+          </a:p>
+          <a:p>
+            <a:pPr marL="384120" lvl="1" indent="-181800">
+              <a:lnSpc>
+                <a:spcPct val="100000"/>
+              </a:lnSpc>
+              <a:buClr>
+                <a:srgbClr val="E48312"/>
+              </a:buClr>
+              <a:buFont typeface="Arial"/>
+              <a:buChar char="•"/>
+            </a:pPr>
+            <a:r>
+              <a:rPr lang="de-DE" sz="1800" b="0" strike="noStrike" spc="-1" dirty="0">
+                <a:solidFill>
+                  <a:srgbClr val="404040"/>
+                </a:solidFill>
+                <a:uFill>
+                  <a:solidFill>
+                    <a:srgbClr val="FFFFFF"/>
+                  </a:solidFill>
+                </a:uFill>
+                <a:latin typeface="Calibri"/>
+                <a:ea typeface="DejaVu Sans"/>
+              </a:rPr>
+              <a:t>Masseur</a:t>
+            </a:r>
+          </a:p>
+          <a:p>
+            <a:pPr marL="384120" lvl="1" indent="-181800">
+              <a:lnSpc>
+                <a:spcPct val="100000"/>
+              </a:lnSpc>
+              <a:buClr>
+                <a:srgbClr val="E48312"/>
+              </a:buClr>
+              <a:buFont typeface="Arial"/>
+              <a:buChar char="•"/>
+            </a:pPr>
+            <a:endParaRPr lang="de-DE" sz="1800" b="0" strike="noStrike" spc="-1" dirty="0">
+              <a:solidFill>
+                <a:srgbClr val="000000"/>
+              </a:solidFill>
+              <a:uFill>
+                <a:solidFill>
+                  <a:srgbClr val="FFFFFF"/>
+                </a:solidFill>
+              </a:uFill>
+              <a:latin typeface="Arial"/>
+            </a:endParaRPr>
+          </a:p>
+          <a:p>
+            <a:pPr marL="384120" lvl="1" indent="-181800">
+              <a:lnSpc>
+                <a:spcPct val="100000"/>
+              </a:lnSpc>
+              <a:buClr>
+                <a:srgbClr val="E48312"/>
+              </a:buClr>
+              <a:buFont typeface="Arial"/>
+              <a:buChar char="•"/>
+            </a:pPr>
+            <a:endParaRPr lang="de-DE" sz="1800" b="0" strike="noStrike" spc="-1" dirty="0">
+              <a:solidFill>
+                <a:srgbClr val="000000"/>
+              </a:solidFill>
+              <a:uFill>
+                <a:solidFill>
+                  <a:srgbClr val="FFFFFF"/>
+                </a:solidFill>
+              </a:uFill>
+              <a:latin typeface="Arial"/>
+            </a:endParaRPr>
+          </a:p>
+          <a:p>
+            <a:pPr marL="91440" indent="-90360">
+              <a:lnSpc>
+                <a:spcPct val="100000"/>
+              </a:lnSpc>
+              <a:buClr>
+                <a:srgbClr val="E48312"/>
+              </a:buClr>
+              <a:buFont typeface="Arial"/>
+              <a:buChar char="•"/>
+            </a:pPr>
+            <a:r>
+              <a:rPr lang="de-DE" sz="2000" b="0" strike="noStrike" spc="-1" dirty="0">
+                <a:solidFill>
+                  <a:srgbClr val="404040"/>
+                </a:solidFill>
+                <a:uFill>
+                  <a:solidFill>
+                    <a:srgbClr val="FFFFFF"/>
+                  </a:solidFill>
+                </a:uFill>
+                <a:latin typeface="Calibri"/>
+                <a:ea typeface="DejaVu Sans"/>
+              </a:rPr>
+              <a:t> KÜNDIGUNGSFRIST</a:t>
+            </a:r>
+            <a:endParaRPr lang="de-DE" sz="1800" b="0" strike="noStrike" spc="-1" dirty="0">
+              <a:solidFill>
+                <a:srgbClr val="000000"/>
+              </a:solidFill>
+              <a:uFill>
+                <a:solidFill>
+                  <a:srgbClr val="FFFFFF"/>
+                </a:solidFill>
+              </a:uFill>
+              <a:latin typeface="Arial"/>
+            </a:endParaRPr>
+          </a:p>
+          <a:p>
+            <a:pPr marL="384120" lvl="1" indent="-181800">
+              <a:lnSpc>
+                <a:spcPct val="100000"/>
+              </a:lnSpc>
+              <a:buClr>
+                <a:srgbClr val="E48312"/>
+              </a:buClr>
+              <a:buFont typeface="Arial"/>
+              <a:buChar char="•"/>
+            </a:pPr>
+            <a:r>
+              <a:rPr lang="de-DE" sz="1800" b="0" strike="noStrike" spc="-1" dirty="0">
+                <a:solidFill>
+                  <a:srgbClr val="404040"/>
+                </a:solidFill>
+                <a:uFill>
+                  <a:solidFill>
+                    <a:srgbClr val="FFFFFF"/>
+                  </a:solidFill>
+                </a:uFill>
+                <a:latin typeface="Calibri"/>
+                <a:ea typeface="DejaVu Sans"/>
+              </a:rPr>
+              <a:t>1 (Monat)</a:t>
+            </a:r>
+            <a:endParaRPr lang="de-DE" sz="1800" b="0" strike="noStrike" spc="-1" dirty="0">
+              <a:solidFill>
+                <a:srgbClr val="000000"/>
+              </a:solidFill>
+              <a:uFill>
+                <a:solidFill>
+                  <a:srgbClr val="FFFFFF"/>
+                </a:solidFill>
+              </a:uFill>
+              <a:latin typeface="Arial"/>
+            </a:endParaRPr>
+          </a:p>
+          <a:p>
+            <a:pPr marL="384120" lvl="1" indent="-181800">
+              <a:lnSpc>
+                <a:spcPct val="100000"/>
+              </a:lnSpc>
+              <a:buClr>
+                <a:srgbClr val="E48312"/>
+              </a:buClr>
+              <a:buFont typeface="Arial"/>
+              <a:buChar char="•"/>
+            </a:pPr>
+            <a:r>
+              <a:rPr lang="de-DE" sz="1800" b="0" strike="noStrike" spc="-1" dirty="0">
+                <a:solidFill>
+                  <a:srgbClr val="404040"/>
+                </a:solidFill>
+                <a:uFill>
+                  <a:solidFill>
+                    <a:srgbClr val="FFFFFF"/>
+                  </a:solidFill>
+                </a:uFill>
+                <a:latin typeface="Calibri"/>
+                <a:ea typeface="DejaVu Sans"/>
+              </a:rPr>
+              <a:t>2 (Monat)</a:t>
+            </a:r>
+            <a:endParaRPr lang="de-DE" sz="1800" b="0" strike="noStrike" spc="-1" dirty="0">
+              <a:solidFill>
+                <a:srgbClr val="000000"/>
+              </a:solidFill>
+              <a:uFill>
+                <a:solidFill>
+                  <a:srgbClr val="FFFFFF"/>
+                </a:solidFill>
+              </a:uFill>
+              <a:latin typeface="Arial"/>
+            </a:endParaRPr>
+          </a:p>
+          <a:p>
+            <a:pPr marL="384120" lvl="1" indent="-181800">
+              <a:lnSpc>
+                <a:spcPct val="100000"/>
+              </a:lnSpc>
+              <a:buClr>
+                <a:srgbClr val="E48312"/>
+              </a:buClr>
+              <a:buFont typeface="Arial"/>
+              <a:buChar char="•"/>
+            </a:pPr>
+            <a:r>
+              <a:rPr lang="de-DE" sz="1800" b="0" strike="noStrike" spc="-1" dirty="0">
+                <a:solidFill>
+                  <a:srgbClr val="404040"/>
+                </a:solidFill>
+                <a:uFill>
+                  <a:solidFill>
+                    <a:srgbClr val="FFFFFF"/>
+                  </a:solidFill>
+                </a:uFill>
+                <a:latin typeface="Calibri"/>
+                <a:ea typeface="DejaVu Sans"/>
+              </a:rPr>
+              <a:t>3 (Monat)</a:t>
+            </a:r>
+            <a:endParaRPr lang="de-DE" sz="1800" b="0" strike="noStrike" spc="-1" dirty="0">
+              <a:solidFill>
+                <a:srgbClr val="000000"/>
+              </a:solidFill>
+              <a:uFill>
+                <a:solidFill>
+                  <a:srgbClr val="FFFFFF"/>
+                </a:solidFill>
+              </a:uFill>
+              <a:latin typeface="Arial"/>
+            </a:endParaRPr>
+          </a:p>
+        </p:txBody>
+      </p:sp>
+      <p:sp>
+        <p:nvSpPr>
+          <p:cNvPr id="116" name="CustomShape 3"/>
+          <p:cNvSpPr/>
           <p:nvPr/>
-        </p:nvPicPr>
-        <p:blipFill>
-          <a:blip r:embed="rId3"/>
-          <a:stretch/>
-        </p:blipFill>
-        <p:spPr>
-          <a:xfrm>
-            <a:off x="4748760" y="2153520"/>
-            <a:ext cx="4914000" cy="2278800"/>
-          </a:xfrm>
-          <a:prstGeom prst="rect">
-            <a:avLst/>
-          </a:prstGeom>
+        </p:nvSpPr>
+        <p:spPr>
+          <a:xfrm>
+            <a:off x="5400360" y="1845720"/>
+            <a:ext cx="4102200" cy="4022280"/>
+          </a:xfrm>
+          <a:prstGeom prst="rect">
+            <a:avLst/>
+          </a:prstGeom>
+          <a:noFill/>
           <a:ln>
             <a:noFill/>
           </a:ln>
         </p:spPr>
-      </p:pic>
-      <p:pic>
-        <p:nvPicPr>
-          <p:cNvPr id="113" name="Grafik 8"/>
-          <p:cNvPicPr/>
-          <p:nvPr/>
-        </p:nvPicPr>
-        <p:blipFill>
-          <a:blip r:embed="rId4"/>
-          <a:srcRect t="-797" r="1804" b="30346"/>
-          <a:stretch/>
-        </p:blipFill>
-        <p:spPr>
-          <a:xfrm>
-            <a:off x="5614200" y="4340160"/>
-            <a:ext cx="3035880" cy="1685520"/>
-          </a:xfrm>
-          <a:prstGeom prst="rect">
-            <a:avLst/>
-          </a:prstGeom>
-          <a:ln>
-            <a:noFill/>
-          </a:ln>
-        </p:spPr>
-      </p:pic>
+        <p:style>
+          <a:lnRef idx="0">
+            <a:scrgbClr r="0" g="0" b="0"/>
+          </a:lnRef>
+          <a:fillRef idx="0">
+            <a:scrgbClr r="0" g="0" b="0"/>
+          </a:fillRef>
+          <a:effectRef idx="0">
+            <a:scrgbClr r="0" g="0" b="0"/>
+          </a:effectRef>
+          <a:fontRef idx="minor"/>
+        </p:style>
+        <p:txBody>
+          <a:bodyPr lIns="0" tIns="45000" rIns="0" bIns="45000"/>
+          <a:lstStyle/>
+          <a:p>
+            <a:pPr marL="91440" indent="-90360">
+              <a:lnSpc>
+                <a:spcPct val="100000"/>
+              </a:lnSpc>
+              <a:buClr>
+                <a:srgbClr val="E48312"/>
+              </a:buClr>
+              <a:buFont typeface="Arial"/>
+              <a:buChar char="•"/>
+            </a:pPr>
+            <a:r>
+              <a:rPr lang="de-DE" sz="2000" b="0" strike="noStrike" spc="-1" dirty="0">
+                <a:solidFill>
+                  <a:srgbClr val="404040"/>
+                </a:solidFill>
+                <a:uFill>
+                  <a:solidFill>
+                    <a:srgbClr val="FFFFFF"/>
+                  </a:solidFill>
+                </a:uFill>
+                <a:latin typeface="Calibri"/>
+                <a:ea typeface="DejaVu Sans"/>
+              </a:rPr>
+              <a:t> KURSTYP</a:t>
+            </a:r>
+            <a:endParaRPr lang="de-DE" sz="1800" b="0" strike="noStrike" spc="-1" dirty="0">
+              <a:solidFill>
+                <a:srgbClr val="000000"/>
+              </a:solidFill>
+              <a:uFill>
+                <a:solidFill>
+                  <a:srgbClr val="FFFFFF"/>
+                </a:solidFill>
+              </a:uFill>
+              <a:latin typeface="Arial"/>
+            </a:endParaRPr>
+          </a:p>
+          <a:p>
+            <a:pPr marL="384120" lvl="1" indent="-181800">
+              <a:lnSpc>
+                <a:spcPct val="100000"/>
+              </a:lnSpc>
+              <a:buClr>
+                <a:srgbClr val="E48312"/>
+              </a:buClr>
+              <a:buFont typeface="Arial"/>
+              <a:buChar char="•"/>
+            </a:pPr>
+            <a:r>
+              <a:rPr lang="de-DE" sz="1800" b="0" strike="noStrike" spc="-1" dirty="0">
+                <a:solidFill>
+                  <a:srgbClr val="404040"/>
+                </a:solidFill>
+                <a:uFill>
+                  <a:solidFill>
+                    <a:srgbClr val="FFFFFF"/>
+                  </a:solidFill>
+                </a:uFill>
+                <a:latin typeface="Calibri"/>
+                <a:ea typeface="DejaVu Sans"/>
+              </a:rPr>
+              <a:t>Yoga</a:t>
+            </a:r>
+            <a:endParaRPr lang="de-DE" sz="1800" b="0" strike="noStrike" spc="-1" dirty="0">
+              <a:solidFill>
+                <a:srgbClr val="000000"/>
+              </a:solidFill>
+              <a:uFill>
+                <a:solidFill>
+                  <a:srgbClr val="FFFFFF"/>
+                </a:solidFill>
+              </a:uFill>
+              <a:latin typeface="Arial"/>
+            </a:endParaRPr>
+          </a:p>
+          <a:p>
+            <a:pPr marL="384120" lvl="1" indent="-181800">
+              <a:lnSpc>
+                <a:spcPct val="100000"/>
+              </a:lnSpc>
+              <a:buClr>
+                <a:srgbClr val="E48312"/>
+              </a:buClr>
+              <a:buFont typeface="Arial"/>
+              <a:buChar char="•"/>
+            </a:pPr>
+            <a:r>
+              <a:rPr lang="de-DE" sz="1800" b="0" strike="noStrike" spc="-1" dirty="0">
+                <a:solidFill>
+                  <a:srgbClr val="404040"/>
+                </a:solidFill>
+                <a:uFill>
+                  <a:solidFill>
+                    <a:srgbClr val="FFFFFF"/>
+                  </a:solidFill>
+                </a:uFill>
+                <a:latin typeface="Calibri"/>
+                <a:ea typeface="DejaVu Sans"/>
+              </a:rPr>
+              <a:t>Herz- Kreislauf</a:t>
+            </a:r>
+            <a:endParaRPr lang="de-DE" sz="1800" b="0" strike="noStrike" spc="-1" dirty="0">
+              <a:solidFill>
+                <a:srgbClr val="000000"/>
+              </a:solidFill>
+              <a:uFill>
+                <a:solidFill>
+                  <a:srgbClr val="FFFFFF"/>
+                </a:solidFill>
+              </a:uFill>
+              <a:latin typeface="Arial"/>
+            </a:endParaRPr>
+          </a:p>
+          <a:p>
+            <a:pPr marL="384120" lvl="1" indent="-181800">
+              <a:lnSpc>
+                <a:spcPct val="100000"/>
+              </a:lnSpc>
+              <a:buClr>
+                <a:srgbClr val="E48312"/>
+              </a:buClr>
+              <a:buFont typeface="Arial"/>
+              <a:buChar char="•"/>
+            </a:pPr>
+            <a:r>
+              <a:rPr lang="de-DE" sz="1800" b="0" strike="noStrike" spc="-1" dirty="0">
+                <a:solidFill>
+                  <a:srgbClr val="404040"/>
+                </a:solidFill>
+                <a:uFill>
+                  <a:solidFill>
+                    <a:srgbClr val="FFFFFF"/>
+                  </a:solidFill>
+                </a:uFill>
+                <a:latin typeface="Calibri"/>
+                <a:ea typeface="DejaVu Sans"/>
+              </a:rPr>
+              <a:t>Pilates</a:t>
+            </a:r>
+            <a:endParaRPr lang="de-DE" sz="1800" b="0" strike="noStrike" spc="-1" dirty="0">
+              <a:solidFill>
+                <a:srgbClr val="000000"/>
+              </a:solidFill>
+              <a:uFill>
+                <a:solidFill>
+                  <a:srgbClr val="FFFFFF"/>
+                </a:solidFill>
+              </a:uFill>
+              <a:latin typeface="Arial"/>
+            </a:endParaRPr>
+          </a:p>
+          <a:p>
+            <a:pPr marL="384120" lvl="1" indent="-181800">
+              <a:lnSpc>
+                <a:spcPct val="100000"/>
+              </a:lnSpc>
+              <a:buClr>
+                <a:srgbClr val="E48312"/>
+              </a:buClr>
+              <a:buFont typeface="Arial"/>
+              <a:buChar char="•"/>
+            </a:pPr>
+            <a:r>
+              <a:rPr lang="de-DE" sz="1800" b="0" strike="noStrike" spc="-1" dirty="0">
+                <a:solidFill>
+                  <a:srgbClr val="404040"/>
+                </a:solidFill>
+                <a:uFill>
+                  <a:solidFill>
+                    <a:srgbClr val="FFFFFF"/>
+                  </a:solidFill>
+                </a:uFill>
+                <a:latin typeface="Calibri"/>
+                <a:ea typeface="DejaVu Sans"/>
+              </a:rPr>
+              <a:t>Koronarsport</a:t>
+            </a:r>
+            <a:endParaRPr lang="de-DE" sz="1800" b="0" strike="noStrike" spc="-1" dirty="0">
+              <a:solidFill>
+                <a:srgbClr val="000000"/>
+              </a:solidFill>
+              <a:uFill>
+                <a:solidFill>
+                  <a:srgbClr val="FFFFFF"/>
+                </a:solidFill>
+              </a:uFill>
+              <a:latin typeface="Arial"/>
+            </a:endParaRPr>
+          </a:p>
+          <a:p>
+            <a:pPr marL="384120" lvl="1" indent="-181800">
+              <a:lnSpc>
+                <a:spcPct val="100000"/>
+              </a:lnSpc>
+              <a:buClr>
+                <a:srgbClr val="E48312"/>
+              </a:buClr>
+              <a:buFont typeface="Arial"/>
+              <a:buChar char="•"/>
+            </a:pPr>
+            <a:r>
+              <a:rPr lang="de-DE" sz="1800" b="0" strike="noStrike" spc="-1" dirty="0">
+                <a:solidFill>
+                  <a:srgbClr val="404040"/>
+                </a:solidFill>
+                <a:uFill>
+                  <a:solidFill>
+                    <a:srgbClr val="FFFFFF"/>
+                  </a:solidFill>
+                </a:uFill>
+                <a:latin typeface="Calibri"/>
+                <a:ea typeface="DejaVu Sans"/>
+              </a:rPr>
+              <a:t>Rückengymnastik</a:t>
+            </a:r>
+            <a:endParaRPr lang="de-DE" sz="1800" b="0" strike="noStrike" spc="-1" dirty="0">
+              <a:solidFill>
+                <a:srgbClr val="000000"/>
+              </a:solidFill>
+              <a:uFill>
+                <a:solidFill>
+                  <a:srgbClr val="FFFFFF"/>
+                </a:solidFill>
+              </a:uFill>
+              <a:latin typeface="Arial"/>
+            </a:endParaRPr>
+          </a:p>
+          <a:p>
+            <a:pPr marL="384120" lvl="1" indent="-181800">
+              <a:lnSpc>
+                <a:spcPct val="100000"/>
+              </a:lnSpc>
+              <a:buClr>
+                <a:srgbClr val="E48312"/>
+              </a:buClr>
+              <a:buFont typeface="Arial"/>
+              <a:buChar char="•"/>
+            </a:pPr>
+            <a:r>
+              <a:rPr lang="de-DE" sz="1800" b="0" strike="noStrike" spc="-1" dirty="0">
+                <a:solidFill>
+                  <a:srgbClr val="404040"/>
+                </a:solidFill>
+                <a:uFill>
+                  <a:solidFill>
+                    <a:srgbClr val="FFFFFF"/>
+                  </a:solidFill>
+                </a:uFill>
+                <a:latin typeface="Calibri"/>
+                <a:ea typeface="DejaVu Sans"/>
+              </a:rPr>
+              <a:t>Beckenbodengymnastik</a:t>
+            </a:r>
+          </a:p>
+          <a:p>
+            <a:pPr marL="384120" lvl="1" indent="-181800">
+              <a:lnSpc>
+                <a:spcPct val="100000"/>
+              </a:lnSpc>
+              <a:buClr>
+                <a:srgbClr val="E48312"/>
+              </a:buClr>
+              <a:buFont typeface="Arial"/>
+              <a:buChar char="•"/>
+            </a:pPr>
+            <a:endParaRPr lang="de-DE" sz="1800" b="0" strike="noStrike" spc="-1" dirty="0">
+              <a:solidFill>
+                <a:srgbClr val="000000"/>
+              </a:solidFill>
+              <a:uFill>
+                <a:solidFill>
+                  <a:srgbClr val="FFFFFF"/>
+                </a:solidFill>
+              </a:uFill>
+              <a:latin typeface="Arial"/>
+            </a:endParaRPr>
+          </a:p>
+          <a:p>
+            <a:pPr marL="91440" indent="-90360">
+              <a:lnSpc>
+                <a:spcPct val="100000"/>
+              </a:lnSpc>
+              <a:buClr>
+                <a:srgbClr val="E48312"/>
+              </a:buClr>
+              <a:buFont typeface="Arial"/>
+              <a:buChar char="•"/>
+            </a:pPr>
+            <a:r>
+              <a:rPr lang="de-DE" sz="2000" b="0" strike="noStrike" spc="-1" dirty="0">
+                <a:solidFill>
+                  <a:srgbClr val="404040"/>
+                </a:solidFill>
+                <a:uFill>
+                  <a:solidFill>
+                    <a:srgbClr val="FFFFFF"/>
+                  </a:solidFill>
+                </a:uFill>
+                <a:latin typeface="Calibri"/>
+                <a:ea typeface="DejaVu Sans"/>
+              </a:rPr>
+              <a:t> ZAHLUNGSART</a:t>
+            </a:r>
+            <a:endParaRPr lang="de-DE" sz="1800" b="0" strike="noStrike" spc="-1" dirty="0">
+              <a:solidFill>
+                <a:srgbClr val="000000"/>
+              </a:solidFill>
+              <a:uFill>
+                <a:solidFill>
+                  <a:srgbClr val="FFFFFF"/>
+                </a:solidFill>
+              </a:uFill>
+              <a:latin typeface="Arial"/>
+            </a:endParaRPr>
+          </a:p>
+          <a:p>
+            <a:pPr marL="384120" lvl="1" indent="-181800">
+              <a:lnSpc>
+                <a:spcPct val="100000"/>
+              </a:lnSpc>
+              <a:buClr>
+                <a:srgbClr val="E48312"/>
+              </a:buClr>
+              <a:buFont typeface="Arial"/>
+              <a:buChar char="•"/>
+            </a:pPr>
+            <a:r>
+              <a:rPr lang="de-DE" sz="1800" b="0" strike="noStrike" spc="-1" dirty="0">
+                <a:solidFill>
+                  <a:srgbClr val="404040"/>
+                </a:solidFill>
+                <a:uFill>
+                  <a:solidFill>
+                    <a:srgbClr val="FFFFFF"/>
+                  </a:solidFill>
+                </a:uFill>
+                <a:latin typeface="Calibri"/>
+                <a:ea typeface="DejaVu Sans"/>
+              </a:rPr>
+              <a:t>Lastschrift</a:t>
+            </a:r>
+            <a:endParaRPr lang="de-DE" sz="1800" b="0" strike="noStrike" spc="-1" dirty="0">
+              <a:solidFill>
+                <a:srgbClr val="000000"/>
+              </a:solidFill>
+              <a:uFill>
+                <a:solidFill>
+                  <a:srgbClr val="FFFFFF"/>
+                </a:solidFill>
+              </a:uFill>
+              <a:latin typeface="Arial"/>
+            </a:endParaRPr>
+          </a:p>
+          <a:p>
+            <a:pPr marL="384120" lvl="1" indent="-181800">
+              <a:lnSpc>
+                <a:spcPct val="100000"/>
+              </a:lnSpc>
+              <a:buClr>
+                <a:srgbClr val="E48312"/>
+              </a:buClr>
+              <a:buFont typeface="Arial"/>
+              <a:buChar char="•"/>
+            </a:pPr>
+            <a:r>
+              <a:rPr lang="de-DE" spc="-1" dirty="0">
+                <a:solidFill>
+                  <a:srgbClr val="404040"/>
+                </a:solidFill>
+                <a:uFill>
+                  <a:solidFill>
+                    <a:srgbClr val="FFFFFF"/>
+                  </a:solidFill>
+                </a:uFill>
+                <a:latin typeface="Calibri"/>
+              </a:rPr>
+              <a:t>Rechnung</a:t>
+            </a:r>
+            <a:endParaRPr lang="de-DE" sz="1800" b="0" strike="noStrike" spc="-1" dirty="0">
+              <a:solidFill>
+                <a:srgbClr val="000000"/>
+              </a:solidFill>
+              <a:uFill>
+                <a:solidFill>
+                  <a:srgbClr val="FFFFFF"/>
+                </a:solidFill>
+              </a:uFill>
+              <a:latin typeface="Arial"/>
+            </a:endParaRPr>
+          </a:p>
+          <a:p>
+            <a:pPr marL="384120" lvl="1" indent="-181800">
+              <a:lnSpc>
+                <a:spcPct val="100000"/>
+              </a:lnSpc>
+              <a:buClr>
+                <a:srgbClr val="E48312"/>
+              </a:buClr>
+              <a:buFont typeface="Arial"/>
+              <a:buChar char="•"/>
+            </a:pPr>
+            <a:r>
+              <a:rPr lang="de-DE" sz="1800" b="0" strike="noStrike" spc="-1" dirty="0">
+                <a:solidFill>
+                  <a:srgbClr val="404040"/>
+                </a:solidFill>
+                <a:uFill>
+                  <a:solidFill>
+                    <a:srgbClr val="FFFFFF"/>
+                  </a:solidFill>
+                </a:uFill>
+                <a:latin typeface="Calibri"/>
+                <a:ea typeface="DejaVu Sans"/>
+              </a:rPr>
+              <a:t>PayPal</a:t>
+            </a:r>
+            <a:endParaRPr lang="de-DE" sz="1800" b="0" strike="noStrike" spc="-1" dirty="0">
+              <a:solidFill>
+                <a:srgbClr val="000000"/>
+              </a:solidFill>
+              <a:uFill>
+                <a:solidFill>
+                  <a:srgbClr val="FFFFFF"/>
+                </a:solidFill>
+              </a:uFill>
+              <a:latin typeface="Arial"/>
+            </a:endParaRPr>
+          </a:p>
+          <a:p>
+            <a:pPr>
+              <a:lnSpc>
+                <a:spcPct val="100000"/>
+              </a:lnSpc>
+            </a:pPr>
+            <a:endParaRPr lang="de-DE" sz="1800" b="0" strike="noStrike" spc="-1" dirty="0">
+              <a:solidFill>
+                <a:srgbClr val="000000"/>
+              </a:solidFill>
+              <a:uFill>
+                <a:solidFill>
+                  <a:srgbClr val="FFFFFF"/>
+                </a:solidFill>
+              </a:uFill>
+              <a:latin typeface="Arial"/>
+            </a:endParaRPr>
+          </a:p>
+          <a:p>
+            <a:pPr>
+              <a:lnSpc>
+                <a:spcPct val="100000"/>
+              </a:lnSpc>
+            </a:pPr>
+            <a:endParaRPr lang="de-DE" sz="1800" b="0" strike="noStrike" spc="-1" dirty="0">
+              <a:solidFill>
+                <a:srgbClr val="000000"/>
+              </a:solidFill>
+              <a:uFill>
+                <a:solidFill>
+                  <a:srgbClr val="FFFFFF"/>
+                </a:solidFill>
+              </a:uFill>
+              <a:latin typeface="Arial"/>
+            </a:endParaRPr>
+          </a:p>
+        </p:txBody>
+      </p:sp>
     </p:spTree>
   </p:cSld>
   <p:clrMapOvr>
